--- a/publications/presentation-2022-04-geroscience/beasley-2022-04-n3c-geroscience.pptx
+++ b/publications/presentation-2022-04-geroscience/beasley-2022-04-n3c-geroscience.pptx
@@ -5,25 +5,28 @@
     <p:sldMasterId id="2147483648" r:id="rId1"/>
   </p:sldMasterIdLst>
   <p:notesMasterIdLst>
-    <p:notesMasterId r:id="rId18"/>
+    <p:notesMasterId r:id="rId21"/>
   </p:notesMasterIdLst>
   <p:sldIdLst>
     <p:sldId id="292" r:id="rId2"/>
-    <p:sldId id="368" r:id="rId3"/>
-    <p:sldId id="369" r:id="rId4"/>
-    <p:sldId id="371" r:id="rId5"/>
-    <p:sldId id="373" r:id="rId6"/>
-    <p:sldId id="372" r:id="rId7"/>
-    <p:sldId id="374" r:id="rId8"/>
-    <p:sldId id="375" r:id="rId9"/>
-    <p:sldId id="377" r:id="rId10"/>
-    <p:sldId id="378" r:id="rId11"/>
-    <p:sldId id="379" r:id="rId12"/>
-    <p:sldId id="380" r:id="rId13"/>
-    <p:sldId id="376" r:id="rId14"/>
-    <p:sldId id="370" r:id="rId15"/>
-    <p:sldId id="367" r:id="rId16"/>
-    <p:sldId id="296" r:id="rId17"/>
+    <p:sldId id="382" r:id="rId3"/>
+    <p:sldId id="381" r:id="rId4"/>
+    <p:sldId id="368" r:id="rId5"/>
+    <p:sldId id="383" r:id="rId6"/>
+    <p:sldId id="369" r:id="rId7"/>
+    <p:sldId id="371" r:id="rId8"/>
+    <p:sldId id="373" r:id="rId9"/>
+    <p:sldId id="372" r:id="rId10"/>
+    <p:sldId id="374" r:id="rId11"/>
+    <p:sldId id="375" r:id="rId12"/>
+    <p:sldId id="377" r:id="rId13"/>
+    <p:sldId id="378" r:id="rId14"/>
+    <p:sldId id="379" r:id="rId15"/>
+    <p:sldId id="380" r:id="rId16"/>
+    <p:sldId id="376" r:id="rId17"/>
+    <p:sldId id="370" r:id="rId18"/>
+    <p:sldId id="367" r:id="rId19"/>
+    <p:sldId id="296" r:id="rId20"/>
   </p:sldIdLst>
   <p:sldSz cx="12192000" cy="6858000"/>
   <p:notesSz cx="6858000" cy="9144000"/>
@@ -666,7 +669,7 @@
           <a:p>
             <a:fld id="{372B4D55-8C27-4C2C-B1CD-E79AEC43B316}" type="slidenum">
               <a:rPr lang="en-US" smtClean="0"/>
-              <a:t>13</a:t>
+              <a:t>16</a:t>
             </a:fld>
             <a:endParaRPr lang="en-US"/>
           </a:p>
@@ -775,7 +778,7 @@
           <a:p>
             <a:fld id="{372B4D55-8C27-4C2C-B1CD-E79AEC43B316}" type="slidenum">
               <a:rPr lang="en-US" smtClean="0"/>
-              <a:t>14</a:t>
+              <a:t>17</a:t>
             </a:fld>
             <a:endParaRPr lang="en-US"/>
           </a:p>
@@ -864,7 +867,7 @@
                 </a:solidFill>
               </a:rPr>
               <a:pPr/>
-              <a:t>15</a:t>
+              <a:t>18</a:t>
             </a:fld>
             <a:endParaRPr lang="en-US">
               <a:solidFill>
@@ -952,7 +955,7 @@
           <a:p>
             <a:fld id="{372B4D55-8C27-4C2C-B1CD-E79AEC43B316}" type="slidenum">
               <a:rPr lang="en-US" smtClean="0"/>
-              <a:t>5</a:t>
+              <a:t>8</a:t>
             </a:fld>
             <a:endParaRPr lang="en-US"/>
           </a:p>
@@ -1036,7 +1039,7 @@
           <a:p>
             <a:fld id="{372B4D55-8C27-4C2C-B1CD-E79AEC43B316}" type="slidenum">
               <a:rPr lang="en-US" smtClean="0"/>
-              <a:t>6</a:t>
+              <a:t>9</a:t>
             </a:fld>
             <a:endParaRPr lang="en-US"/>
           </a:p>
@@ -1120,7 +1123,7 @@
           <a:p>
             <a:fld id="{372B4D55-8C27-4C2C-B1CD-E79AEC43B316}" type="slidenum">
               <a:rPr lang="en-US" smtClean="0"/>
-              <a:t>7</a:t>
+              <a:t>10</a:t>
             </a:fld>
             <a:endParaRPr lang="en-US"/>
           </a:p>
@@ -1204,7 +1207,7 @@
           <a:p>
             <a:fld id="{372B4D55-8C27-4C2C-B1CD-E79AEC43B316}" type="slidenum">
               <a:rPr lang="en-US" smtClean="0"/>
-              <a:t>8</a:t>
+              <a:t>11</a:t>
             </a:fld>
             <a:endParaRPr lang="en-US"/>
           </a:p>
@@ -1288,7 +1291,7 @@
           <a:p>
             <a:fld id="{372B4D55-8C27-4C2C-B1CD-E79AEC43B316}" type="slidenum">
               <a:rPr lang="en-US" smtClean="0"/>
-              <a:t>9</a:t>
+              <a:t>12</a:t>
             </a:fld>
             <a:endParaRPr lang="en-US"/>
           </a:p>
@@ -1372,7 +1375,7 @@
           <a:p>
             <a:fld id="{372B4D55-8C27-4C2C-B1CD-E79AEC43B316}" type="slidenum">
               <a:rPr lang="en-US" smtClean="0"/>
-              <a:t>10</a:t>
+              <a:t>13</a:t>
             </a:fld>
             <a:endParaRPr lang="en-US"/>
           </a:p>
@@ -1456,7 +1459,7 @@
           <a:p>
             <a:fld id="{372B4D55-8C27-4C2C-B1CD-E79AEC43B316}" type="slidenum">
               <a:rPr lang="en-US" smtClean="0"/>
-              <a:t>11</a:t>
+              <a:t>14</a:t>
             </a:fld>
             <a:endParaRPr lang="en-US"/>
           </a:p>
@@ -1540,7 +1543,7 @@
           <a:p>
             <a:fld id="{372B4D55-8C27-4C2C-B1CD-E79AEC43B316}" type="slidenum">
               <a:rPr lang="en-US" smtClean="0"/>
-              <a:t>12</a:t>
+              <a:t>15</a:t>
             </a:fld>
             <a:endParaRPr lang="en-US"/>
           </a:p>
@@ -4872,6 +4875,13 @@
   <p:clrMapOvr>
     <a:masterClrMapping/>
   </p:clrMapOvr>
+  <p:timing>
+    <p:tnLst>
+      <p:par>
+        <p:cTn id="1" dur="indefinite" restart="never" nodeType="tmRoot"/>
+      </p:par>
+    </p:tnLst>
+  </p:timing>
 </p:sld>
 </file>
 
@@ -4909,6 +4919,2643 @@
           </a:xfrm>
         </p:spPr>
         <p:txBody>
+          <a:bodyPr/>
+          <a:lstStyle/>
+          <a:p>
+            <a:r>
+              <a:rPr lang="en-US" dirty="0" smtClean="0"/>
+              <a:t>Designate Covid</a:t>
+            </a:r>
+            <a:endParaRPr lang="en-US" dirty="0"/>
+          </a:p>
+        </p:txBody>
+      </p:sp>
+      <p:sp>
+        <p:nvSpPr>
+          <p:cNvPr id="3" name="Content Placeholder 2"/>
+          <p:cNvSpPr>
+            <a:spLocks noGrp="1"/>
+          </p:cNvSpPr>
+          <p:nvPr>
+            <p:ph idx="1"/>
+          </p:nvPr>
+        </p:nvSpPr>
+        <p:spPr>
+          <a:xfrm>
+            <a:off x="0" y="1144590"/>
+            <a:ext cx="12192000" cy="5713410"/>
+          </a:xfrm>
+        </p:spPr>
+        <p:txBody>
+          <a:bodyPr>
+            <a:normAutofit/>
+          </a:bodyPr>
+          <a:lstStyle/>
+          <a:p>
+            <a:pPr marL="231775" lvl="0" indent="-231775" eaLnBrk="0" fontAlgn="base" hangingPunct="0">
+              <a:lnSpc>
+                <a:spcPct val="100000"/>
+              </a:lnSpc>
+              <a:spcBef>
+                <a:spcPct val="0"/>
+              </a:spcBef>
+              <a:spcAft>
+                <a:spcPct val="0"/>
+              </a:spcAft>
+            </a:pPr>
+            <a:r>
+              <a:rPr lang="en-US" dirty="0" smtClean="0"/>
+              <a:t>2</a:t>
+            </a:r>
+            <a:r>
+              <a:rPr lang="en-US" baseline="30000" dirty="0" smtClean="0"/>
+              <a:t>nd</a:t>
+            </a:r>
+            <a:r>
+              <a:rPr lang="en-US" dirty="0" smtClean="0"/>
+              <a:t> iteration: include characteristics</a:t>
+            </a:r>
+          </a:p>
+          <a:p>
+            <a:pPr marL="231775" lvl="0" indent="-231775" eaLnBrk="0" fontAlgn="base" hangingPunct="0">
+              <a:lnSpc>
+                <a:spcPct val="100000"/>
+              </a:lnSpc>
+              <a:spcBef>
+                <a:spcPct val="0"/>
+              </a:spcBef>
+              <a:spcAft>
+                <a:spcPct val="0"/>
+              </a:spcAft>
+            </a:pPr>
+            <a:endParaRPr lang="en-US" dirty="0" smtClean="0"/>
+          </a:p>
+          <a:p>
+            <a:pPr marL="231775" lvl="0" indent="-231775" eaLnBrk="0" fontAlgn="base" hangingPunct="0">
+              <a:lnSpc>
+                <a:spcPct val="100000"/>
+              </a:lnSpc>
+              <a:spcBef>
+                <a:spcPct val="0"/>
+              </a:spcBef>
+              <a:spcAft>
+                <a:spcPct val="0"/>
+              </a:spcAft>
+            </a:pPr>
+            <a:endParaRPr lang="en-US" dirty="0" smtClean="0"/>
+          </a:p>
+          <a:p>
+            <a:pPr marL="0" indent="0">
+              <a:buNone/>
+            </a:pPr>
+            <a:r>
+              <a:rPr lang="en-US" sz="2000" dirty="0" smtClean="0">
+                <a:solidFill>
+                  <a:srgbClr val="859900"/>
+                </a:solidFill>
+                <a:latin typeface="Consolas" panose="020B0609020204030204" pitchFamily="49" charset="0"/>
+              </a:rPr>
+              <a:t>SELECT</a:t>
+            </a:r>
+            <a:r>
+              <a:rPr lang="en-US" sz="2000" dirty="0" smtClean="0">
+                <a:solidFill>
+                  <a:srgbClr val="839496"/>
+                </a:solidFill>
+                <a:latin typeface="Consolas" panose="020B0609020204030204" pitchFamily="49" charset="0"/>
+              </a:rPr>
+              <a:t> </a:t>
+            </a:r>
+          </a:p>
+          <a:p>
+            <a:pPr marL="0" indent="0">
+              <a:buNone/>
+            </a:pPr>
+            <a:r>
+              <a:rPr lang="en-US" sz="2000" dirty="0" smtClean="0">
+                <a:solidFill>
+                  <a:srgbClr val="839496"/>
+                </a:solidFill>
+                <a:latin typeface="Consolas" panose="020B0609020204030204" pitchFamily="49" charset="0"/>
+              </a:rPr>
+              <a:t>    </a:t>
+            </a:r>
+            <a:r>
+              <a:rPr lang="en-US" sz="2000" dirty="0" err="1" smtClean="0">
+                <a:solidFill>
+                  <a:srgbClr val="839496"/>
+                </a:solidFill>
+                <a:latin typeface="Consolas" panose="020B0609020204030204" pitchFamily="49" charset="0"/>
+              </a:rPr>
+              <a:t>person_id</a:t>
+            </a:r>
+            <a:endParaRPr lang="en-US" sz="2000" dirty="0" smtClean="0">
+              <a:solidFill>
+                <a:srgbClr val="839496"/>
+              </a:solidFill>
+              <a:latin typeface="Consolas" panose="020B0609020204030204" pitchFamily="49" charset="0"/>
+            </a:endParaRPr>
+          </a:p>
+          <a:p>
+            <a:pPr marL="0" indent="0">
+              <a:buNone/>
+            </a:pPr>
+            <a:r>
+              <a:rPr lang="en-US" sz="2000" dirty="0" smtClean="0">
+                <a:solidFill>
+                  <a:srgbClr val="839496"/>
+                </a:solidFill>
+                <a:latin typeface="Consolas" panose="020B0609020204030204" pitchFamily="49" charset="0"/>
+              </a:rPr>
+              <a:t>    ,</a:t>
+            </a:r>
+            <a:r>
+              <a:rPr lang="en-US" sz="2000" dirty="0" smtClean="0">
+                <a:solidFill>
+                  <a:srgbClr val="268BD2"/>
+                </a:solidFill>
+                <a:latin typeface="Consolas" panose="020B0609020204030204" pitchFamily="49" charset="0"/>
+              </a:rPr>
+              <a:t>min</a:t>
+            </a:r>
+            <a:r>
+              <a:rPr lang="en-US" sz="2000" dirty="0" smtClean="0">
+                <a:solidFill>
+                  <a:srgbClr val="839496"/>
+                </a:solidFill>
+                <a:latin typeface="Consolas" panose="020B0609020204030204" pitchFamily="49" charset="0"/>
+              </a:rPr>
+              <a:t>(</a:t>
+            </a:r>
+            <a:r>
+              <a:rPr lang="en-US" sz="2000" dirty="0" err="1" smtClean="0">
+                <a:solidFill>
+                  <a:srgbClr val="839496"/>
+                </a:solidFill>
+                <a:latin typeface="Consolas" panose="020B0609020204030204" pitchFamily="49" charset="0"/>
+              </a:rPr>
+              <a:t>condition_start_date</a:t>
+            </a:r>
+            <a:r>
+              <a:rPr lang="en-US" sz="2000" dirty="0" smtClean="0">
+                <a:solidFill>
+                  <a:srgbClr val="839496"/>
+                </a:solidFill>
+                <a:latin typeface="Consolas" panose="020B0609020204030204" pitchFamily="49" charset="0"/>
+              </a:rPr>
+              <a:t>) </a:t>
+            </a:r>
+            <a:r>
+              <a:rPr lang="en-US" sz="2000" dirty="0" smtClean="0">
+                <a:solidFill>
+                  <a:srgbClr val="859900"/>
+                </a:solidFill>
+                <a:latin typeface="Consolas" panose="020B0609020204030204" pitchFamily="49" charset="0"/>
+              </a:rPr>
+              <a:t>as</a:t>
+            </a:r>
+            <a:r>
+              <a:rPr lang="en-US" sz="2000" dirty="0" smtClean="0">
+                <a:solidFill>
+                  <a:srgbClr val="839496"/>
+                </a:solidFill>
+                <a:latin typeface="Consolas" panose="020B0609020204030204" pitchFamily="49" charset="0"/>
+              </a:rPr>
+              <a:t> </a:t>
+            </a:r>
+            <a:r>
+              <a:rPr lang="en-US" sz="2000" dirty="0" err="1" smtClean="0">
+                <a:solidFill>
+                  <a:srgbClr val="839496"/>
+                </a:solidFill>
+                <a:latin typeface="Consolas" panose="020B0609020204030204" pitchFamily="49" charset="0"/>
+              </a:rPr>
+              <a:t>dx_first</a:t>
+            </a:r>
+            <a:endParaRPr lang="en-US" sz="2000" dirty="0" smtClean="0">
+              <a:solidFill>
+                <a:srgbClr val="839496"/>
+              </a:solidFill>
+              <a:latin typeface="Consolas" panose="020B0609020204030204" pitchFamily="49" charset="0"/>
+            </a:endParaRPr>
+          </a:p>
+          <a:p>
+            <a:pPr marL="0" indent="0">
+              <a:buNone/>
+            </a:pPr>
+            <a:r>
+              <a:rPr lang="en-US" sz="2000" dirty="0" smtClean="0">
+                <a:solidFill>
+                  <a:srgbClr val="839496"/>
+                </a:solidFill>
+                <a:latin typeface="Consolas" panose="020B0609020204030204" pitchFamily="49" charset="0"/>
+              </a:rPr>
+              <a:t>    ,</a:t>
+            </a:r>
+            <a:r>
+              <a:rPr lang="en-US" sz="2000" dirty="0" smtClean="0">
+                <a:solidFill>
+                  <a:srgbClr val="268BD2"/>
+                </a:solidFill>
+                <a:latin typeface="Consolas" panose="020B0609020204030204" pitchFamily="49" charset="0"/>
+              </a:rPr>
+              <a:t>max</a:t>
+            </a:r>
+            <a:r>
+              <a:rPr lang="en-US" sz="2000" dirty="0" smtClean="0">
+                <a:solidFill>
+                  <a:srgbClr val="839496"/>
+                </a:solidFill>
+                <a:latin typeface="Consolas" panose="020B0609020204030204" pitchFamily="49" charset="0"/>
+              </a:rPr>
+              <a:t>(</a:t>
+            </a:r>
+            <a:r>
+              <a:rPr lang="en-US" sz="2000" dirty="0" err="1" smtClean="0">
+                <a:solidFill>
+                  <a:srgbClr val="839496"/>
+                </a:solidFill>
+                <a:latin typeface="Consolas" panose="020B0609020204030204" pitchFamily="49" charset="0"/>
+              </a:rPr>
+              <a:t>condition_start_date</a:t>
+            </a:r>
+            <a:r>
+              <a:rPr lang="en-US" sz="2000" dirty="0" smtClean="0">
+                <a:solidFill>
+                  <a:srgbClr val="839496"/>
+                </a:solidFill>
+                <a:latin typeface="Consolas" panose="020B0609020204030204" pitchFamily="49" charset="0"/>
+              </a:rPr>
+              <a:t>) </a:t>
+            </a:r>
+            <a:r>
+              <a:rPr lang="en-US" sz="2000" dirty="0" smtClean="0">
+                <a:solidFill>
+                  <a:srgbClr val="859900"/>
+                </a:solidFill>
+                <a:latin typeface="Consolas" panose="020B0609020204030204" pitchFamily="49" charset="0"/>
+              </a:rPr>
+              <a:t>as</a:t>
+            </a:r>
+            <a:r>
+              <a:rPr lang="en-US" sz="2000" dirty="0" smtClean="0">
+                <a:solidFill>
+                  <a:srgbClr val="839496"/>
+                </a:solidFill>
+                <a:latin typeface="Consolas" panose="020B0609020204030204" pitchFamily="49" charset="0"/>
+              </a:rPr>
+              <a:t> </a:t>
+            </a:r>
+            <a:r>
+              <a:rPr lang="en-US" sz="2000" dirty="0" err="1" smtClean="0">
+                <a:solidFill>
+                  <a:srgbClr val="839496"/>
+                </a:solidFill>
+                <a:latin typeface="Consolas" panose="020B0609020204030204" pitchFamily="49" charset="0"/>
+              </a:rPr>
+              <a:t>dx_last</a:t>
+            </a:r>
+            <a:endParaRPr lang="en-US" sz="2000" dirty="0" smtClean="0">
+              <a:solidFill>
+                <a:srgbClr val="839496"/>
+              </a:solidFill>
+              <a:latin typeface="Consolas" panose="020B0609020204030204" pitchFamily="49" charset="0"/>
+            </a:endParaRPr>
+          </a:p>
+          <a:p>
+            <a:pPr marL="0" indent="0">
+              <a:buNone/>
+            </a:pPr>
+            <a:r>
+              <a:rPr lang="en-US" sz="2000" dirty="0" smtClean="0">
+                <a:solidFill>
+                  <a:srgbClr val="859900"/>
+                </a:solidFill>
+                <a:latin typeface="Consolas" panose="020B0609020204030204" pitchFamily="49" charset="0"/>
+              </a:rPr>
+              <a:t>FROM</a:t>
+            </a:r>
+            <a:r>
+              <a:rPr lang="en-US" sz="2000" dirty="0" smtClean="0">
+                <a:solidFill>
+                  <a:srgbClr val="839496"/>
+                </a:solidFill>
+                <a:latin typeface="Consolas" panose="020B0609020204030204" pitchFamily="49" charset="0"/>
+              </a:rPr>
+              <a:t> </a:t>
+            </a:r>
+            <a:r>
+              <a:rPr lang="en-US" sz="2000" dirty="0" err="1" smtClean="0">
+                <a:solidFill>
+                  <a:srgbClr val="839496"/>
+                </a:solidFill>
+                <a:latin typeface="Consolas" panose="020B0609020204030204" pitchFamily="49" charset="0"/>
+              </a:rPr>
+              <a:t>condition_occurrence</a:t>
+            </a:r>
+            <a:endParaRPr lang="en-US" sz="2000" dirty="0" smtClean="0">
+              <a:solidFill>
+                <a:srgbClr val="839496"/>
+              </a:solidFill>
+              <a:latin typeface="Consolas" panose="020B0609020204030204" pitchFamily="49" charset="0"/>
+            </a:endParaRPr>
+          </a:p>
+          <a:p>
+            <a:pPr marL="0" indent="0">
+              <a:buNone/>
+            </a:pPr>
+            <a:r>
+              <a:rPr lang="en-US" sz="2000" dirty="0" smtClean="0">
+                <a:solidFill>
+                  <a:srgbClr val="859900"/>
+                </a:solidFill>
+                <a:latin typeface="Consolas" panose="020B0609020204030204" pitchFamily="49" charset="0"/>
+              </a:rPr>
+              <a:t>WHERE</a:t>
+            </a:r>
+            <a:r>
+              <a:rPr lang="en-US" sz="2000" dirty="0" smtClean="0">
+                <a:solidFill>
+                  <a:srgbClr val="839496"/>
+                </a:solidFill>
+                <a:latin typeface="Consolas" panose="020B0609020204030204" pitchFamily="49" charset="0"/>
+              </a:rPr>
+              <a:t> </a:t>
+            </a:r>
+          </a:p>
+          <a:p>
+            <a:pPr marL="0" indent="0">
+              <a:buNone/>
+            </a:pPr>
+            <a:r>
+              <a:rPr lang="en-US" sz="2000" dirty="0" smtClean="0">
+                <a:solidFill>
+                  <a:srgbClr val="839496"/>
+                </a:solidFill>
+                <a:latin typeface="Consolas" panose="020B0609020204030204" pitchFamily="49" charset="0"/>
+              </a:rPr>
+              <a:t>    </a:t>
+            </a:r>
+            <a:r>
+              <a:rPr lang="en-US" sz="2000" dirty="0" err="1" smtClean="0">
+                <a:solidFill>
+                  <a:srgbClr val="839496"/>
+                </a:solidFill>
+                <a:latin typeface="Consolas" panose="020B0609020204030204" pitchFamily="49" charset="0"/>
+              </a:rPr>
+              <a:t>condition_concept_id</a:t>
+            </a:r>
+            <a:r>
+              <a:rPr lang="en-US" sz="2000" dirty="0" smtClean="0">
+                <a:solidFill>
+                  <a:srgbClr val="839496"/>
+                </a:solidFill>
+                <a:latin typeface="Consolas" panose="020B0609020204030204" pitchFamily="49" charset="0"/>
+              </a:rPr>
+              <a:t> </a:t>
+            </a:r>
+            <a:r>
+              <a:rPr lang="en-US" sz="2000" dirty="0" smtClean="0">
+                <a:solidFill>
+                  <a:srgbClr val="859900"/>
+                </a:solidFill>
+                <a:latin typeface="Consolas" panose="020B0609020204030204" pitchFamily="49" charset="0"/>
+              </a:rPr>
+              <a:t>=</a:t>
+            </a:r>
+            <a:r>
+              <a:rPr lang="en-US" sz="2000" dirty="0" smtClean="0">
+                <a:solidFill>
+                  <a:srgbClr val="839496"/>
+                </a:solidFill>
+                <a:latin typeface="Consolas" panose="020B0609020204030204" pitchFamily="49" charset="0"/>
+              </a:rPr>
+              <a:t> </a:t>
+            </a:r>
+            <a:r>
+              <a:rPr lang="en-US" sz="2000" dirty="0" smtClean="0">
+                <a:solidFill>
+                  <a:srgbClr val="2AA198"/>
+                </a:solidFill>
+                <a:latin typeface="Consolas" panose="020B0609020204030204" pitchFamily="49" charset="0"/>
+              </a:rPr>
+              <a:t>'37311061'</a:t>
+            </a:r>
+            <a:endParaRPr lang="en-US" sz="2000" dirty="0" smtClean="0">
+              <a:solidFill>
+                <a:srgbClr val="839496"/>
+              </a:solidFill>
+              <a:latin typeface="Consolas" panose="020B0609020204030204" pitchFamily="49" charset="0"/>
+            </a:endParaRPr>
+          </a:p>
+          <a:p>
+            <a:pPr marL="0" indent="0">
+              <a:buNone/>
+            </a:pPr>
+            <a:r>
+              <a:rPr lang="en-US" sz="2000" dirty="0" smtClean="0">
+                <a:solidFill>
+                  <a:srgbClr val="859900"/>
+                </a:solidFill>
+                <a:latin typeface="Consolas" panose="020B0609020204030204" pitchFamily="49" charset="0"/>
+              </a:rPr>
+              <a:t>GROUP BY</a:t>
+            </a:r>
+            <a:r>
+              <a:rPr lang="en-US" sz="2000" dirty="0" smtClean="0">
+                <a:solidFill>
+                  <a:srgbClr val="839496"/>
+                </a:solidFill>
+                <a:latin typeface="Consolas" panose="020B0609020204030204" pitchFamily="49" charset="0"/>
+              </a:rPr>
+              <a:t> </a:t>
+            </a:r>
+            <a:r>
+              <a:rPr lang="en-US" sz="2000" dirty="0" err="1" smtClean="0">
+                <a:solidFill>
+                  <a:srgbClr val="839496"/>
+                </a:solidFill>
+                <a:latin typeface="Consolas" panose="020B0609020204030204" pitchFamily="49" charset="0"/>
+              </a:rPr>
+              <a:t>person_id</a:t>
+            </a:r>
+            <a:endParaRPr lang="en-US" sz="2000" dirty="0" smtClean="0">
+              <a:solidFill>
+                <a:srgbClr val="839496"/>
+              </a:solidFill>
+              <a:latin typeface="Consolas" panose="020B0609020204030204" pitchFamily="49" charset="0"/>
+            </a:endParaRPr>
+          </a:p>
+          <a:p>
+            <a:pPr marL="231775" lvl="0" indent="-231775" eaLnBrk="0" fontAlgn="base" hangingPunct="0">
+              <a:lnSpc>
+                <a:spcPct val="100000"/>
+              </a:lnSpc>
+              <a:spcBef>
+                <a:spcPct val="0"/>
+              </a:spcBef>
+              <a:spcAft>
+                <a:spcPct val="0"/>
+              </a:spcAft>
+            </a:pPr>
+            <a:endParaRPr lang="en-US" dirty="0" smtClean="0"/>
+          </a:p>
+          <a:p>
+            <a:pPr marL="231775" lvl="0" indent="-231775" eaLnBrk="0" fontAlgn="base" hangingPunct="0">
+              <a:lnSpc>
+                <a:spcPct val="100000"/>
+              </a:lnSpc>
+              <a:spcBef>
+                <a:spcPct val="0"/>
+              </a:spcBef>
+              <a:spcAft>
+                <a:spcPct val="0"/>
+              </a:spcAft>
+            </a:pPr>
+            <a:endParaRPr lang="en-US" dirty="0" smtClean="0"/>
+          </a:p>
+          <a:p>
+            <a:pPr marL="231775" lvl="0" indent="-231775" eaLnBrk="0" fontAlgn="base" hangingPunct="0">
+              <a:lnSpc>
+                <a:spcPct val="100000"/>
+              </a:lnSpc>
+              <a:spcBef>
+                <a:spcPct val="0"/>
+              </a:spcBef>
+              <a:spcAft>
+                <a:spcPct val="0"/>
+              </a:spcAft>
+            </a:pPr>
+            <a:endParaRPr lang="en-US" dirty="0"/>
+          </a:p>
+          <a:p>
+            <a:pPr marL="231775" lvl="0" indent="-231775" eaLnBrk="0" fontAlgn="base" hangingPunct="0">
+              <a:lnSpc>
+                <a:spcPct val="100000"/>
+              </a:lnSpc>
+              <a:spcBef>
+                <a:spcPct val="0"/>
+              </a:spcBef>
+              <a:spcAft>
+                <a:spcPct val="0"/>
+              </a:spcAft>
+            </a:pPr>
+            <a:endParaRPr lang="en-US" dirty="0" smtClean="0"/>
+          </a:p>
+        </p:txBody>
+      </p:sp>
+      <p:pic>
+        <p:nvPicPr>
+          <p:cNvPr id="4" name="Picture 3"/>
+          <p:cNvPicPr>
+            <a:picLocks noChangeAspect="1"/>
+          </p:cNvPicPr>
+          <p:nvPr/>
+        </p:nvPicPr>
+        <p:blipFill>
+          <a:blip r:embed="rId3"/>
+          <a:stretch>
+            <a:fillRect/>
+          </a:stretch>
+        </p:blipFill>
+        <p:spPr>
+          <a:xfrm>
+            <a:off x="6478026" y="315644"/>
+            <a:ext cx="5200650" cy="6057900"/>
+          </a:xfrm>
+          <a:prstGeom prst="rect">
+            <a:avLst/>
+          </a:prstGeom>
+          <a:ln>
+            <a:noFill/>
+          </a:ln>
+          <a:effectLst>
+            <a:outerShdw blurRad="292100" dist="139700" dir="2700000" algn="tl" rotWithShape="0">
+              <a:srgbClr val="333333">
+                <a:alpha val="65000"/>
+              </a:srgbClr>
+            </a:outerShdw>
+          </a:effectLst>
+        </p:spPr>
+      </p:pic>
+    </p:spTree>
+    <p:extLst>
+      <p:ext uri="{BB962C8B-B14F-4D97-AF65-F5344CB8AC3E}">
+        <p14:creationId xmlns:p14="http://schemas.microsoft.com/office/powerpoint/2010/main" val="332465850"/>
+      </p:ext>
+    </p:extLst>
+  </p:cSld>
+  <p:clrMapOvr>
+    <a:masterClrMapping/>
+  </p:clrMapOvr>
+  <p:timing>
+    <p:tnLst>
+      <p:par>
+        <p:cTn id="1" dur="indefinite" restart="never" nodeType="tmRoot"/>
+      </p:par>
+    </p:tnLst>
+  </p:timing>
+</p:sld>
+</file>
+
+<file path=ppt/slides/slide11.xml><?xml version="1.0" encoding="utf-8"?>
+<p:sld xmlns:a="http://schemas.openxmlformats.org/drawingml/2006/main" xmlns:r="http://schemas.openxmlformats.org/officeDocument/2006/relationships" xmlns:p="http://schemas.openxmlformats.org/presentationml/2006/main">
+  <p:cSld>
+    <p:spTree>
+      <p:nvGrpSpPr>
+        <p:cNvPr id="1" name=""/>
+        <p:cNvGrpSpPr/>
+        <p:nvPr/>
+      </p:nvGrpSpPr>
+      <p:grpSpPr>
+        <a:xfrm>
+          <a:off x="0" y="0"/>
+          <a:ext cx="0" cy="0"/>
+          <a:chOff x="0" y="0"/>
+          <a:chExt cx="0" cy="0"/>
+        </a:xfrm>
+      </p:grpSpPr>
+      <p:sp>
+        <p:nvSpPr>
+          <p:cNvPr id="2" name="Title 1"/>
+          <p:cNvSpPr>
+            <a:spLocks noGrp="1"/>
+          </p:cNvSpPr>
+          <p:nvPr>
+            <p:ph type="title"/>
+          </p:nvPr>
+        </p:nvSpPr>
+        <p:spPr>
+          <a:xfrm>
+            <a:off x="0" y="0"/>
+            <a:ext cx="10515600" cy="1144589"/>
+          </a:xfrm>
+        </p:spPr>
+        <p:txBody>
+          <a:bodyPr/>
+          <a:lstStyle/>
+          <a:p>
+            <a:r>
+              <a:rPr lang="en-US" dirty="0" smtClean="0"/>
+              <a:t>Isolate Comorbidities</a:t>
+            </a:r>
+            <a:endParaRPr lang="en-US" dirty="0"/>
+          </a:p>
+        </p:txBody>
+      </p:sp>
+      <p:sp>
+        <p:nvSpPr>
+          <p:cNvPr id="3" name="Content Placeholder 2"/>
+          <p:cNvSpPr>
+            <a:spLocks noGrp="1"/>
+          </p:cNvSpPr>
+          <p:nvPr>
+            <p:ph idx="1"/>
+          </p:nvPr>
+        </p:nvSpPr>
+        <p:spPr>
+          <a:xfrm>
+            <a:off x="0" y="1144590"/>
+            <a:ext cx="12192000" cy="5713410"/>
+          </a:xfrm>
+        </p:spPr>
+        <p:txBody>
+          <a:bodyPr>
+            <a:normAutofit fontScale="55000" lnSpcReduction="20000"/>
+          </a:bodyPr>
+          <a:lstStyle/>
+          <a:p>
+            <a:pPr marL="231775" indent="-231775" eaLnBrk="0" fontAlgn="base" hangingPunct="0">
+              <a:lnSpc>
+                <a:spcPct val="100000"/>
+              </a:lnSpc>
+              <a:spcBef>
+                <a:spcPct val="0"/>
+              </a:spcBef>
+              <a:spcAft>
+                <a:spcPct val="0"/>
+              </a:spcAft>
+            </a:pPr>
+            <a:r>
+              <a:rPr lang="en-US" sz="3800" dirty="0"/>
+              <a:t>New SQL </a:t>
+            </a:r>
+            <a:r>
+              <a:rPr lang="en-US" sz="3800" dirty="0" smtClean="0"/>
+              <a:t>transform/node from </a:t>
+            </a:r>
+            <a:r>
+              <a:rPr lang="en-US" sz="3800" dirty="0" err="1"/>
+              <a:t>condition_occurrence</a:t>
+            </a:r>
+            <a:endParaRPr lang="en-US" sz="3800" dirty="0"/>
+          </a:p>
+          <a:p>
+            <a:pPr marL="231775" lvl="0" indent="-231775" eaLnBrk="0" fontAlgn="base" hangingPunct="0">
+              <a:lnSpc>
+                <a:spcPct val="100000"/>
+              </a:lnSpc>
+              <a:spcBef>
+                <a:spcPct val="0"/>
+              </a:spcBef>
+              <a:spcAft>
+                <a:spcPct val="0"/>
+              </a:spcAft>
+            </a:pPr>
+            <a:endParaRPr lang="en-US" sz="3800" dirty="0" smtClean="0"/>
+          </a:p>
+          <a:p>
+            <a:pPr marL="231775" lvl="0" indent="-231775" eaLnBrk="0" fontAlgn="base" hangingPunct="0">
+              <a:lnSpc>
+                <a:spcPct val="100000"/>
+              </a:lnSpc>
+              <a:spcBef>
+                <a:spcPct val="0"/>
+              </a:spcBef>
+              <a:spcAft>
+                <a:spcPct val="0"/>
+              </a:spcAft>
+            </a:pPr>
+            <a:r>
+              <a:rPr lang="en-US" sz="3800" dirty="0" smtClean="0"/>
+              <a:t>Anemia, </a:t>
+            </a:r>
+            <a:r>
+              <a:rPr lang="en-US" sz="3800" dirty="0" err="1" smtClean="0"/>
+              <a:t>Osteroporisis</a:t>
+            </a:r>
+            <a:r>
+              <a:rPr lang="en-US" sz="3800" dirty="0" smtClean="0"/>
+              <a:t>, &amp; Strep</a:t>
+            </a:r>
+          </a:p>
+          <a:p>
+            <a:pPr marL="231775" lvl="0" indent="-231775" eaLnBrk="0" fontAlgn="base" hangingPunct="0">
+              <a:lnSpc>
+                <a:spcPct val="100000"/>
+              </a:lnSpc>
+              <a:spcBef>
+                <a:spcPct val="0"/>
+              </a:spcBef>
+              <a:spcAft>
+                <a:spcPct val="0"/>
+              </a:spcAft>
+            </a:pPr>
+            <a:endParaRPr lang="en-US" dirty="0" smtClean="0"/>
+          </a:p>
+          <a:p>
+            <a:pPr marL="0" indent="0">
+              <a:buNone/>
+            </a:pPr>
+            <a:r>
+              <a:rPr lang="en-US" sz="2000" dirty="0">
+                <a:solidFill>
+                  <a:srgbClr val="859900"/>
+                </a:solidFill>
+                <a:latin typeface="Consolas" panose="020B0609020204030204" pitchFamily="49" charset="0"/>
+              </a:rPr>
+              <a:t>SELECT</a:t>
+            </a:r>
+            <a:r>
+              <a:rPr lang="en-US" sz="2000" dirty="0">
+                <a:solidFill>
+                  <a:srgbClr val="839496"/>
+                </a:solidFill>
+                <a:latin typeface="Consolas" panose="020B0609020204030204" pitchFamily="49" charset="0"/>
+              </a:rPr>
+              <a:t> </a:t>
+            </a:r>
+          </a:p>
+          <a:p>
+            <a:pPr marL="0" indent="0">
+              <a:buNone/>
+            </a:pPr>
+            <a:r>
+              <a:rPr lang="en-US" sz="2000" dirty="0">
+                <a:solidFill>
+                  <a:srgbClr val="839496"/>
+                </a:solidFill>
+                <a:latin typeface="Consolas" panose="020B0609020204030204" pitchFamily="49" charset="0"/>
+              </a:rPr>
+              <a:t>  </a:t>
+            </a:r>
+            <a:r>
+              <a:rPr lang="en-US" sz="2000" dirty="0" err="1">
+                <a:solidFill>
+                  <a:srgbClr val="839496"/>
+                </a:solidFill>
+                <a:latin typeface="Consolas" panose="020B0609020204030204" pitchFamily="49" charset="0"/>
+              </a:rPr>
+              <a:t>person_id</a:t>
+            </a:r>
+            <a:endParaRPr lang="en-US" sz="2000" dirty="0">
+              <a:solidFill>
+                <a:srgbClr val="839496"/>
+              </a:solidFill>
+              <a:latin typeface="Consolas" panose="020B0609020204030204" pitchFamily="49" charset="0"/>
+            </a:endParaRPr>
+          </a:p>
+          <a:p>
+            <a:pPr marL="0" indent="0">
+              <a:buNone/>
+            </a:pPr>
+            <a:r>
+              <a:rPr lang="en-US" sz="2000" dirty="0">
+                <a:solidFill>
+                  <a:srgbClr val="839496"/>
+                </a:solidFill>
+                <a:latin typeface="Consolas" panose="020B0609020204030204" pitchFamily="49" charset="0"/>
+              </a:rPr>
+              <a:t>  ,</a:t>
+            </a:r>
+            <a:r>
+              <a:rPr lang="en-US" sz="2000" dirty="0" err="1">
+                <a:solidFill>
+                  <a:srgbClr val="839496"/>
+                </a:solidFill>
+                <a:latin typeface="Consolas" panose="020B0609020204030204" pitchFamily="49" charset="0"/>
+              </a:rPr>
+              <a:t>condition_concept_id</a:t>
+            </a:r>
+            <a:endParaRPr lang="en-US" sz="2000" dirty="0">
+              <a:solidFill>
+                <a:srgbClr val="839496"/>
+              </a:solidFill>
+              <a:latin typeface="Consolas" panose="020B0609020204030204" pitchFamily="49" charset="0"/>
+            </a:endParaRPr>
+          </a:p>
+          <a:p>
+            <a:pPr marL="0" indent="0">
+              <a:buNone/>
+            </a:pPr>
+            <a:r>
+              <a:rPr lang="en-US" sz="2000" dirty="0">
+                <a:solidFill>
+                  <a:srgbClr val="839496"/>
+                </a:solidFill>
+                <a:latin typeface="Consolas" panose="020B0609020204030204" pitchFamily="49" charset="0"/>
+              </a:rPr>
+              <a:t>  ,</a:t>
+            </a:r>
+            <a:r>
+              <a:rPr lang="en-US" sz="2000" dirty="0" err="1">
+                <a:solidFill>
+                  <a:srgbClr val="839496"/>
+                </a:solidFill>
+                <a:latin typeface="Consolas" panose="020B0609020204030204" pitchFamily="49" charset="0"/>
+              </a:rPr>
+              <a:t>condition_concept_name</a:t>
+            </a:r>
+            <a:r>
+              <a:rPr lang="en-US" sz="2000" dirty="0">
+                <a:solidFill>
+                  <a:srgbClr val="839496"/>
+                </a:solidFill>
+                <a:latin typeface="Consolas" panose="020B0609020204030204" pitchFamily="49" charset="0"/>
+              </a:rPr>
+              <a:t>   </a:t>
+            </a:r>
+          </a:p>
+          <a:p>
+            <a:pPr marL="0" indent="0">
+              <a:buNone/>
+            </a:pPr>
+            <a:r>
+              <a:rPr lang="en-US" sz="2000" dirty="0">
+                <a:solidFill>
+                  <a:srgbClr val="839496"/>
+                </a:solidFill>
+                <a:latin typeface="Consolas" panose="020B0609020204030204" pitchFamily="49" charset="0"/>
+              </a:rPr>
+              <a:t>  ,</a:t>
+            </a:r>
+            <a:r>
+              <a:rPr lang="en-US" sz="2000" dirty="0">
+                <a:solidFill>
+                  <a:srgbClr val="268BD2"/>
+                </a:solidFill>
+                <a:latin typeface="Consolas" panose="020B0609020204030204" pitchFamily="49" charset="0"/>
+              </a:rPr>
+              <a:t>count</a:t>
+            </a:r>
+            <a:r>
+              <a:rPr lang="en-US" sz="2000" dirty="0">
+                <a:solidFill>
+                  <a:srgbClr val="839496"/>
+                </a:solidFill>
+                <a:latin typeface="Consolas" panose="020B0609020204030204" pitchFamily="49" charset="0"/>
+              </a:rPr>
+              <a:t>(</a:t>
+            </a:r>
+            <a:r>
+              <a:rPr lang="en-US" sz="2000" dirty="0">
+                <a:solidFill>
+                  <a:srgbClr val="859900"/>
+                </a:solidFill>
+                <a:latin typeface="Consolas" panose="020B0609020204030204" pitchFamily="49" charset="0"/>
+              </a:rPr>
+              <a:t>*</a:t>
+            </a:r>
+            <a:r>
+              <a:rPr lang="en-US" sz="2000" dirty="0">
+                <a:solidFill>
+                  <a:srgbClr val="839496"/>
+                </a:solidFill>
+                <a:latin typeface="Consolas" panose="020B0609020204030204" pitchFamily="49" charset="0"/>
+              </a:rPr>
+              <a:t>)                  </a:t>
+            </a:r>
+            <a:r>
+              <a:rPr lang="en-US" sz="2000" dirty="0">
+                <a:solidFill>
+                  <a:srgbClr val="859900"/>
+                </a:solidFill>
+                <a:latin typeface="Consolas" panose="020B0609020204030204" pitchFamily="49" charset="0"/>
+              </a:rPr>
+              <a:t>as</a:t>
+            </a:r>
+            <a:r>
+              <a:rPr lang="en-US" sz="2000" dirty="0">
+                <a:solidFill>
+                  <a:srgbClr val="839496"/>
+                </a:solidFill>
+                <a:latin typeface="Consolas" panose="020B0609020204030204" pitchFamily="49" charset="0"/>
+              </a:rPr>
+              <a:t> </a:t>
+            </a:r>
+            <a:r>
+              <a:rPr lang="en-US" sz="2000" dirty="0" err="1">
+                <a:solidFill>
+                  <a:srgbClr val="839496"/>
+                </a:solidFill>
+                <a:latin typeface="Consolas" panose="020B0609020204030204" pitchFamily="49" charset="0"/>
+              </a:rPr>
+              <a:t>dx_count</a:t>
+            </a:r>
+            <a:r>
+              <a:rPr lang="en-US" sz="2000" dirty="0">
+                <a:solidFill>
+                  <a:srgbClr val="839496"/>
+                </a:solidFill>
+                <a:latin typeface="Consolas" panose="020B0609020204030204" pitchFamily="49" charset="0"/>
+              </a:rPr>
+              <a:t> </a:t>
+            </a:r>
+          </a:p>
+          <a:p>
+            <a:pPr marL="0" indent="0">
+              <a:buNone/>
+            </a:pPr>
+            <a:r>
+              <a:rPr lang="en-US" sz="2000" dirty="0">
+                <a:solidFill>
+                  <a:srgbClr val="839496"/>
+                </a:solidFill>
+                <a:latin typeface="Consolas" panose="020B0609020204030204" pitchFamily="49" charset="0"/>
+              </a:rPr>
+              <a:t>  ,</a:t>
+            </a:r>
+            <a:r>
+              <a:rPr lang="en-US" sz="2000" dirty="0">
+                <a:solidFill>
+                  <a:srgbClr val="268BD2"/>
+                </a:solidFill>
+                <a:latin typeface="Consolas" panose="020B0609020204030204" pitchFamily="49" charset="0"/>
+              </a:rPr>
+              <a:t>min</a:t>
+            </a:r>
+            <a:r>
+              <a:rPr lang="en-US" sz="2000" dirty="0">
+                <a:solidFill>
+                  <a:srgbClr val="839496"/>
+                </a:solidFill>
+                <a:latin typeface="Consolas" panose="020B0609020204030204" pitchFamily="49" charset="0"/>
+              </a:rPr>
+              <a:t>(</a:t>
+            </a:r>
+            <a:r>
+              <a:rPr lang="en-US" sz="2000" dirty="0" err="1">
+                <a:solidFill>
+                  <a:srgbClr val="839496"/>
+                </a:solidFill>
+                <a:latin typeface="Consolas" panose="020B0609020204030204" pitchFamily="49" charset="0"/>
+              </a:rPr>
+              <a:t>condition_start_date</a:t>
+            </a:r>
+            <a:r>
+              <a:rPr lang="en-US" sz="2000" dirty="0">
+                <a:solidFill>
+                  <a:srgbClr val="839496"/>
+                </a:solidFill>
+                <a:latin typeface="Consolas" panose="020B0609020204030204" pitchFamily="49" charset="0"/>
+              </a:rPr>
+              <a:t>) </a:t>
+            </a:r>
+            <a:r>
+              <a:rPr lang="en-US" sz="2000" dirty="0">
+                <a:solidFill>
+                  <a:srgbClr val="859900"/>
+                </a:solidFill>
+                <a:latin typeface="Consolas" panose="020B0609020204030204" pitchFamily="49" charset="0"/>
+              </a:rPr>
+              <a:t>as</a:t>
+            </a:r>
+            <a:r>
+              <a:rPr lang="en-US" sz="2000" dirty="0">
+                <a:solidFill>
+                  <a:srgbClr val="839496"/>
+                </a:solidFill>
+                <a:latin typeface="Consolas" panose="020B0609020204030204" pitchFamily="49" charset="0"/>
+              </a:rPr>
+              <a:t> </a:t>
+            </a:r>
+            <a:r>
+              <a:rPr lang="en-US" sz="2000" dirty="0" err="1">
+                <a:solidFill>
+                  <a:srgbClr val="839496"/>
+                </a:solidFill>
+                <a:latin typeface="Consolas" panose="020B0609020204030204" pitchFamily="49" charset="0"/>
+              </a:rPr>
+              <a:t>dx_first</a:t>
+            </a:r>
+            <a:endParaRPr lang="en-US" sz="2000" dirty="0">
+              <a:solidFill>
+                <a:srgbClr val="839496"/>
+              </a:solidFill>
+              <a:latin typeface="Consolas" panose="020B0609020204030204" pitchFamily="49" charset="0"/>
+            </a:endParaRPr>
+          </a:p>
+          <a:p>
+            <a:pPr marL="0" indent="0">
+              <a:buNone/>
+            </a:pPr>
+            <a:r>
+              <a:rPr lang="en-US" sz="2000" dirty="0">
+                <a:solidFill>
+                  <a:srgbClr val="839496"/>
+                </a:solidFill>
+                <a:latin typeface="Consolas" panose="020B0609020204030204" pitchFamily="49" charset="0"/>
+              </a:rPr>
+              <a:t>  ,</a:t>
+            </a:r>
+            <a:r>
+              <a:rPr lang="en-US" sz="2000" dirty="0">
+                <a:solidFill>
+                  <a:srgbClr val="268BD2"/>
+                </a:solidFill>
+                <a:latin typeface="Consolas" panose="020B0609020204030204" pitchFamily="49" charset="0"/>
+              </a:rPr>
+              <a:t>max</a:t>
+            </a:r>
+            <a:r>
+              <a:rPr lang="en-US" sz="2000" dirty="0">
+                <a:solidFill>
+                  <a:srgbClr val="839496"/>
+                </a:solidFill>
+                <a:latin typeface="Consolas" panose="020B0609020204030204" pitchFamily="49" charset="0"/>
+              </a:rPr>
+              <a:t>(</a:t>
+            </a:r>
+            <a:r>
+              <a:rPr lang="en-US" sz="2000" dirty="0" err="1">
+                <a:solidFill>
+                  <a:srgbClr val="839496"/>
+                </a:solidFill>
+                <a:latin typeface="Consolas" panose="020B0609020204030204" pitchFamily="49" charset="0"/>
+              </a:rPr>
+              <a:t>condition_start_date</a:t>
+            </a:r>
+            <a:r>
+              <a:rPr lang="en-US" sz="2000" dirty="0">
+                <a:solidFill>
+                  <a:srgbClr val="839496"/>
+                </a:solidFill>
+                <a:latin typeface="Consolas" panose="020B0609020204030204" pitchFamily="49" charset="0"/>
+              </a:rPr>
+              <a:t>) </a:t>
+            </a:r>
+            <a:r>
+              <a:rPr lang="en-US" sz="2000" dirty="0">
+                <a:solidFill>
+                  <a:srgbClr val="859900"/>
+                </a:solidFill>
+                <a:latin typeface="Consolas" panose="020B0609020204030204" pitchFamily="49" charset="0"/>
+              </a:rPr>
+              <a:t>as</a:t>
+            </a:r>
+            <a:r>
+              <a:rPr lang="en-US" sz="2000" dirty="0">
+                <a:solidFill>
+                  <a:srgbClr val="839496"/>
+                </a:solidFill>
+                <a:latin typeface="Consolas" panose="020B0609020204030204" pitchFamily="49" charset="0"/>
+              </a:rPr>
+              <a:t> </a:t>
+            </a:r>
+            <a:r>
+              <a:rPr lang="en-US" sz="2000" dirty="0" err="1">
+                <a:solidFill>
+                  <a:srgbClr val="839496"/>
+                </a:solidFill>
+                <a:latin typeface="Consolas" panose="020B0609020204030204" pitchFamily="49" charset="0"/>
+              </a:rPr>
+              <a:t>dx_last</a:t>
+            </a:r>
+            <a:endParaRPr lang="en-US" sz="2000" dirty="0">
+              <a:solidFill>
+                <a:srgbClr val="839496"/>
+              </a:solidFill>
+              <a:latin typeface="Consolas" panose="020B0609020204030204" pitchFamily="49" charset="0"/>
+            </a:endParaRPr>
+          </a:p>
+          <a:p>
+            <a:pPr marL="0" indent="0">
+              <a:buNone/>
+            </a:pPr>
+            <a:r>
+              <a:rPr lang="en-US" sz="2000" dirty="0">
+                <a:solidFill>
+                  <a:srgbClr val="859900"/>
+                </a:solidFill>
+                <a:latin typeface="Consolas" panose="020B0609020204030204" pitchFamily="49" charset="0"/>
+              </a:rPr>
+              <a:t>FROM</a:t>
+            </a:r>
+            <a:r>
+              <a:rPr lang="en-US" sz="2000" dirty="0">
+                <a:solidFill>
+                  <a:srgbClr val="839496"/>
+                </a:solidFill>
+                <a:latin typeface="Consolas" panose="020B0609020204030204" pitchFamily="49" charset="0"/>
+              </a:rPr>
+              <a:t> </a:t>
+            </a:r>
+            <a:r>
+              <a:rPr lang="en-US" sz="2000" dirty="0" err="1">
+                <a:solidFill>
+                  <a:srgbClr val="839496"/>
+                </a:solidFill>
+                <a:latin typeface="Consolas" panose="020B0609020204030204" pitchFamily="49" charset="0"/>
+              </a:rPr>
+              <a:t>condition_occurrence</a:t>
+            </a:r>
+            <a:endParaRPr lang="en-US" sz="2000" dirty="0">
+              <a:solidFill>
+                <a:srgbClr val="839496"/>
+              </a:solidFill>
+              <a:latin typeface="Consolas" panose="020B0609020204030204" pitchFamily="49" charset="0"/>
+            </a:endParaRPr>
+          </a:p>
+          <a:p>
+            <a:pPr marL="0" indent="0">
+              <a:buNone/>
+            </a:pPr>
+            <a:r>
+              <a:rPr lang="en-US" sz="2000" dirty="0">
+                <a:solidFill>
+                  <a:srgbClr val="859900"/>
+                </a:solidFill>
+                <a:latin typeface="Consolas" panose="020B0609020204030204" pitchFamily="49" charset="0"/>
+              </a:rPr>
+              <a:t>WHERE</a:t>
+            </a:r>
+            <a:endParaRPr lang="en-US" sz="2000" dirty="0">
+              <a:solidFill>
+                <a:srgbClr val="839496"/>
+              </a:solidFill>
+              <a:latin typeface="Consolas" panose="020B0609020204030204" pitchFamily="49" charset="0"/>
+            </a:endParaRPr>
+          </a:p>
+          <a:p>
+            <a:pPr marL="0" indent="0">
+              <a:buNone/>
+            </a:pPr>
+            <a:r>
+              <a:rPr lang="en-US" sz="2000" dirty="0">
+                <a:solidFill>
+                  <a:srgbClr val="839496"/>
+                </a:solidFill>
+                <a:latin typeface="Consolas" panose="020B0609020204030204" pitchFamily="49" charset="0"/>
+              </a:rPr>
+              <a:t>  </a:t>
+            </a:r>
+            <a:r>
+              <a:rPr lang="en-US" sz="2000" dirty="0" err="1">
+                <a:solidFill>
+                  <a:srgbClr val="839496"/>
+                </a:solidFill>
+                <a:latin typeface="Consolas" panose="020B0609020204030204" pitchFamily="49" charset="0"/>
+              </a:rPr>
+              <a:t>condition_concept_id</a:t>
+            </a:r>
+            <a:r>
+              <a:rPr lang="en-US" sz="2000" dirty="0">
+                <a:solidFill>
+                  <a:srgbClr val="839496"/>
+                </a:solidFill>
+                <a:latin typeface="Consolas" panose="020B0609020204030204" pitchFamily="49" charset="0"/>
+              </a:rPr>
+              <a:t> </a:t>
+            </a:r>
+            <a:r>
+              <a:rPr lang="en-US" sz="2000" dirty="0">
+                <a:solidFill>
+                  <a:srgbClr val="859900"/>
+                </a:solidFill>
+                <a:latin typeface="Consolas" panose="020B0609020204030204" pitchFamily="49" charset="0"/>
+              </a:rPr>
+              <a:t>in</a:t>
+            </a:r>
+            <a:r>
+              <a:rPr lang="en-US" sz="2000" dirty="0">
+                <a:solidFill>
+                  <a:srgbClr val="839496"/>
+                </a:solidFill>
+                <a:latin typeface="Consolas" panose="020B0609020204030204" pitchFamily="49" charset="0"/>
+              </a:rPr>
+              <a:t> (</a:t>
+            </a:r>
+          </a:p>
+          <a:p>
+            <a:pPr marL="0" indent="0">
+              <a:buNone/>
+            </a:pPr>
+            <a:r>
+              <a:rPr lang="en-US" sz="2000" dirty="0">
+                <a:solidFill>
+                  <a:srgbClr val="839496"/>
+                </a:solidFill>
+                <a:latin typeface="Consolas" panose="020B0609020204030204" pitchFamily="49" charset="0"/>
+              </a:rPr>
+              <a:t>    </a:t>
+            </a:r>
+            <a:r>
+              <a:rPr lang="en-US" sz="2000" dirty="0">
+                <a:solidFill>
+                  <a:srgbClr val="D33682"/>
+                </a:solidFill>
+                <a:latin typeface="Consolas" panose="020B0609020204030204" pitchFamily="49" charset="0"/>
+              </a:rPr>
+              <a:t>4397777</a:t>
+            </a:r>
+            <a:r>
+              <a:rPr lang="en-US" sz="2000" dirty="0">
+                <a:solidFill>
+                  <a:srgbClr val="839496"/>
+                </a:solidFill>
+                <a:latin typeface="Consolas" panose="020B0609020204030204" pitchFamily="49" charset="0"/>
+              </a:rPr>
+              <a:t> </a:t>
+            </a:r>
+            <a:r>
+              <a:rPr lang="en-US" sz="2000" i="1" dirty="0">
+                <a:solidFill>
+                  <a:srgbClr val="586E75"/>
+                </a:solidFill>
+                <a:latin typeface="Consolas" panose="020B0609020204030204" pitchFamily="49" charset="0"/>
+              </a:rPr>
+              <a:t>-- Anemia</a:t>
+            </a:r>
+            <a:endParaRPr lang="en-US" sz="2000" dirty="0">
+              <a:solidFill>
+                <a:srgbClr val="839496"/>
+              </a:solidFill>
+              <a:latin typeface="Consolas" panose="020B0609020204030204" pitchFamily="49" charset="0"/>
+            </a:endParaRPr>
+          </a:p>
+          <a:p>
+            <a:pPr marL="0" indent="0">
+              <a:buNone/>
+            </a:pPr>
+            <a:r>
+              <a:rPr lang="en-US" sz="2000" dirty="0">
+                <a:solidFill>
+                  <a:srgbClr val="839496"/>
+                </a:solidFill>
+                <a:latin typeface="Consolas" panose="020B0609020204030204" pitchFamily="49" charset="0"/>
+              </a:rPr>
+              <a:t>    ,</a:t>
+            </a:r>
+            <a:r>
+              <a:rPr lang="en-US" sz="2000" dirty="0">
+                <a:solidFill>
+                  <a:srgbClr val="D33682"/>
+                </a:solidFill>
+                <a:latin typeface="Consolas" panose="020B0609020204030204" pitchFamily="49" charset="0"/>
+              </a:rPr>
+              <a:t>80502</a:t>
+            </a:r>
+            <a:r>
+              <a:rPr lang="en-US" sz="2000" dirty="0">
+                <a:solidFill>
+                  <a:srgbClr val="839496"/>
+                </a:solidFill>
+                <a:latin typeface="Consolas" panose="020B0609020204030204" pitchFamily="49" charset="0"/>
+              </a:rPr>
+              <a:t>  </a:t>
+            </a:r>
+            <a:r>
+              <a:rPr lang="en-US" sz="2000" i="1" dirty="0">
+                <a:solidFill>
+                  <a:srgbClr val="586E75"/>
+                </a:solidFill>
+                <a:latin typeface="Consolas" panose="020B0609020204030204" pitchFamily="49" charset="0"/>
+              </a:rPr>
+              <a:t>-- Osteoporosis</a:t>
+            </a:r>
+            <a:endParaRPr lang="en-US" sz="2000" dirty="0">
+              <a:solidFill>
+                <a:srgbClr val="839496"/>
+              </a:solidFill>
+              <a:latin typeface="Consolas" panose="020B0609020204030204" pitchFamily="49" charset="0"/>
+            </a:endParaRPr>
+          </a:p>
+          <a:p>
+            <a:pPr marL="0" indent="0">
+              <a:buNone/>
+            </a:pPr>
+            <a:r>
+              <a:rPr lang="en-US" sz="2000" dirty="0">
+                <a:solidFill>
+                  <a:srgbClr val="839496"/>
+                </a:solidFill>
+                <a:latin typeface="Consolas" panose="020B0609020204030204" pitchFamily="49" charset="0"/>
+              </a:rPr>
+              <a:t>    ,</a:t>
+            </a:r>
+            <a:r>
+              <a:rPr lang="en-US" sz="2000" dirty="0">
+                <a:solidFill>
+                  <a:srgbClr val="D33682"/>
+                </a:solidFill>
+                <a:latin typeface="Consolas" panose="020B0609020204030204" pitchFamily="49" charset="0"/>
+              </a:rPr>
+              <a:t>28060</a:t>
+            </a:r>
+            <a:r>
+              <a:rPr lang="en-US" sz="2000" dirty="0">
+                <a:solidFill>
+                  <a:srgbClr val="839496"/>
+                </a:solidFill>
+                <a:latin typeface="Consolas" panose="020B0609020204030204" pitchFamily="49" charset="0"/>
+              </a:rPr>
+              <a:t>  </a:t>
+            </a:r>
+            <a:r>
+              <a:rPr lang="en-US" sz="2000" i="1" dirty="0">
+                <a:solidFill>
+                  <a:srgbClr val="586E75"/>
+                </a:solidFill>
+                <a:latin typeface="Consolas" panose="020B0609020204030204" pitchFamily="49" charset="0"/>
+              </a:rPr>
+              <a:t>-- Streptococcal sore throat</a:t>
+            </a:r>
+            <a:endParaRPr lang="en-US" sz="2000" dirty="0">
+              <a:solidFill>
+                <a:srgbClr val="839496"/>
+              </a:solidFill>
+              <a:latin typeface="Consolas" panose="020B0609020204030204" pitchFamily="49" charset="0"/>
+            </a:endParaRPr>
+          </a:p>
+          <a:p>
+            <a:pPr marL="0" indent="0">
+              <a:buNone/>
+            </a:pPr>
+            <a:r>
+              <a:rPr lang="en-US" sz="2000" dirty="0">
+                <a:solidFill>
+                  <a:srgbClr val="839496"/>
+                </a:solidFill>
+                <a:latin typeface="Consolas" panose="020B0609020204030204" pitchFamily="49" charset="0"/>
+              </a:rPr>
+              <a:t>  )</a:t>
+            </a:r>
+          </a:p>
+          <a:p>
+            <a:pPr marL="0" indent="0">
+              <a:buNone/>
+            </a:pPr>
+            <a:r>
+              <a:rPr lang="en-US" sz="2000" dirty="0">
+                <a:solidFill>
+                  <a:srgbClr val="859900"/>
+                </a:solidFill>
+                <a:latin typeface="Consolas" panose="020B0609020204030204" pitchFamily="49" charset="0"/>
+              </a:rPr>
+              <a:t>GROUP BY</a:t>
+            </a:r>
+            <a:r>
+              <a:rPr lang="en-US" sz="2000" dirty="0">
+                <a:solidFill>
+                  <a:srgbClr val="839496"/>
+                </a:solidFill>
+                <a:latin typeface="Consolas" panose="020B0609020204030204" pitchFamily="49" charset="0"/>
+              </a:rPr>
+              <a:t> </a:t>
+            </a:r>
+          </a:p>
+          <a:p>
+            <a:pPr marL="0" indent="0">
+              <a:buNone/>
+            </a:pPr>
+            <a:r>
+              <a:rPr lang="en-US" sz="2000" dirty="0">
+                <a:solidFill>
+                  <a:srgbClr val="839496"/>
+                </a:solidFill>
+                <a:latin typeface="Consolas" panose="020B0609020204030204" pitchFamily="49" charset="0"/>
+              </a:rPr>
+              <a:t>  </a:t>
+            </a:r>
+            <a:r>
+              <a:rPr lang="en-US" sz="2000" dirty="0" err="1">
+                <a:solidFill>
+                  <a:srgbClr val="839496"/>
+                </a:solidFill>
+                <a:latin typeface="Consolas" panose="020B0609020204030204" pitchFamily="49" charset="0"/>
+              </a:rPr>
+              <a:t>person_id</a:t>
+            </a:r>
+            <a:endParaRPr lang="en-US" sz="2000" dirty="0">
+              <a:solidFill>
+                <a:srgbClr val="839496"/>
+              </a:solidFill>
+              <a:latin typeface="Consolas" panose="020B0609020204030204" pitchFamily="49" charset="0"/>
+            </a:endParaRPr>
+          </a:p>
+          <a:p>
+            <a:pPr marL="0" indent="0">
+              <a:buNone/>
+            </a:pPr>
+            <a:r>
+              <a:rPr lang="en-US" sz="2000" dirty="0">
+                <a:solidFill>
+                  <a:srgbClr val="839496"/>
+                </a:solidFill>
+                <a:latin typeface="Consolas" panose="020B0609020204030204" pitchFamily="49" charset="0"/>
+              </a:rPr>
+              <a:t>  ,</a:t>
+            </a:r>
+            <a:r>
+              <a:rPr lang="en-US" sz="2000" dirty="0" err="1">
+                <a:solidFill>
+                  <a:srgbClr val="839496"/>
+                </a:solidFill>
+                <a:latin typeface="Consolas" panose="020B0609020204030204" pitchFamily="49" charset="0"/>
+              </a:rPr>
+              <a:t>condition_concept_id</a:t>
+            </a:r>
+            <a:endParaRPr lang="en-US" sz="2000" dirty="0">
+              <a:solidFill>
+                <a:srgbClr val="839496"/>
+              </a:solidFill>
+              <a:latin typeface="Consolas" panose="020B0609020204030204" pitchFamily="49" charset="0"/>
+            </a:endParaRPr>
+          </a:p>
+          <a:p>
+            <a:pPr marL="0" indent="0">
+              <a:buNone/>
+            </a:pPr>
+            <a:r>
+              <a:rPr lang="en-US" sz="2000" dirty="0">
+                <a:solidFill>
+                  <a:srgbClr val="839496"/>
+                </a:solidFill>
+                <a:latin typeface="Consolas" panose="020B0609020204030204" pitchFamily="49" charset="0"/>
+              </a:rPr>
+              <a:t>  ,</a:t>
+            </a:r>
+            <a:r>
+              <a:rPr lang="en-US" sz="2000" dirty="0" err="1">
+                <a:solidFill>
+                  <a:srgbClr val="839496"/>
+                </a:solidFill>
+                <a:latin typeface="Consolas" panose="020B0609020204030204" pitchFamily="49" charset="0"/>
+              </a:rPr>
+              <a:t>condition_concept_name</a:t>
+            </a:r>
+            <a:r>
+              <a:rPr lang="en-US" sz="2000" dirty="0">
+                <a:solidFill>
+                  <a:srgbClr val="839496"/>
+                </a:solidFill>
+                <a:latin typeface="Consolas" panose="020B0609020204030204" pitchFamily="49" charset="0"/>
+              </a:rPr>
+              <a:t>  </a:t>
+            </a:r>
+          </a:p>
+          <a:p>
+            <a:pPr marL="231775" lvl="0" indent="-231775" eaLnBrk="0" fontAlgn="base" hangingPunct="0">
+              <a:lnSpc>
+                <a:spcPct val="100000"/>
+              </a:lnSpc>
+              <a:spcBef>
+                <a:spcPct val="0"/>
+              </a:spcBef>
+              <a:spcAft>
+                <a:spcPct val="0"/>
+              </a:spcAft>
+            </a:pPr>
+            <a:endParaRPr lang="en-US" dirty="0" smtClean="0"/>
+          </a:p>
+          <a:p>
+            <a:pPr marL="231775" lvl="0" indent="-231775" eaLnBrk="0" fontAlgn="base" hangingPunct="0">
+              <a:lnSpc>
+                <a:spcPct val="100000"/>
+              </a:lnSpc>
+              <a:spcBef>
+                <a:spcPct val="0"/>
+              </a:spcBef>
+              <a:spcAft>
+                <a:spcPct val="0"/>
+              </a:spcAft>
+            </a:pPr>
+            <a:endParaRPr lang="en-US" dirty="0" smtClean="0"/>
+          </a:p>
+          <a:p>
+            <a:pPr marL="231775" lvl="0" indent="-231775" eaLnBrk="0" fontAlgn="base" hangingPunct="0">
+              <a:lnSpc>
+                <a:spcPct val="100000"/>
+              </a:lnSpc>
+              <a:spcBef>
+                <a:spcPct val="0"/>
+              </a:spcBef>
+              <a:spcAft>
+                <a:spcPct val="0"/>
+              </a:spcAft>
+            </a:pPr>
+            <a:endParaRPr lang="en-US" dirty="0"/>
+          </a:p>
+          <a:p>
+            <a:pPr marL="231775" lvl="0" indent="-231775" eaLnBrk="0" fontAlgn="base" hangingPunct="0">
+              <a:lnSpc>
+                <a:spcPct val="100000"/>
+              </a:lnSpc>
+              <a:spcBef>
+                <a:spcPct val="0"/>
+              </a:spcBef>
+              <a:spcAft>
+                <a:spcPct val="0"/>
+              </a:spcAft>
+            </a:pPr>
+            <a:endParaRPr lang="en-US" dirty="0" smtClean="0"/>
+          </a:p>
+        </p:txBody>
+      </p:sp>
+      <p:pic>
+        <p:nvPicPr>
+          <p:cNvPr id="6" name="Picture 5"/>
+          <p:cNvPicPr>
+            <a:picLocks noChangeAspect="1"/>
+          </p:cNvPicPr>
+          <p:nvPr/>
+        </p:nvPicPr>
+        <p:blipFill>
+          <a:blip r:embed="rId3"/>
+          <a:stretch>
+            <a:fillRect/>
+          </a:stretch>
+        </p:blipFill>
+        <p:spPr>
+          <a:xfrm>
+            <a:off x="6883699" y="0"/>
+            <a:ext cx="4792571" cy="6675120"/>
+          </a:xfrm>
+          <a:prstGeom prst="rect">
+            <a:avLst/>
+          </a:prstGeom>
+          <a:ln>
+            <a:noFill/>
+          </a:ln>
+          <a:effectLst>
+            <a:outerShdw blurRad="292100" dist="139700" dir="2700000" algn="tl" rotWithShape="0">
+              <a:srgbClr val="333333">
+                <a:alpha val="65000"/>
+              </a:srgbClr>
+            </a:outerShdw>
+          </a:effectLst>
+        </p:spPr>
+      </p:pic>
+    </p:spTree>
+    <p:extLst>
+      <p:ext uri="{BB962C8B-B14F-4D97-AF65-F5344CB8AC3E}">
+        <p14:creationId xmlns:p14="http://schemas.microsoft.com/office/powerpoint/2010/main" val="2826087362"/>
+      </p:ext>
+    </p:extLst>
+  </p:cSld>
+  <p:clrMapOvr>
+    <a:masterClrMapping/>
+  </p:clrMapOvr>
+  <p:timing>
+    <p:tnLst>
+      <p:par>
+        <p:cTn id="1" dur="indefinite" restart="never" nodeType="tmRoot"/>
+      </p:par>
+    </p:tnLst>
+  </p:timing>
+</p:sld>
+</file>
+
+<file path=ppt/slides/slide12.xml><?xml version="1.0" encoding="utf-8"?>
+<p:sld xmlns:a="http://schemas.openxmlformats.org/drawingml/2006/main" xmlns:r="http://schemas.openxmlformats.org/officeDocument/2006/relationships" xmlns:p="http://schemas.openxmlformats.org/presentationml/2006/main">
+  <p:cSld>
+    <p:spTree>
+      <p:nvGrpSpPr>
+        <p:cNvPr id="1" name=""/>
+        <p:cNvGrpSpPr/>
+        <p:nvPr/>
+      </p:nvGrpSpPr>
+      <p:grpSpPr>
+        <a:xfrm>
+          <a:off x="0" y="0"/>
+          <a:ext cx="0" cy="0"/>
+          <a:chOff x="0" y="0"/>
+          <a:chExt cx="0" cy="0"/>
+        </a:xfrm>
+      </p:grpSpPr>
+      <p:sp>
+        <p:nvSpPr>
+          <p:cNvPr id="2" name="Title 1"/>
+          <p:cNvSpPr>
+            <a:spLocks noGrp="1"/>
+          </p:cNvSpPr>
+          <p:nvPr>
+            <p:ph type="title"/>
+          </p:nvPr>
+        </p:nvSpPr>
+        <p:spPr>
+          <a:xfrm>
+            <a:off x="0" y="0"/>
+            <a:ext cx="10515600" cy="1144589"/>
+          </a:xfrm>
+        </p:spPr>
+        <p:txBody>
+          <a:bodyPr>
+            <a:normAutofit fontScale="90000"/>
+          </a:bodyPr>
+          <a:lstStyle/>
+          <a:p>
+            <a:r>
+              <a:rPr lang="en-US" dirty="0" smtClean="0"/>
+              <a:t>Join `person` &amp;</a:t>
+            </a:r>
+            <a:br>
+              <a:rPr lang="en-US" dirty="0" smtClean="0"/>
+            </a:br>
+            <a:r>
+              <a:rPr lang="en-US" dirty="0" smtClean="0"/>
+              <a:t> `</a:t>
+            </a:r>
+            <a:r>
+              <a:rPr lang="en-US" dirty="0" err="1" smtClean="0"/>
+              <a:t>pt_dx_covid</a:t>
+            </a:r>
+            <a:r>
+              <a:rPr lang="en-US" dirty="0" smtClean="0"/>
+              <a:t>`</a:t>
+            </a:r>
+            <a:endParaRPr lang="en-US" dirty="0"/>
+          </a:p>
+        </p:txBody>
+      </p:sp>
+      <p:sp>
+        <p:nvSpPr>
+          <p:cNvPr id="3" name="Content Placeholder 2"/>
+          <p:cNvSpPr>
+            <a:spLocks noGrp="1"/>
+          </p:cNvSpPr>
+          <p:nvPr>
+            <p:ph idx="1"/>
+          </p:nvPr>
+        </p:nvSpPr>
+        <p:spPr>
+          <a:xfrm>
+            <a:off x="0" y="1144590"/>
+            <a:ext cx="12192000" cy="5713410"/>
+          </a:xfrm>
+        </p:spPr>
+        <p:txBody>
+          <a:bodyPr>
+            <a:normAutofit/>
+          </a:bodyPr>
+          <a:lstStyle/>
+          <a:p>
+            <a:pPr marL="231775" indent="-231775" eaLnBrk="0" fontAlgn="base" hangingPunct="0">
+              <a:lnSpc>
+                <a:spcPct val="100000"/>
+              </a:lnSpc>
+              <a:spcBef>
+                <a:spcPct val="0"/>
+              </a:spcBef>
+              <a:spcAft>
+                <a:spcPct val="0"/>
+              </a:spcAft>
+            </a:pPr>
+            <a:r>
+              <a:rPr lang="en-US" sz="3600" dirty="0"/>
+              <a:t>New SQL </a:t>
+            </a:r>
+            <a:r>
+              <a:rPr lang="en-US" sz="3600" dirty="0" smtClean="0"/>
+              <a:t>transform/node</a:t>
+            </a:r>
+            <a:br>
+              <a:rPr lang="en-US" sz="3600" dirty="0" smtClean="0"/>
+            </a:br>
+            <a:r>
+              <a:rPr lang="en-US" sz="3600" dirty="0" smtClean="0"/>
+              <a:t>pointing to two tables</a:t>
+            </a:r>
+          </a:p>
+          <a:p>
+            <a:pPr marL="231775" indent="-231775" eaLnBrk="0" fontAlgn="base" hangingPunct="0">
+              <a:lnSpc>
+                <a:spcPct val="100000"/>
+              </a:lnSpc>
+              <a:spcBef>
+                <a:spcPct val="0"/>
+              </a:spcBef>
+              <a:spcAft>
+                <a:spcPct val="0"/>
+              </a:spcAft>
+            </a:pPr>
+            <a:r>
+              <a:rPr lang="en-US" sz="3600" dirty="0" smtClean="0"/>
+              <a:t>Toggle the Save switch</a:t>
+            </a:r>
+          </a:p>
+          <a:p>
+            <a:pPr marL="231775" indent="-231775" eaLnBrk="0" fontAlgn="base" hangingPunct="0">
+              <a:lnSpc>
+                <a:spcPct val="100000"/>
+              </a:lnSpc>
+              <a:spcBef>
+                <a:spcPct val="0"/>
+              </a:spcBef>
+              <a:spcAft>
+                <a:spcPct val="0"/>
+              </a:spcAft>
+            </a:pPr>
+            <a:r>
+              <a:rPr lang="en-US" sz="3600" dirty="0" smtClean="0"/>
+              <a:t>Name “</a:t>
+            </a:r>
+            <a:r>
+              <a:rPr lang="en-US" sz="3600" dirty="0" err="1" smtClean="0"/>
+              <a:t>person_staged</a:t>
+            </a:r>
+            <a:r>
+              <a:rPr lang="en-US" sz="3600" dirty="0" smtClean="0"/>
+              <a:t>”</a:t>
+            </a:r>
+            <a:endParaRPr lang="en-US" sz="3600" dirty="0"/>
+          </a:p>
+          <a:p>
+            <a:pPr marL="0" lvl="0" indent="0" eaLnBrk="0" fontAlgn="base" hangingPunct="0">
+              <a:lnSpc>
+                <a:spcPct val="100000"/>
+              </a:lnSpc>
+              <a:spcBef>
+                <a:spcPct val="0"/>
+              </a:spcBef>
+              <a:spcAft>
+                <a:spcPct val="0"/>
+              </a:spcAft>
+              <a:buNone/>
+            </a:pPr>
+            <a:endParaRPr lang="en-US" dirty="0" smtClean="0"/>
+          </a:p>
+          <a:p>
+            <a:pPr marL="0" indent="0">
+              <a:buNone/>
+            </a:pPr>
+            <a:r>
+              <a:rPr lang="en-US" sz="1200" dirty="0">
+                <a:solidFill>
+                  <a:srgbClr val="859900"/>
+                </a:solidFill>
+                <a:latin typeface="Consolas" panose="020B0609020204030204" pitchFamily="49" charset="0"/>
+              </a:rPr>
+              <a:t>SELECT</a:t>
+            </a:r>
+            <a:r>
+              <a:rPr lang="en-US" sz="1200" dirty="0">
+                <a:solidFill>
+                  <a:srgbClr val="839496"/>
+                </a:solidFill>
+                <a:latin typeface="Consolas" panose="020B0609020204030204" pitchFamily="49" charset="0"/>
+              </a:rPr>
+              <a:t> </a:t>
+            </a:r>
+          </a:p>
+          <a:p>
+            <a:pPr marL="0" indent="0">
+              <a:buNone/>
+            </a:pPr>
+            <a:r>
+              <a:rPr lang="en-US" sz="1200" dirty="0">
+                <a:solidFill>
+                  <a:srgbClr val="839496"/>
+                </a:solidFill>
+                <a:latin typeface="Consolas" panose="020B0609020204030204" pitchFamily="49" charset="0"/>
+              </a:rPr>
+              <a:t>  </a:t>
+            </a:r>
+            <a:r>
+              <a:rPr lang="en-US" sz="1200" dirty="0" err="1">
+                <a:solidFill>
+                  <a:srgbClr val="CB4B16"/>
+                </a:solidFill>
+                <a:latin typeface="Consolas" panose="020B0609020204030204" pitchFamily="49" charset="0"/>
+              </a:rPr>
+              <a:t>p</a:t>
+            </a:r>
+            <a:r>
+              <a:rPr lang="en-US" sz="1200" dirty="0" err="1">
+                <a:solidFill>
+                  <a:srgbClr val="839496"/>
+                </a:solidFill>
+                <a:latin typeface="Consolas" panose="020B0609020204030204" pitchFamily="49" charset="0"/>
+              </a:rPr>
+              <a:t>.</a:t>
+            </a:r>
+            <a:r>
+              <a:rPr lang="en-US" sz="1200" dirty="0" err="1">
+                <a:solidFill>
+                  <a:srgbClr val="CB4B16"/>
+                </a:solidFill>
+                <a:latin typeface="Consolas" panose="020B0609020204030204" pitchFamily="49" charset="0"/>
+              </a:rPr>
+              <a:t>person_id</a:t>
+            </a:r>
+            <a:endParaRPr lang="en-US" sz="1200" dirty="0">
+              <a:solidFill>
+                <a:srgbClr val="839496"/>
+              </a:solidFill>
+              <a:latin typeface="Consolas" panose="020B0609020204030204" pitchFamily="49" charset="0"/>
+            </a:endParaRPr>
+          </a:p>
+          <a:p>
+            <a:pPr marL="0" indent="0">
+              <a:buNone/>
+            </a:pPr>
+            <a:r>
+              <a:rPr lang="en-US" sz="1200" dirty="0">
+                <a:solidFill>
+                  <a:srgbClr val="839496"/>
+                </a:solidFill>
+                <a:latin typeface="Consolas" panose="020B0609020204030204" pitchFamily="49" charset="0"/>
+              </a:rPr>
+              <a:t>  ,</a:t>
+            </a:r>
+            <a:r>
+              <a:rPr lang="en-US" sz="1200" dirty="0" err="1">
+                <a:solidFill>
+                  <a:srgbClr val="CB4B16"/>
+                </a:solidFill>
+                <a:latin typeface="Consolas" panose="020B0609020204030204" pitchFamily="49" charset="0"/>
+              </a:rPr>
+              <a:t>p</a:t>
+            </a:r>
+            <a:r>
+              <a:rPr lang="en-US" sz="1200" dirty="0" err="1">
+                <a:solidFill>
+                  <a:srgbClr val="839496"/>
+                </a:solidFill>
+                <a:latin typeface="Consolas" panose="020B0609020204030204" pitchFamily="49" charset="0"/>
+              </a:rPr>
+              <a:t>.</a:t>
+            </a:r>
+            <a:r>
+              <a:rPr lang="en-US" sz="1200" dirty="0" err="1">
+                <a:solidFill>
+                  <a:srgbClr val="CB4B16"/>
+                </a:solidFill>
+                <a:latin typeface="Consolas" panose="020B0609020204030204" pitchFamily="49" charset="0"/>
+              </a:rPr>
+              <a:t>gender_concept_name</a:t>
+            </a:r>
+            <a:r>
+              <a:rPr lang="en-US" sz="1200" dirty="0">
+                <a:solidFill>
+                  <a:srgbClr val="839496"/>
+                </a:solidFill>
+                <a:latin typeface="Consolas" panose="020B0609020204030204" pitchFamily="49" charset="0"/>
+              </a:rPr>
+              <a:t>                    </a:t>
+            </a:r>
+            <a:r>
+              <a:rPr lang="en-US" sz="1200" dirty="0">
+                <a:solidFill>
+                  <a:srgbClr val="859900"/>
+                </a:solidFill>
+                <a:latin typeface="Consolas" panose="020B0609020204030204" pitchFamily="49" charset="0"/>
+              </a:rPr>
+              <a:t>as</a:t>
+            </a:r>
+            <a:r>
+              <a:rPr lang="en-US" sz="1200" dirty="0">
+                <a:solidFill>
+                  <a:srgbClr val="839496"/>
+                </a:solidFill>
+                <a:latin typeface="Consolas" panose="020B0609020204030204" pitchFamily="49" charset="0"/>
+              </a:rPr>
+              <a:t> gender</a:t>
+            </a:r>
+          </a:p>
+          <a:p>
+            <a:pPr marL="0" indent="0">
+              <a:buNone/>
+            </a:pPr>
+            <a:r>
+              <a:rPr lang="en-US" sz="1200" dirty="0">
+                <a:solidFill>
+                  <a:srgbClr val="839496"/>
+                </a:solidFill>
+                <a:latin typeface="Consolas" panose="020B0609020204030204" pitchFamily="49" charset="0"/>
+              </a:rPr>
+              <a:t>  ,</a:t>
+            </a:r>
+            <a:r>
+              <a:rPr lang="en-US" sz="1200" dirty="0">
+                <a:solidFill>
+                  <a:srgbClr val="859900"/>
+                </a:solidFill>
+                <a:latin typeface="Consolas" panose="020B0609020204030204" pitchFamily="49" charset="0"/>
+              </a:rPr>
+              <a:t>if</a:t>
+            </a:r>
+            <a:r>
+              <a:rPr lang="en-US" sz="1200" dirty="0">
+                <a:solidFill>
+                  <a:srgbClr val="839496"/>
+                </a:solidFill>
+                <a:latin typeface="Consolas" panose="020B0609020204030204" pitchFamily="49" charset="0"/>
+              </a:rPr>
+              <a:t>(</a:t>
+            </a:r>
+            <a:r>
+              <a:rPr lang="en-US" sz="1200" dirty="0" err="1">
+                <a:solidFill>
+                  <a:srgbClr val="CB4B16"/>
+                </a:solidFill>
+                <a:latin typeface="Consolas" panose="020B0609020204030204" pitchFamily="49" charset="0"/>
+              </a:rPr>
+              <a:t>p</a:t>
+            </a:r>
+            <a:r>
+              <a:rPr lang="en-US" sz="1200" dirty="0" err="1">
+                <a:solidFill>
+                  <a:srgbClr val="839496"/>
+                </a:solidFill>
+                <a:latin typeface="Consolas" panose="020B0609020204030204" pitchFamily="49" charset="0"/>
+              </a:rPr>
+              <a:t>.</a:t>
+            </a:r>
+            <a:r>
+              <a:rPr lang="en-US" sz="1200" dirty="0" err="1">
+                <a:solidFill>
+                  <a:srgbClr val="CB4B16"/>
+                </a:solidFill>
+                <a:latin typeface="Consolas" panose="020B0609020204030204" pitchFamily="49" charset="0"/>
+              </a:rPr>
+              <a:t>gender_concept_name</a:t>
+            </a:r>
+            <a:r>
+              <a:rPr lang="en-US" sz="1200" dirty="0">
+                <a:solidFill>
+                  <a:srgbClr val="839496"/>
+                </a:solidFill>
+                <a:latin typeface="Consolas" panose="020B0609020204030204" pitchFamily="49" charset="0"/>
+              </a:rPr>
+              <a:t> </a:t>
+            </a:r>
+            <a:r>
+              <a:rPr lang="en-US" sz="1200" dirty="0">
+                <a:solidFill>
+                  <a:srgbClr val="859900"/>
+                </a:solidFill>
+                <a:latin typeface="Consolas" panose="020B0609020204030204" pitchFamily="49" charset="0"/>
+              </a:rPr>
+              <a:t>=</a:t>
+            </a:r>
+            <a:r>
+              <a:rPr lang="en-US" sz="1200" dirty="0">
+                <a:solidFill>
+                  <a:srgbClr val="839496"/>
+                </a:solidFill>
+                <a:latin typeface="Consolas" panose="020B0609020204030204" pitchFamily="49" charset="0"/>
+              </a:rPr>
+              <a:t> </a:t>
+            </a:r>
+            <a:r>
+              <a:rPr lang="en-US" sz="1200" dirty="0">
+                <a:solidFill>
+                  <a:srgbClr val="2AA198"/>
+                </a:solidFill>
+                <a:latin typeface="Consolas" panose="020B0609020204030204" pitchFamily="49" charset="0"/>
+              </a:rPr>
+              <a:t>'MALE'</a:t>
+            </a:r>
+            <a:r>
+              <a:rPr lang="en-US" sz="1200" dirty="0">
+                <a:solidFill>
+                  <a:srgbClr val="839496"/>
+                </a:solidFill>
+                <a:latin typeface="Consolas" panose="020B0609020204030204" pitchFamily="49" charset="0"/>
+              </a:rPr>
+              <a:t>, </a:t>
+            </a:r>
+            <a:r>
+              <a:rPr lang="en-US" sz="1200" dirty="0">
+                <a:solidFill>
+                  <a:srgbClr val="D33682"/>
+                </a:solidFill>
+                <a:latin typeface="Consolas" panose="020B0609020204030204" pitchFamily="49" charset="0"/>
+              </a:rPr>
+              <a:t>1</a:t>
+            </a:r>
+            <a:r>
+              <a:rPr lang="en-US" sz="1200" dirty="0">
+                <a:solidFill>
+                  <a:srgbClr val="839496"/>
+                </a:solidFill>
+                <a:latin typeface="Consolas" panose="020B0609020204030204" pitchFamily="49" charset="0"/>
+              </a:rPr>
+              <a:t>, </a:t>
+            </a:r>
+            <a:r>
+              <a:rPr lang="en-US" sz="1200" dirty="0">
+                <a:solidFill>
+                  <a:srgbClr val="D33682"/>
+                </a:solidFill>
+                <a:latin typeface="Consolas" panose="020B0609020204030204" pitchFamily="49" charset="0"/>
+              </a:rPr>
+              <a:t>0</a:t>
+            </a:r>
+            <a:r>
+              <a:rPr lang="en-US" sz="1200" dirty="0">
+                <a:solidFill>
+                  <a:srgbClr val="839496"/>
+                </a:solidFill>
+                <a:latin typeface="Consolas" panose="020B0609020204030204" pitchFamily="49" charset="0"/>
+              </a:rPr>
+              <a:t>) </a:t>
+            </a:r>
+            <a:r>
+              <a:rPr lang="en-US" sz="1200" dirty="0">
+                <a:solidFill>
+                  <a:srgbClr val="859900"/>
+                </a:solidFill>
+                <a:latin typeface="Consolas" panose="020B0609020204030204" pitchFamily="49" charset="0"/>
+              </a:rPr>
+              <a:t>as</a:t>
+            </a:r>
+            <a:r>
+              <a:rPr lang="en-US" sz="1200" dirty="0">
+                <a:solidFill>
+                  <a:srgbClr val="839496"/>
+                </a:solidFill>
+                <a:latin typeface="Consolas" panose="020B0609020204030204" pitchFamily="49" charset="0"/>
+              </a:rPr>
+              <a:t> </a:t>
+            </a:r>
+            <a:r>
+              <a:rPr lang="en-US" sz="1200" dirty="0" err="1">
+                <a:solidFill>
+                  <a:srgbClr val="839496"/>
+                </a:solidFill>
+                <a:latin typeface="Consolas" panose="020B0609020204030204" pitchFamily="49" charset="0"/>
+              </a:rPr>
+              <a:t>gender_male</a:t>
+            </a:r>
+            <a:endParaRPr lang="en-US" sz="1200" dirty="0">
+              <a:solidFill>
+                <a:srgbClr val="839496"/>
+              </a:solidFill>
+              <a:latin typeface="Consolas" panose="020B0609020204030204" pitchFamily="49" charset="0"/>
+            </a:endParaRPr>
+          </a:p>
+          <a:p>
+            <a:pPr marL="0" indent="0">
+              <a:buNone/>
+            </a:pPr>
+            <a:r>
+              <a:rPr lang="en-US" sz="1200" dirty="0">
+                <a:solidFill>
+                  <a:srgbClr val="839496"/>
+                </a:solidFill>
+                <a:latin typeface="Consolas" panose="020B0609020204030204" pitchFamily="49" charset="0"/>
+              </a:rPr>
+              <a:t>  ,</a:t>
+            </a:r>
+            <a:r>
+              <a:rPr lang="en-US" sz="1200" dirty="0" err="1">
+                <a:solidFill>
+                  <a:srgbClr val="CB4B16"/>
+                </a:solidFill>
+                <a:latin typeface="Consolas" panose="020B0609020204030204" pitchFamily="49" charset="0"/>
+              </a:rPr>
+              <a:t>p</a:t>
+            </a:r>
+            <a:r>
+              <a:rPr lang="en-US" sz="1200" dirty="0" err="1">
+                <a:solidFill>
+                  <a:srgbClr val="839496"/>
+                </a:solidFill>
+                <a:latin typeface="Consolas" panose="020B0609020204030204" pitchFamily="49" charset="0"/>
+              </a:rPr>
+              <a:t>.</a:t>
+            </a:r>
+            <a:r>
+              <a:rPr lang="en-US" sz="1200" dirty="0" err="1">
+                <a:solidFill>
+                  <a:srgbClr val="CB4B16"/>
+                </a:solidFill>
+                <a:latin typeface="Consolas" panose="020B0609020204030204" pitchFamily="49" charset="0"/>
+              </a:rPr>
+              <a:t>year_of_birth</a:t>
+            </a:r>
+            <a:endParaRPr lang="en-US" sz="1200" dirty="0">
+              <a:solidFill>
+                <a:srgbClr val="839496"/>
+              </a:solidFill>
+              <a:latin typeface="Consolas" panose="020B0609020204030204" pitchFamily="49" charset="0"/>
+            </a:endParaRPr>
+          </a:p>
+          <a:p>
+            <a:pPr marL="0" indent="0">
+              <a:buNone/>
+            </a:pPr>
+            <a:r>
+              <a:rPr lang="en-US" sz="1200" dirty="0">
+                <a:solidFill>
+                  <a:srgbClr val="839496"/>
+                </a:solidFill>
+                <a:latin typeface="Consolas" panose="020B0609020204030204" pitchFamily="49" charset="0"/>
+              </a:rPr>
+              <a:t>  ,</a:t>
+            </a:r>
+            <a:r>
+              <a:rPr lang="en-US" sz="1200" dirty="0" err="1">
+                <a:solidFill>
+                  <a:srgbClr val="CB4B16"/>
+                </a:solidFill>
+                <a:latin typeface="Consolas" panose="020B0609020204030204" pitchFamily="49" charset="0"/>
+              </a:rPr>
+              <a:t>pc</a:t>
+            </a:r>
+            <a:r>
+              <a:rPr lang="en-US" sz="1200" dirty="0" err="1">
+                <a:solidFill>
+                  <a:srgbClr val="839496"/>
+                </a:solidFill>
+                <a:latin typeface="Consolas" panose="020B0609020204030204" pitchFamily="49" charset="0"/>
+              </a:rPr>
+              <a:t>.</a:t>
+            </a:r>
+            <a:r>
+              <a:rPr lang="en-US" sz="1200" dirty="0" err="1">
+                <a:solidFill>
+                  <a:srgbClr val="CB4B16"/>
+                </a:solidFill>
+                <a:latin typeface="Consolas" panose="020B0609020204030204" pitchFamily="49" charset="0"/>
+              </a:rPr>
+              <a:t>dx_first</a:t>
+            </a:r>
+            <a:r>
+              <a:rPr lang="en-US" sz="1200" dirty="0">
+                <a:solidFill>
+                  <a:srgbClr val="839496"/>
+                </a:solidFill>
+                <a:latin typeface="Consolas" panose="020B0609020204030204" pitchFamily="49" charset="0"/>
+              </a:rPr>
+              <a:t>                              </a:t>
+            </a:r>
+            <a:r>
+              <a:rPr lang="en-US" sz="1200" dirty="0">
+                <a:solidFill>
+                  <a:srgbClr val="859900"/>
+                </a:solidFill>
+                <a:latin typeface="Consolas" panose="020B0609020204030204" pitchFamily="49" charset="0"/>
+              </a:rPr>
+              <a:t>as</a:t>
+            </a:r>
+            <a:r>
+              <a:rPr lang="en-US" sz="1200" dirty="0">
+                <a:solidFill>
+                  <a:srgbClr val="839496"/>
+                </a:solidFill>
+                <a:latin typeface="Consolas" panose="020B0609020204030204" pitchFamily="49" charset="0"/>
+              </a:rPr>
+              <a:t> </a:t>
+            </a:r>
+            <a:r>
+              <a:rPr lang="en-US" sz="1200" dirty="0" err="1">
+                <a:solidFill>
+                  <a:srgbClr val="839496"/>
+                </a:solidFill>
+                <a:latin typeface="Consolas" panose="020B0609020204030204" pitchFamily="49" charset="0"/>
+              </a:rPr>
+              <a:t>dx_covid_first</a:t>
+            </a:r>
+            <a:endParaRPr lang="en-US" sz="1200" dirty="0">
+              <a:solidFill>
+                <a:srgbClr val="839496"/>
+              </a:solidFill>
+              <a:latin typeface="Consolas" panose="020B0609020204030204" pitchFamily="49" charset="0"/>
+            </a:endParaRPr>
+          </a:p>
+          <a:p>
+            <a:pPr marL="0" indent="0">
+              <a:buNone/>
+            </a:pPr>
+            <a:r>
+              <a:rPr lang="en-US" sz="1200" dirty="0">
+                <a:solidFill>
+                  <a:srgbClr val="839496"/>
+                </a:solidFill>
+                <a:latin typeface="Consolas" panose="020B0609020204030204" pitchFamily="49" charset="0"/>
+              </a:rPr>
+              <a:t>  ,</a:t>
+            </a:r>
+            <a:r>
+              <a:rPr lang="en-US" sz="1200" dirty="0">
+                <a:solidFill>
+                  <a:srgbClr val="859900"/>
+                </a:solidFill>
+                <a:latin typeface="Consolas" panose="020B0609020204030204" pitchFamily="49" charset="0"/>
+              </a:rPr>
+              <a:t>if</a:t>
+            </a:r>
+            <a:r>
+              <a:rPr lang="en-US" sz="1200" dirty="0">
+                <a:solidFill>
+                  <a:srgbClr val="839496"/>
+                </a:solidFill>
+                <a:latin typeface="Consolas" panose="020B0609020204030204" pitchFamily="49" charset="0"/>
+              </a:rPr>
+              <a:t>(</a:t>
+            </a:r>
+            <a:r>
+              <a:rPr lang="en-US" sz="1200" dirty="0" err="1">
+                <a:solidFill>
+                  <a:srgbClr val="CB4B16"/>
+                </a:solidFill>
+                <a:latin typeface="Consolas" panose="020B0609020204030204" pitchFamily="49" charset="0"/>
+              </a:rPr>
+              <a:t>pc</a:t>
+            </a:r>
+            <a:r>
+              <a:rPr lang="en-US" sz="1200" dirty="0" err="1">
+                <a:solidFill>
+                  <a:srgbClr val="839496"/>
+                </a:solidFill>
+                <a:latin typeface="Consolas" panose="020B0609020204030204" pitchFamily="49" charset="0"/>
+              </a:rPr>
+              <a:t>.</a:t>
+            </a:r>
+            <a:r>
+              <a:rPr lang="en-US" sz="1200" dirty="0" err="1">
+                <a:solidFill>
+                  <a:srgbClr val="CB4B16"/>
+                </a:solidFill>
+                <a:latin typeface="Consolas" panose="020B0609020204030204" pitchFamily="49" charset="0"/>
+              </a:rPr>
+              <a:t>person_id</a:t>
+            </a:r>
+            <a:r>
+              <a:rPr lang="en-US" sz="1200" dirty="0">
+                <a:solidFill>
+                  <a:srgbClr val="839496"/>
+                </a:solidFill>
+                <a:latin typeface="Consolas" panose="020B0609020204030204" pitchFamily="49" charset="0"/>
+              </a:rPr>
+              <a:t> </a:t>
+            </a:r>
+            <a:r>
+              <a:rPr lang="en-US" sz="1200" dirty="0">
+                <a:solidFill>
+                  <a:srgbClr val="859900"/>
+                </a:solidFill>
+                <a:latin typeface="Consolas" panose="020B0609020204030204" pitchFamily="49" charset="0"/>
+              </a:rPr>
+              <a:t>is</a:t>
+            </a:r>
+            <a:r>
+              <a:rPr lang="en-US" sz="1200" dirty="0">
+                <a:solidFill>
+                  <a:srgbClr val="839496"/>
+                </a:solidFill>
+                <a:latin typeface="Consolas" panose="020B0609020204030204" pitchFamily="49" charset="0"/>
+              </a:rPr>
+              <a:t> </a:t>
+            </a:r>
+            <a:r>
+              <a:rPr lang="en-US" sz="1200" dirty="0">
+                <a:solidFill>
+                  <a:srgbClr val="859900"/>
+                </a:solidFill>
+                <a:latin typeface="Consolas" panose="020B0609020204030204" pitchFamily="49" charset="0"/>
+              </a:rPr>
+              <a:t>null</a:t>
+            </a:r>
+            <a:r>
+              <a:rPr lang="en-US" sz="1200" dirty="0">
+                <a:solidFill>
+                  <a:srgbClr val="839496"/>
+                </a:solidFill>
+                <a:latin typeface="Consolas" panose="020B0609020204030204" pitchFamily="49" charset="0"/>
+              </a:rPr>
+              <a:t>, </a:t>
+            </a:r>
+            <a:r>
+              <a:rPr lang="en-US" sz="1200" dirty="0">
+                <a:solidFill>
+                  <a:srgbClr val="D33682"/>
+                </a:solidFill>
+                <a:latin typeface="Consolas" panose="020B0609020204030204" pitchFamily="49" charset="0"/>
+              </a:rPr>
+              <a:t>0</a:t>
+            </a:r>
+            <a:r>
+              <a:rPr lang="en-US" sz="1200" dirty="0">
+                <a:solidFill>
+                  <a:srgbClr val="839496"/>
+                </a:solidFill>
+                <a:latin typeface="Consolas" panose="020B0609020204030204" pitchFamily="49" charset="0"/>
+              </a:rPr>
+              <a:t>, </a:t>
+            </a:r>
+            <a:r>
+              <a:rPr lang="en-US" sz="1200" dirty="0">
+                <a:solidFill>
+                  <a:srgbClr val="D33682"/>
+                </a:solidFill>
+                <a:latin typeface="Consolas" panose="020B0609020204030204" pitchFamily="49" charset="0"/>
+              </a:rPr>
+              <a:t>1</a:t>
+            </a:r>
+            <a:r>
+              <a:rPr lang="en-US" sz="1200" dirty="0">
+                <a:solidFill>
+                  <a:srgbClr val="839496"/>
+                </a:solidFill>
+                <a:latin typeface="Consolas" panose="020B0609020204030204" pitchFamily="49" charset="0"/>
+              </a:rPr>
+              <a:t>)           </a:t>
+            </a:r>
+            <a:r>
+              <a:rPr lang="en-US" sz="1200" dirty="0">
+                <a:solidFill>
+                  <a:srgbClr val="859900"/>
+                </a:solidFill>
+                <a:latin typeface="Consolas" panose="020B0609020204030204" pitchFamily="49" charset="0"/>
+              </a:rPr>
+              <a:t>as</a:t>
+            </a:r>
+            <a:r>
+              <a:rPr lang="en-US" sz="1200" dirty="0">
+                <a:solidFill>
+                  <a:srgbClr val="839496"/>
+                </a:solidFill>
+                <a:latin typeface="Consolas" panose="020B0609020204030204" pitchFamily="49" charset="0"/>
+              </a:rPr>
+              <a:t> </a:t>
+            </a:r>
+            <a:r>
+              <a:rPr lang="en-US" sz="1200" dirty="0" err="1">
+                <a:solidFill>
+                  <a:srgbClr val="839496"/>
+                </a:solidFill>
+                <a:latin typeface="Consolas" panose="020B0609020204030204" pitchFamily="49" charset="0"/>
+              </a:rPr>
+              <a:t>covid_ever</a:t>
+            </a:r>
+            <a:endParaRPr lang="en-US" sz="1200" dirty="0">
+              <a:solidFill>
+                <a:srgbClr val="839496"/>
+              </a:solidFill>
+              <a:latin typeface="Consolas" panose="020B0609020204030204" pitchFamily="49" charset="0"/>
+            </a:endParaRPr>
+          </a:p>
+          <a:p>
+            <a:pPr marL="0" indent="0">
+              <a:buNone/>
+            </a:pPr>
+            <a:r>
+              <a:rPr lang="en-US" sz="1200" dirty="0">
+                <a:solidFill>
+                  <a:srgbClr val="859900"/>
+                </a:solidFill>
+                <a:latin typeface="Consolas" panose="020B0609020204030204" pitchFamily="49" charset="0"/>
+              </a:rPr>
+              <a:t>FROM</a:t>
+            </a:r>
+            <a:r>
+              <a:rPr lang="en-US" sz="1200" dirty="0">
+                <a:solidFill>
+                  <a:srgbClr val="839496"/>
+                </a:solidFill>
+                <a:latin typeface="Consolas" panose="020B0609020204030204" pitchFamily="49" charset="0"/>
+              </a:rPr>
+              <a:t> person p</a:t>
+            </a:r>
+          </a:p>
+          <a:p>
+            <a:pPr marL="0" indent="0">
+              <a:buNone/>
+            </a:pPr>
+            <a:r>
+              <a:rPr lang="en-US" sz="1200" dirty="0">
+                <a:solidFill>
+                  <a:srgbClr val="839496"/>
+                </a:solidFill>
+                <a:latin typeface="Consolas" panose="020B0609020204030204" pitchFamily="49" charset="0"/>
+              </a:rPr>
+              <a:t>  </a:t>
+            </a:r>
+            <a:r>
+              <a:rPr lang="en-US" sz="1200" dirty="0">
+                <a:solidFill>
+                  <a:srgbClr val="859900"/>
+                </a:solidFill>
+                <a:latin typeface="Consolas" panose="020B0609020204030204" pitchFamily="49" charset="0"/>
+              </a:rPr>
+              <a:t>left  join</a:t>
+            </a:r>
+            <a:r>
+              <a:rPr lang="en-US" sz="1200" dirty="0">
+                <a:solidFill>
+                  <a:srgbClr val="839496"/>
+                </a:solidFill>
+                <a:latin typeface="Consolas" panose="020B0609020204030204" pitchFamily="49" charset="0"/>
+              </a:rPr>
+              <a:t> </a:t>
+            </a:r>
+            <a:r>
+              <a:rPr lang="en-US" sz="1200" dirty="0" err="1">
+                <a:solidFill>
+                  <a:srgbClr val="839496"/>
+                </a:solidFill>
+                <a:latin typeface="Consolas" panose="020B0609020204030204" pitchFamily="49" charset="0"/>
+              </a:rPr>
+              <a:t>pt_dx_covid</a:t>
+            </a:r>
+            <a:r>
+              <a:rPr lang="en-US" sz="1200" dirty="0">
+                <a:solidFill>
+                  <a:srgbClr val="839496"/>
+                </a:solidFill>
+                <a:latin typeface="Consolas" panose="020B0609020204030204" pitchFamily="49" charset="0"/>
+              </a:rPr>
+              <a:t> pc </a:t>
+            </a:r>
+            <a:r>
+              <a:rPr lang="en-US" sz="1200" dirty="0">
+                <a:solidFill>
+                  <a:srgbClr val="859900"/>
+                </a:solidFill>
+                <a:latin typeface="Consolas" panose="020B0609020204030204" pitchFamily="49" charset="0"/>
+              </a:rPr>
+              <a:t>on</a:t>
+            </a:r>
+            <a:r>
+              <a:rPr lang="en-US" sz="1200" dirty="0">
+                <a:solidFill>
+                  <a:srgbClr val="839496"/>
+                </a:solidFill>
+                <a:latin typeface="Consolas" panose="020B0609020204030204" pitchFamily="49" charset="0"/>
+              </a:rPr>
+              <a:t> </a:t>
+            </a:r>
+            <a:r>
+              <a:rPr lang="en-US" sz="1200" dirty="0" err="1">
+                <a:solidFill>
+                  <a:srgbClr val="CB4B16"/>
+                </a:solidFill>
+                <a:latin typeface="Consolas" panose="020B0609020204030204" pitchFamily="49" charset="0"/>
+              </a:rPr>
+              <a:t>p</a:t>
+            </a:r>
+            <a:r>
+              <a:rPr lang="en-US" sz="1200" dirty="0" err="1">
+                <a:solidFill>
+                  <a:srgbClr val="839496"/>
+                </a:solidFill>
+                <a:latin typeface="Consolas" panose="020B0609020204030204" pitchFamily="49" charset="0"/>
+              </a:rPr>
+              <a:t>.</a:t>
+            </a:r>
+            <a:r>
+              <a:rPr lang="en-US" sz="1200" dirty="0" err="1">
+                <a:solidFill>
+                  <a:srgbClr val="CB4B16"/>
+                </a:solidFill>
+                <a:latin typeface="Consolas" panose="020B0609020204030204" pitchFamily="49" charset="0"/>
+              </a:rPr>
+              <a:t>person_id</a:t>
+            </a:r>
+            <a:r>
+              <a:rPr lang="en-US" sz="1200" dirty="0">
+                <a:solidFill>
+                  <a:srgbClr val="839496"/>
+                </a:solidFill>
+                <a:latin typeface="Consolas" panose="020B0609020204030204" pitchFamily="49" charset="0"/>
+              </a:rPr>
+              <a:t> </a:t>
+            </a:r>
+            <a:r>
+              <a:rPr lang="en-US" sz="1200" dirty="0">
+                <a:solidFill>
+                  <a:srgbClr val="859900"/>
+                </a:solidFill>
+                <a:latin typeface="Consolas" panose="020B0609020204030204" pitchFamily="49" charset="0"/>
+              </a:rPr>
+              <a:t>=</a:t>
+            </a:r>
+            <a:r>
+              <a:rPr lang="en-US" sz="1200" dirty="0">
+                <a:solidFill>
+                  <a:srgbClr val="839496"/>
+                </a:solidFill>
+                <a:latin typeface="Consolas" panose="020B0609020204030204" pitchFamily="49" charset="0"/>
+              </a:rPr>
+              <a:t> </a:t>
+            </a:r>
+            <a:r>
+              <a:rPr lang="en-US" sz="1200" dirty="0" err="1" smtClean="0">
+                <a:solidFill>
+                  <a:srgbClr val="CB4B16"/>
+                </a:solidFill>
+                <a:latin typeface="Consolas" panose="020B0609020204030204" pitchFamily="49" charset="0"/>
+              </a:rPr>
+              <a:t>pc</a:t>
+            </a:r>
+            <a:r>
+              <a:rPr lang="en-US" sz="1200" dirty="0" err="1" smtClean="0">
+                <a:solidFill>
+                  <a:srgbClr val="839496"/>
+                </a:solidFill>
+                <a:latin typeface="Consolas" panose="020B0609020204030204" pitchFamily="49" charset="0"/>
+              </a:rPr>
+              <a:t>.</a:t>
+            </a:r>
+            <a:r>
+              <a:rPr lang="en-US" sz="1200" dirty="0" err="1" smtClean="0">
+                <a:solidFill>
+                  <a:srgbClr val="CB4B16"/>
+                </a:solidFill>
+                <a:latin typeface="Consolas" panose="020B0609020204030204" pitchFamily="49" charset="0"/>
+              </a:rPr>
+              <a:t>person_id</a:t>
+            </a:r>
+            <a:endParaRPr lang="en-US" dirty="0"/>
+          </a:p>
+          <a:p>
+            <a:pPr marL="231775" lvl="0" indent="-231775" eaLnBrk="0" fontAlgn="base" hangingPunct="0">
+              <a:lnSpc>
+                <a:spcPct val="100000"/>
+              </a:lnSpc>
+              <a:spcBef>
+                <a:spcPct val="0"/>
+              </a:spcBef>
+              <a:spcAft>
+                <a:spcPct val="0"/>
+              </a:spcAft>
+            </a:pPr>
+            <a:endParaRPr lang="en-US" dirty="0" smtClean="0"/>
+          </a:p>
+        </p:txBody>
+      </p:sp>
+      <p:pic>
+        <p:nvPicPr>
+          <p:cNvPr id="7" name="Picture 6"/>
+          <p:cNvPicPr>
+            <a:picLocks noChangeAspect="1"/>
+          </p:cNvPicPr>
+          <p:nvPr/>
+        </p:nvPicPr>
+        <p:blipFill>
+          <a:blip r:embed="rId3"/>
+          <a:stretch>
+            <a:fillRect/>
+          </a:stretch>
+        </p:blipFill>
+        <p:spPr>
+          <a:xfrm>
+            <a:off x="5370344" y="140676"/>
+            <a:ext cx="6668984" cy="6604782"/>
+          </a:xfrm>
+          <a:prstGeom prst="rect">
+            <a:avLst/>
+          </a:prstGeom>
+          <a:ln>
+            <a:noFill/>
+          </a:ln>
+          <a:effectLst>
+            <a:outerShdw blurRad="292100" dist="139700" dir="2700000" algn="tl" rotWithShape="0">
+              <a:srgbClr val="333333">
+                <a:alpha val="65000"/>
+              </a:srgbClr>
+            </a:outerShdw>
+          </a:effectLst>
+        </p:spPr>
+      </p:pic>
+    </p:spTree>
+    <p:extLst>
+      <p:ext uri="{BB962C8B-B14F-4D97-AF65-F5344CB8AC3E}">
+        <p14:creationId xmlns:p14="http://schemas.microsoft.com/office/powerpoint/2010/main" val="103335907"/>
+      </p:ext>
+    </p:extLst>
+  </p:cSld>
+  <p:clrMapOvr>
+    <a:masterClrMapping/>
+  </p:clrMapOvr>
+  <p:timing>
+    <p:tnLst>
+      <p:par>
+        <p:cTn id="1" dur="indefinite" restart="never" nodeType="tmRoot"/>
+      </p:par>
+    </p:tnLst>
+  </p:timing>
+</p:sld>
+</file>
+
+<file path=ppt/slides/slide13.xml><?xml version="1.0" encoding="utf-8"?>
+<p:sld xmlns:a="http://schemas.openxmlformats.org/drawingml/2006/main" xmlns:r="http://schemas.openxmlformats.org/officeDocument/2006/relationships" xmlns:p="http://schemas.openxmlformats.org/presentationml/2006/main">
+  <p:cSld>
+    <p:spTree>
+      <p:nvGrpSpPr>
+        <p:cNvPr id="1" name=""/>
+        <p:cNvGrpSpPr/>
+        <p:nvPr/>
+      </p:nvGrpSpPr>
+      <p:grpSpPr>
+        <a:xfrm>
+          <a:off x="0" y="0"/>
+          <a:ext cx="0" cy="0"/>
+          <a:chOff x="0" y="0"/>
+          <a:chExt cx="0" cy="0"/>
+        </a:xfrm>
+      </p:grpSpPr>
+      <p:sp>
+        <p:nvSpPr>
+          <p:cNvPr id="2" name="Title 1"/>
+          <p:cNvSpPr>
+            <a:spLocks noGrp="1"/>
+          </p:cNvSpPr>
+          <p:nvPr>
+            <p:ph type="title"/>
+          </p:nvPr>
+        </p:nvSpPr>
+        <p:spPr>
+          <a:xfrm>
+            <a:off x="0" y="0"/>
+            <a:ext cx="10515600" cy="1144589"/>
+          </a:xfrm>
+        </p:spPr>
+        <p:txBody>
           <a:bodyPr>
             <a:normAutofit/>
           </a:bodyPr>
@@ -5061,7 +7708,7 @@
 </p:sld>
 </file>
 
-<file path=ppt/slides/slide11.xml><?xml version="1.0" encoding="utf-8"?>
+<file path=ppt/slides/slide14.xml><?xml version="1.0" encoding="utf-8"?>
 <p:sld xmlns:a="http://schemas.openxmlformats.org/drawingml/2006/main" xmlns:r="http://schemas.openxmlformats.org/officeDocument/2006/relationships" xmlns:p="http://schemas.openxmlformats.org/presentationml/2006/main">
   <p:cSld>
     <p:spTree>
@@ -6007,7 +8654,7 @@
 </p:sld>
 </file>
 
-<file path=ppt/slides/slide12.xml><?xml version="1.0" encoding="utf-8"?>
+<file path=ppt/slides/slide15.xml><?xml version="1.0" encoding="utf-8"?>
 <p:sld xmlns:a="http://schemas.openxmlformats.org/drawingml/2006/main" xmlns:r="http://schemas.openxmlformats.org/officeDocument/2006/relationships" xmlns:p="http://schemas.openxmlformats.org/presentationml/2006/main">
   <p:cSld>
     <p:spTree>
@@ -7091,7 +9738,7 @@
 </p:sld>
 </file>
 
-<file path=ppt/slides/slide13.xml><?xml version="1.0" encoding="utf-8"?>
+<file path=ppt/slides/slide16.xml><?xml version="1.0" encoding="utf-8"?>
 <p:sld xmlns:a="http://schemas.openxmlformats.org/drawingml/2006/main" xmlns:r="http://schemas.openxmlformats.org/officeDocument/2006/relationships" xmlns:p="http://schemas.openxmlformats.org/presentationml/2006/main">
   <p:cSld>
     <p:spTree>
@@ -7121,16 +9768,18 @@
         <p:spPr>
           <a:xfrm>
             <a:off x="0" y="0"/>
-            <a:ext cx="10515600" cy="1144589"/>
+            <a:ext cx="12192000" cy="1144589"/>
           </a:xfrm>
         </p:spPr>
         <p:txBody>
-          <a:bodyPr/>
+          <a:bodyPr>
+            <a:normAutofit fontScale="90000"/>
+          </a:bodyPr>
           <a:lstStyle/>
           <a:p>
             <a:r>
               <a:rPr lang="en-US" dirty="0" smtClean="0"/>
-              <a:t>Likely Improvements for Real Questions</a:t>
+              <a:t>Likely Improvements/Complications for Real Questions</a:t>
             </a:r>
             <a:endParaRPr lang="en-US" dirty="0"/>
           </a:p>
@@ -7338,7 +9987,7 @@
 </p:sld>
 </file>
 
-<file path=ppt/slides/slide14.xml><?xml version="1.0" encoding="utf-8"?>
+<file path=ppt/slides/slide17.xml><?xml version="1.0" encoding="utf-8"?>
 <p:sld xmlns:a="http://schemas.openxmlformats.org/drawingml/2006/main" xmlns:r="http://schemas.openxmlformats.org/officeDocument/2006/relationships" xmlns:p="http://schemas.openxmlformats.org/presentationml/2006/main">
   <p:cSld>
     <p:spTree>
@@ -7468,13 +10117,62 @@
             </a:r>
             <a:r>
               <a:rPr lang="en-US" sz="2000" dirty="0"/>
-              <a:t>(https://www.ithriv.org</a:t>
+              <a:t>(</a:t>
+            </a:r>
+            <a:r>
+              <a:rPr lang="en-US" sz="2000" dirty="0">
+                <a:hlinkClick r:id="rId5"/>
+              </a:rPr>
+              <a:t>https://www.ithriv.org</a:t>
+            </a:r>
+            <a:r>
+              <a:rPr lang="en-US" sz="2000" dirty="0" smtClean="0">
+                <a:hlinkClick r:id="rId5"/>
+              </a:rPr>
+              <a:t>/</a:t>
             </a:r>
             <a:r>
               <a:rPr lang="en-US" sz="2000" dirty="0" smtClean="0"/>
-              <a:t>/)</a:t>
+              <a:t>)</a:t>
             </a:r>
             <a:endParaRPr lang="en-US" sz="2000" dirty="0"/>
+          </a:p>
+        </p:txBody>
+      </p:sp>
+      <p:sp>
+        <p:nvSpPr>
+          <p:cNvPr id="6" name="Rectangle 5"/>
+          <p:cNvSpPr/>
+          <p:nvPr/>
+        </p:nvSpPr>
+        <p:spPr>
+          <a:xfrm>
+            <a:off x="9421585" y="2448066"/>
+            <a:ext cx="2547257" cy="553998"/>
+          </a:xfrm>
+          <a:prstGeom prst="rect">
+            <a:avLst/>
+          </a:prstGeom>
+        </p:spPr>
+        <p:txBody>
+          <a:bodyPr wrap="square">
+            <a:spAutoFit/>
+          </a:bodyPr>
+          <a:lstStyle/>
+          <a:p>
+            <a:r>
+              <a:rPr lang="en-US" sz="1000" dirty="0">
+                <a:hlinkClick r:id="rId6"/>
+              </a:rPr>
+              <a:t>https://</a:t>
+            </a:r>
+            <a:r>
+              <a:rPr lang="en-US" sz="1000" dirty="0" smtClean="0">
+                <a:hlinkClick r:id="rId6"/>
+              </a:rPr>
+              <a:t>unite.nih.gov/workspace/vector/view/ri.vector.main.workbook.286f8b11-a606-4ac9-b073-45aea0c3ee2a?branch=master</a:t>
+            </a:r>
+            <a:endParaRPr lang="en-US" sz="1000" dirty="0"/>
           </a:p>
         </p:txBody>
       </p:sp>
@@ -7498,7 +10196,7 @@
 </p:sld>
 </file>
 
-<file path=ppt/slides/slide15.xml><?xml version="1.0" encoding="utf-8"?>
+<file path=ppt/slides/slide18.xml><?xml version="1.0" encoding="utf-8"?>
 <p:sld xmlns:a="http://schemas.openxmlformats.org/drawingml/2006/main" xmlns:r="http://schemas.openxmlformats.org/officeDocument/2006/relationships" xmlns:p="http://schemas.openxmlformats.org/presentationml/2006/main">
   <p:cSld>
     <p:spTree>
@@ -7541,76 +10239,6 @@
               <a:rPr lang="en-US" dirty="0"/>
               <a:t>Thank you</a:t>
             </a:r>
-          </a:p>
-        </p:txBody>
-      </p:sp>
-      <p:sp>
-        <p:nvSpPr>
-          <p:cNvPr id="14" name="Subtitle 13"/>
-          <p:cNvSpPr>
-            <a:spLocks noGrp="1"/>
-          </p:cNvSpPr>
-          <p:nvPr>
-            <p:ph type="subTitle" idx="1"/>
-          </p:nvPr>
-        </p:nvSpPr>
-        <p:spPr>
-          <a:xfrm>
-            <a:off x="1066800" y="3628725"/>
-            <a:ext cx="10058400" cy="2322256"/>
-          </a:xfrm>
-        </p:spPr>
-        <p:txBody>
-          <a:bodyPr>
-            <a:normAutofit fontScale="85000" lnSpcReduction="20000"/>
-          </a:bodyPr>
-          <a:lstStyle/>
-          <a:p>
-            <a:r>
-              <a:rPr lang="en-US" sz="2200" dirty="0"/>
-              <a:t>Will Beasley, PhD</a:t>
-            </a:r>
-          </a:p>
-          <a:p>
-            <a:r>
-              <a:rPr lang="en-US" sz="2200" dirty="0"/>
-              <a:t>Ashley Thumann, MHA</a:t>
-            </a:r>
-          </a:p>
-          <a:p>
-            <a:r>
-              <a:rPr lang="en-US" sz="2200" dirty="0"/>
-              <a:t>Geneva Marshall, MS, MHR </a:t>
-            </a:r>
-          </a:p>
-          <a:p>
-            <a:r>
-              <a:rPr lang="en-US" sz="2200" dirty="0">
-                <a:ea typeface="+mj-ea"/>
-                <a:cs typeface="+mj-cs"/>
-              </a:rPr>
-              <a:t>Nellie Oliver, MBA, MPH</a:t>
-            </a:r>
-            <a:endParaRPr lang="en-US" sz="2200" dirty="0"/>
-          </a:p>
-          <a:p>
-            <a:r>
-              <a:rPr lang="en-US" sz="2200" dirty="0"/>
-              <a:t>David Bard, PhD</a:t>
-            </a:r>
-          </a:p>
-          <a:p>
-            <a:r>
-              <a:rPr lang="en-US" sz="2200" dirty="0"/>
-              <a:t>University of Oklahoma HSC</a:t>
-            </a:r>
-          </a:p>
-          <a:p>
-            <a:r>
-              <a:rPr lang="en-US" sz="2200" dirty="0"/>
-              <a:t>Biomedical &amp; Behavioral Methodology Core (BBMC)</a:t>
-            </a:r>
-            <a:endParaRPr lang="en-US" dirty="0"/>
           </a:p>
         </p:txBody>
       </p:sp>
@@ -7892,10 +10520,17 @@
   <p:clrMapOvr>
     <a:masterClrMapping/>
   </p:clrMapOvr>
+  <p:timing>
+    <p:tnLst>
+      <p:par>
+        <p:cTn id="1" dur="indefinite" restart="never" nodeType="tmRoot"/>
+      </p:par>
+    </p:tnLst>
+  </p:timing>
 </p:sld>
 </file>
 
-<file path=ppt/slides/slide16.xml><?xml version="1.0" encoding="utf-8"?>
+<file path=ppt/slides/slide19.xml><?xml version="1.0" encoding="utf-8"?>
 <p:sld xmlns:a="http://schemas.openxmlformats.org/drawingml/2006/main" xmlns:r="http://schemas.openxmlformats.org/officeDocument/2006/relationships" xmlns:p="http://schemas.openxmlformats.org/presentationml/2006/main">
   <p:cSld>
     <p:bg>
@@ -7975,6 +10610,13 @@
   <p:clrMapOvr>
     <a:masterClrMapping/>
   </p:clrMapOvr>
+  <p:timing>
+    <p:tnLst>
+      <p:par>
+        <p:cTn id="1" dur="indefinite" restart="never" nodeType="tmRoot"/>
+      </p:par>
+    </p:tnLst>
+  </p:timing>
 </p:sld>
 </file>
 
@@ -8005,6 +10647,1050 @@
             <p:ph type="title"/>
           </p:nvPr>
         </p:nvSpPr>
+        <p:spPr>
+          <a:xfrm>
+            <a:off x="0" y="0"/>
+            <a:ext cx="12014200" cy="930275"/>
+          </a:xfrm>
+        </p:spPr>
+        <p:txBody>
+          <a:bodyPr>
+            <a:normAutofit fontScale="90000"/>
+          </a:bodyPr>
+          <a:lstStyle/>
+          <a:p>
+            <a:r>
+              <a:rPr lang="en-US" dirty="0" smtClean="0"/>
+              <a:t>N3C Domain Team: </a:t>
+            </a:r>
+            <a:r>
+              <a:rPr lang="en-US" dirty="0"/>
+              <a:t>Elder Impact </a:t>
+            </a:r>
+            <a:r>
+              <a:rPr lang="en-US" dirty="0" smtClean="0"/>
+              <a:t>    </a:t>
+            </a:r>
+            <a:r>
+              <a:rPr lang="en-US" sz="3600" dirty="0" smtClean="0">
+                <a:hlinkClick r:id="rId2"/>
+              </a:rPr>
+              <a:t>https</a:t>
+            </a:r>
+            <a:r>
+              <a:rPr lang="en-US" sz="3600" dirty="0">
+                <a:hlinkClick r:id="rId2"/>
+              </a:rPr>
+              <a:t>://</a:t>
+            </a:r>
+            <a:r>
+              <a:rPr lang="en-US" sz="3600" dirty="0" smtClean="0">
+                <a:hlinkClick r:id="rId2"/>
+              </a:rPr>
+              <a:t>covid.cd2h.org/elder</a:t>
+            </a:r>
+            <a:r>
+              <a:rPr lang="en-US" sz="3600" dirty="0" smtClean="0"/>
+              <a:t> </a:t>
+            </a:r>
+            <a:endParaRPr lang="en-US" dirty="0"/>
+          </a:p>
+        </p:txBody>
+      </p:sp>
+      <p:sp>
+        <p:nvSpPr>
+          <p:cNvPr id="3" name="Content Placeholder 2"/>
+          <p:cNvSpPr>
+            <a:spLocks noGrp="1"/>
+          </p:cNvSpPr>
+          <p:nvPr>
+            <p:ph idx="1"/>
+          </p:nvPr>
+        </p:nvSpPr>
+        <p:spPr>
+          <a:xfrm>
+            <a:off x="0" y="1244600"/>
+            <a:ext cx="12192000" cy="5613399"/>
+          </a:xfrm>
+        </p:spPr>
+        <p:txBody>
+          <a:bodyPr>
+            <a:normAutofit/>
+          </a:bodyPr>
+          <a:lstStyle/>
+          <a:p>
+            <a:r>
+              <a:rPr lang="en-US" dirty="0" smtClean="0"/>
+              <a:t>Mission: </a:t>
+            </a:r>
+            <a:r>
+              <a:rPr lang="en-US" dirty="0"/>
+              <a:t>The Elder Impact Clinical Domain Team aims to complete a descriptive study to illustrate the impacts of COVID-19 on older adults and those with dementia/functional limitations. This includes (1) the use and safety of available COVID therapies in older patients, (2) the severity of COVID-19 among older adults with and without chronic diseases, and (3) the mental health impact of the COVID-19 pandemic on older adults</a:t>
+            </a:r>
+            <a:r>
+              <a:rPr lang="en-US" dirty="0" smtClean="0"/>
+              <a:t>.</a:t>
+            </a:r>
+          </a:p>
+          <a:p>
+            <a:endParaRPr lang="en-US" dirty="0"/>
+          </a:p>
+          <a:p>
+            <a:r>
+              <a:rPr lang="en-US" dirty="0" smtClean="0"/>
+              <a:t>Even if you don’t have programming</a:t>
+            </a:r>
+            <a:br>
+              <a:rPr lang="en-US" dirty="0" smtClean="0"/>
+            </a:br>
+            <a:r>
+              <a:rPr lang="en-US" dirty="0" smtClean="0"/>
+              <a:t>or stat expertise, “we would</a:t>
+            </a:r>
+            <a:br>
+              <a:rPr lang="en-US" dirty="0" smtClean="0"/>
+            </a:br>
+            <a:r>
+              <a:rPr lang="en-US" dirty="0" smtClean="0"/>
+              <a:t>love </a:t>
+            </a:r>
+            <a:r>
+              <a:rPr lang="en-US" dirty="0"/>
+              <a:t>more </a:t>
+            </a:r>
+            <a:r>
+              <a:rPr lang="en-US" dirty="0" smtClean="0"/>
+              <a:t>members with a</a:t>
+            </a:r>
+            <a:br>
+              <a:rPr lang="en-US" dirty="0" smtClean="0"/>
+            </a:br>
+            <a:r>
+              <a:rPr lang="en-US" dirty="0" smtClean="0"/>
+              <a:t>clinical </a:t>
+            </a:r>
+            <a:r>
+              <a:rPr lang="en-US" dirty="0"/>
+              <a:t>and </a:t>
+            </a:r>
+            <a:r>
+              <a:rPr lang="en-US" dirty="0" smtClean="0"/>
+              <a:t>gerontology</a:t>
+            </a:r>
+            <a:br>
+              <a:rPr lang="en-US" dirty="0" smtClean="0"/>
+            </a:br>
+            <a:r>
+              <a:rPr lang="en-US" dirty="0" smtClean="0"/>
+              <a:t>background </a:t>
+            </a:r>
+            <a:r>
+              <a:rPr lang="en-US" dirty="0"/>
+              <a:t>to </a:t>
+            </a:r>
+            <a:r>
+              <a:rPr lang="en-US" dirty="0" smtClean="0"/>
+              <a:t>join”.</a:t>
+            </a:r>
+            <a:endParaRPr lang="en-US" dirty="0"/>
+          </a:p>
+        </p:txBody>
+      </p:sp>
+      <p:sp>
+        <p:nvSpPr>
+          <p:cNvPr id="4" name="Rectangle 1"/>
+          <p:cNvSpPr>
+            <a:spLocks noChangeArrowheads="1"/>
+          </p:cNvSpPr>
+          <p:nvPr/>
+        </p:nvSpPr>
+        <p:spPr bwMode="auto">
+          <a:xfrm>
+            <a:off x="6350000" y="5103959"/>
+            <a:ext cx="5232400" cy="1434954"/>
+          </a:xfrm>
+          <a:prstGeom prst="rect">
+            <a:avLst/>
+          </a:prstGeom>
+          <a:solidFill>
+            <a:srgbClr val="FFFFFF"/>
+          </a:solidFill>
+          <a:ln>
+            <a:noFill/>
+          </a:ln>
+          <a:effectLst/>
+          <a:extLst>
+            <a:ext uri="{91240B29-F687-4F45-9708-019B960494DF}">
+              <a14:hiddenLine xmlns:a14="http://schemas.microsoft.com/office/drawing/2010/main" w="9525">
+                <a:solidFill>
+                  <a:schemeClr val="tx1"/>
+                </a:solidFill>
+                <a:miter lim="800000"/>
+                <a:headEnd/>
+                <a:tailEnd/>
+              </a14:hiddenLine>
+            </a:ext>
+            <a:ext uri="{AF507438-7753-43E0-B8FC-AC1667EBCBE1}">
+              <a14:hiddenEffects xmlns:a14="http://schemas.microsoft.com/office/drawing/2010/main">
+                <a:effectLst>
+                  <a:outerShdw dist="35921" dir="2700000" algn="ctr" rotWithShape="0">
+                    <a:schemeClr val="bg2"/>
+                  </a:outerShdw>
+                </a:effectLst>
+              </a14:hiddenEffects>
+            </a:ext>
+          </a:extLst>
+        </p:spPr>
+        <p:txBody>
+          <a:bodyPr vert="horz" wrap="square" lIns="91440" tIns="0" rIns="91440" bIns="171396" numCol="1" anchor="ctr" anchorCtr="0" compatLnSpc="1">
+            <a:prstTxWarp prst="textNoShape">
+              <a:avLst/>
+            </a:prstTxWarp>
+            <a:spAutoFit/>
+          </a:bodyPr>
+          <a:lstStyle>
+            <a:lvl1pPr eaLnBrk="0" fontAlgn="base" hangingPunct="0">
+              <a:spcBef>
+                <a:spcPct val="0"/>
+              </a:spcBef>
+              <a:spcAft>
+                <a:spcPct val="0"/>
+              </a:spcAft>
+              <a:defRPr>
+                <a:solidFill>
+                  <a:schemeClr val="tx1"/>
+                </a:solidFill>
+                <a:latin typeface="Arial" panose="020B0604020202020204" pitchFamily="34" charset="0"/>
+              </a:defRPr>
+            </a:lvl1pPr>
+            <a:lvl2pPr eaLnBrk="0" fontAlgn="base" hangingPunct="0">
+              <a:spcBef>
+                <a:spcPct val="0"/>
+              </a:spcBef>
+              <a:spcAft>
+                <a:spcPct val="0"/>
+              </a:spcAft>
+              <a:defRPr>
+                <a:solidFill>
+                  <a:schemeClr val="tx1"/>
+                </a:solidFill>
+                <a:latin typeface="Arial" panose="020B0604020202020204" pitchFamily="34" charset="0"/>
+              </a:defRPr>
+            </a:lvl2pPr>
+            <a:lvl3pPr eaLnBrk="0" fontAlgn="base" hangingPunct="0">
+              <a:spcBef>
+                <a:spcPct val="0"/>
+              </a:spcBef>
+              <a:spcAft>
+                <a:spcPct val="0"/>
+              </a:spcAft>
+              <a:defRPr>
+                <a:solidFill>
+                  <a:schemeClr val="tx1"/>
+                </a:solidFill>
+                <a:latin typeface="Arial" panose="020B0604020202020204" pitchFamily="34" charset="0"/>
+              </a:defRPr>
+            </a:lvl3pPr>
+            <a:lvl4pPr eaLnBrk="0" fontAlgn="base" hangingPunct="0">
+              <a:spcBef>
+                <a:spcPct val="0"/>
+              </a:spcBef>
+              <a:spcAft>
+                <a:spcPct val="0"/>
+              </a:spcAft>
+              <a:defRPr>
+                <a:solidFill>
+                  <a:schemeClr val="tx1"/>
+                </a:solidFill>
+                <a:latin typeface="Arial" panose="020B0604020202020204" pitchFamily="34" charset="0"/>
+              </a:defRPr>
+            </a:lvl4pPr>
+            <a:lvl5pPr eaLnBrk="0" fontAlgn="base" hangingPunct="0">
+              <a:spcBef>
+                <a:spcPct val="0"/>
+              </a:spcBef>
+              <a:spcAft>
+                <a:spcPct val="0"/>
+              </a:spcAft>
+              <a:defRPr>
+                <a:solidFill>
+                  <a:schemeClr val="tx1"/>
+                </a:solidFill>
+                <a:latin typeface="Arial" panose="020B0604020202020204" pitchFamily="34" charset="0"/>
+              </a:defRPr>
+            </a:lvl5pPr>
+            <a:lvl6pPr eaLnBrk="0" fontAlgn="base" hangingPunct="0">
+              <a:spcBef>
+                <a:spcPct val="0"/>
+              </a:spcBef>
+              <a:spcAft>
+                <a:spcPct val="0"/>
+              </a:spcAft>
+              <a:defRPr>
+                <a:solidFill>
+                  <a:schemeClr val="tx1"/>
+                </a:solidFill>
+                <a:latin typeface="Arial" panose="020B0604020202020204" pitchFamily="34" charset="0"/>
+              </a:defRPr>
+            </a:lvl6pPr>
+            <a:lvl7pPr eaLnBrk="0" fontAlgn="base" hangingPunct="0">
+              <a:spcBef>
+                <a:spcPct val="0"/>
+              </a:spcBef>
+              <a:spcAft>
+                <a:spcPct val="0"/>
+              </a:spcAft>
+              <a:defRPr>
+                <a:solidFill>
+                  <a:schemeClr val="tx1"/>
+                </a:solidFill>
+                <a:latin typeface="Arial" panose="020B0604020202020204" pitchFamily="34" charset="0"/>
+              </a:defRPr>
+            </a:lvl7pPr>
+            <a:lvl8pPr eaLnBrk="0" fontAlgn="base" hangingPunct="0">
+              <a:spcBef>
+                <a:spcPct val="0"/>
+              </a:spcBef>
+              <a:spcAft>
+                <a:spcPct val="0"/>
+              </a:spcAft>
+              <a:defRPr>
+                <a:solidFill>
+                  <a:schemeClr val="tx1"/>
+                </a:solidFill>
+                <a:latin typeface="Arial" panose="020B0604020202020204" pitchFamily="34" charset="0"/>
+              </a:defRPr>
+            </a:lvl8pPr>
+            <a:lvl9pPr eaLnBrk="0" fontAlgn="base" hangingPunct="0">
+              <a:spcBef>
+                <a:spcPct val="0"/>
+              </a:spcBef>
+              <a:spcAft>
+                <a:spcPct val="0"/>
+              </a:spcAft>
+              <a:defRPr>
+                <a:solidFill>
+                  <a:schemeClr val="tx1"/>
+                </a:solidFill>
+                <a:latin typeface="Arial" panose="020B0604020202020204" pitchFamily="34" charset="0"/>
+              </a:defRPr>
+            </a:lvl9pPr>
+          </a:lstStyle>
+          <a:p>
+            <a:pPr marL="0" marR="0" lvl="0" indent="0" algn="ctr" defTabSz="914400" rtl="0" eaLnBrk="0" fontAlgn="base" latinLnBrk="0" hangingPunct="0">
+              <a:lnSpc>
+                <a:spcPct val="100000"/>
+              </a:lnSpc>
+              <a:spcBef>
+                <a:spcPct val="0"/>
+              </a:spcBef>
+              <a:spcAft>
+                <a:spcPct val="0"/>
+              </a:spcAft>
+              <a:buClrTx/>
+              <a:buSzTx/>
+              <a:buFontTx/>
+              <a:buNone/>
+              <a:tabLst/>
+            </a:pPr>
+            <a:r>
+              <a:rPr kumimoji="0" lang="en-US" altLang="en-US" sz="1800" b="0" i="0" u="none" strike="noStrike" cap="none" normalizeH="0" baseline="0" dirty="0" smtClean="0">
+                <a:ln>
+                  <a:noFill/>
+                </a:ln>
+                <a:solidFill>
+                  <a:srgbClr val="376076"/>
+                </a:solidFill>
+                <a:effectLst/>
+                <a:latin typeface="Roboto"/>
+              </a:rPr>
+              <a:t>Leadership</a:t>
+            </a:r>
+          </a:p>
+          <a:p>
+            <a:pPr marL="0" marR="0" lvl="0" indent="0" algn="ctr" defTabSz="914400" rtl="0" eaLnBrk="0" fontAlgn="base" latinLnBrk="0" hangingPunct="0">
+              <a:lnSpc>
+                <a:spcPct val="100000"/>
+              </a:lnSpc>
+              <a:spcBef>
+                <a:spcPct val="0"/>
+              </a:spcBef>
+              <a:spcAft>
+                <a:spcPct val="0"/>
+              </a:spcAft>
+              <a:buClrTx/>
+              <a:buSzTx/>
+              <a:buFontTx/>
+              <a:buNone/>
+              <a:tabLst/>
+            </a:pPr>
+            <a:r>
+              <a:rPr kumimoji="0" lang="en-US" altLang="en-US" sz="1000" b="0" i="0" u="none" strike="noStrike" cap="none" normalizeH="0" baseline="0" dirty="0" smtClean="0">
+                <a:ln>
+                  <a:noFill/>
+                </a:ln>
+                <a:solidFill>
+                  <a:srgbClr val="333333"/>
+                </a:solidFill>
+                <a:effectLst/>
+                <a:latin typeface="Roboto"/>
+              </a:rPr>
+              <a:t>  </a:t>
+            </a:r>
+          </a:p>
+          <a:p>
+            <a:pPr marL="0" marR="0" lvl="0" indent="0" algn="ctr" defTabSz="914400" rtl="0" eaLnBrk="0" fontAlgn="base" latinLnBrk="0" hangingPunct="0">
+              <a:lnSpc>
+                <a:spcPct val="100000"/>
+              </a:lnSpc>
+              <a:spcBef>
+                <a:spcPct val="0"/>
+              </a:spcBef>
+              <a:spcAft>
+                <a:spcPct val="0"/>
+              </a:spcAft>
+              <a:buClrTx/>
+              <a:buSzTx/>
+              <a:buFontTx/>
+              <a:buNone/>
+              <a:tabLst/>
+            </a:pPr>
+            <a:r>
+              <a:rPr kumimoji="0" lang="en-US" altLang="en-US" sz="1200" b="0" i="0" u="none" strike="noStrike" cap="none" normalizeH="0" baseline="0" dirty="0" err="1" smtClean="0">
+                <a:ln>
+                  <a:noFill/>
+                </a:ln>
+                <a:solidFill>
+                  <a:srgbClr val="1570BA"/>
+                </a:solidFill>
+                <a:effectLst/>
+                <a:latin typeface="Roboto"/>
+                <a:hlinkClick r:id="rId3"/>
+              </a:rPr>
+              <a:t>Soko</a:t>
+            </a:r>
+            <a:r>
+              <a:rPr kumimoji="0" lang="en-US" altLang="en-US" sz="1200" b="0" i="0" u="none" strike="noStrike" cap="none" normalizeH="0" baseline="0" dirty="0" smtClean="0">
+                <a:ln>
+                  <a:noFill/>
+                </a:ln>
+                <a:solidFill>
+                  <a:srgbClr val="1570BA"/>
+                </a:solidFill>
+                <a:effectLst/>
+                <a:latin typeface="Roboto"/>
+                <a:hlinkClick r:id="rId3"/>
+              </a:rPr>
+              <a:t> </a:t>
+            </a:r>
+            <a:r>
+              <a:rPr kumimoji="0" lang="en-US" altLang="en-US" sz="1200" b="0" i="0" u="none" strike="noStrike" cap="none" normalizeH="0" baseline="0" dirty="0" err="1" smtClean="0">
+                <a:ln>
+                  <a:noFill/>
+                </a:ln>
+                <a:solidFill>
+                  <a:srgbClr val="1570BA"/>
+                </a:solidFill>
+                <a:effectLst/>
+                <a:latin typeface="Roboto"/>
+                <a:hlinkClick r:id="rId3"/>
+              </a:rPr>
+              <a:t>Setoguchi</a:t>
+            </a:r>
+            <a:r>
+              <a:rPr kumimoji="0" lang="en-US" altLang="en-US" sz="1200" b="0" i="0" u="none" strike="noStrike" cap="none" normalizeH="0" baseline="0" dirty="0" smtClean="0">
+                <a:ln>
+                  <a:noFill/>
+                </a:ln>
+                <a:solidFill>
+                  <a:srgbClr val="1570BA"/>
+                </a:solidFill>
+                <a:effectLst/>
+                <a:latin typeface="Roboto"/>
+                <a:hlinkClick r:id="rId3"/>
+              </a:rPr>
+              <a:t>, MD, </a:t>
+            </a:r>
+            <a:r>
+              <a:rPr kumimoji="0" lang="en-US" altLang="en-US" sz="1200" b="0" i="0" u="none" strike="noStrike" cap="none" normalizeH="0" baseline="0" dirty="0" err="1" smtClean="0">
+                <a:ln>
+                  <a:noFill/>
+                </a:ln>
+                <a:solidFill>
+                  <a:srgbClr val="1570BA"/>
+                </a:solidFill>
+                <a:effectLst/>
+                <a:latin typeface="Roboto"/>
+                <a:hlinkClick r:id="rId3"/>
+              </a:rPr>
+              <a:t>DrPH</a:t>
+            </a:r>
+            <a:r>
+              <a:rPr kumimoji="0" lang="en-US" altLang="en-US" sz="1200" b="0" i="0" u="none" strike="noStrike" cap="none" normalizeH="0" baseline="0" dirty="0" smtClean="0">
+                <a:ln>
+                  <a:noFill/>
+                </a:ln>
+                <a:solidFill>
+                  <a:srgbClr val="1570BA"/>
+                </a:solidFill>
+                <a:effectLst/>
+                <a:latin typeface="Roboto"/>
+                <a:hlinkClick r:id="rId3"/>
+              </a:rPr>
+              <a:t>, FISPE</a:t>
+            </a:r>
+            <a:endParaRPr kumimoji="0" lang="en-US" altLang="en-US" sz="1000" b="0" i="0" u="none" strike="noStrike" cap="none" normalizeH="0" baseline="0" dirty="0" smtClean="0">
+              <a:ln>
+                <a:noFill/>
+              </a:ln>
+              <a:solidFill>
+                <a:srgbClr val="333333"/>
+              </a:solidFill>
+              <a:effectLst/>
+              <a:latin typeface="Roboto"/>
+            </a:endParaRPr>
+          </a:p>
+          <a:p>
+            <a:pPr marL="0" marR="0" lvl="0" indent="0" algn="ctr" defTabSz="914400" rtl="0" eaLnBrk="0" fontAlgn="base" latinLnBrk="0" hangingPunct="0">
+              <a:lnSpc>
+                <a:spcPct val="100000"/>
+              </a:lnSpc>
+              <a:spcBef>
+                <a:spcPct val="0"/>
+              </a:spcBef>
+              <a:spcAft>
+                <a:spcPct val="0"/>
+              </a:spcAft>
+              <a:buClrTx/>
+              <a:buSzTx/>
+              <a:buFontTx/>
+              <a:buNone/>
+              <a:tabLst/>
+            </a:pPr>
+            <a:r>
+              <a:rPr kumimoji="0" lang="en-US" altLang="en-US" sz="1000" b="0" i="0" u="none" strike="noStrike" cap="none" normalizeH="0" baseline="0" dirty="0" smtClean="0">
+                <a:ln>
+                  <a:noFill/>
+                </a:ln>
+                <a:solidFill>
+                  <a:srgbClr val="333333"/>
+                </a:solidFill>
+                <a:effectLst/>
+                <a:latin typeface="Roboto"/>
+              </a:rPr>
+              <a:t>Rutgers University</a:t>
+            </a:r>
+          </a:p>
+          <a:p>
+            <a:pPr marL="0" marR="0" lvl="0" indent="0" algn="ctr" defTabSz="914400" rtl="0" eaLnBrk="0" fontAlgn="base" latinLnBrk="0" hangingPunct="0">
+              <a:lnSpc>
+                <a:spcPct val="100000"/>
+              </a:lnSpc>
+              <a:spcBef>
+                <a:spcPct val="0"/>
+              </a:spcBef>
+              <a:spcAft>
+                <a:spcPct val="0"/>
+              </a:spcAft>
+              <a:buClrTx/>
+              <a:buSzTx/>
+              <a:buFontTx/>
+              <a:buNone/>
+              <a:tabLst/>
+            </a:pPr>
+            <a:r>
+              <a:rPr kumimoji="0" lang="en-US" altLang="en-US" sz="1000" b="0" i="0" u="none" strike="noStrike" cap="none" normalizeH="0" baseline="0" dirty="0" smtClean="0">
+                <a:ln>
+                  <a:noFill/>
+                </a:ln>
+                <a:solidFill>
+                  <a:srgbClr val="333333"/>
+                </a:solidFill>
+                <a:effectLst/>
+                <a:latin typeface="Roboto"/>
+              </a:rPr>
+              <a:t>  </a:t>
+            </a:r>
+          </a:p>
+          <a:p>
+            <a:pPr marL="0" marR="0" lvl="0" indent="0" algn="ctr" defTabSz="914400" rtl="0" eaLnBrk="0" fontAlgn="base" latinLnBrk="0" hangingPunct="0">
+              <a:lnSpc>
+                <a:spcPct val="100000"/>
+              </a:lnSpc>
+              <a:spcBef>
+                <a:spcPct val="0"/>
+              </a:spcBef>
+              <a:spcAft>
+                <a:spcPct val="0"/>
+              </a:spcAft>
+              <a:buClrTx/>
+              <a:buSzTx/>
+              <a:buFontTx/>
+              <a:buNone/>
+              <a:tabLst/>
+            </a:pPr>
+            <a:r>
+              <a:rPr kumimoji="0" lang="en-US" altLang="en-US" sz="1200" b="0" i="0" u="none" strike="noStrike" cap="none" normalizeH="0" baseline="0" dirty="0" smtClean="0">
+                <a:ln>
+                  <a:noFill/>
+                </a:ln>
+                <a:solidFill>
+                  <a:srgbClr val="1570BA"/>
+                </a:solidFill>
+                <a:effectLst/>
+                <a:latin typeface="Roboto"/>
+                <a:hlinkClick r:id="rId4"/>
+              </a:rPr>
+              <a:t>Jessica Islam, PhD, MPH</a:t>
+            </a:r>
+            <a:endParaRPr kumimoji="0" lang="en-US" altLang="en-US" sz="1000" b="0" i="0" u="none" strike="noStrike" cap="none" normalizeH="0" baseline="0" dirty="0" smtClean="0">
+              <a:ln>
+                <a:noFill/>
+              </a:ln>
+              <a:solidFill>
+                <a:srgbClr val="333333"/>
+              </a:solidFill>
+              <a:effectLst/>
+              <a:latin typeface="Roboto"/>
+            </a:endParaRPr>
+          </a:p>
+          <a:p>
+            <a:pPr marL="0" marR="0" lvl="0" indent="0" algn="ctr" defTabSz="914400" rtl="0" eaLnBrk="0" fontAlgn="base" latinLnBrk="0" hangingPunct="0">
+              <a:lnSpc>
+                <a:spcPct val="100000"/>
+              </a:lnSpc>
+              <a:spcBef>
+                <a:spcPct val="0"/>
+              </a:spcBef>
+              <a:spcAft>
+                <a:spcPct val="0"/>
+              </a:spcAft>
+              <a:buClrTx/>
+              <a:buSzTx/>
+              <a:buFontTx/>
+              <a:buNone/>
+              <a:tabLst/>
+            </a:pPr>
+            <a:r>
+              <a:rPr kumimoji="0" lang="en-US" altLang="en-US" sz="1000" b="0" i="0" u="none" strike="noStrike" cap="none" normalizeH="0" baseline="0" dirty="0" err="1" smtClean="0">
+                <a:ln>
+                  <a:noFill/>
+                </a:ln>
+                <a:solidFill>
+                  <a:srgbClr val="333333"/>
+                </a:solidFill>
+                <a:effectLst/>
+                <a:latin typeface="Roboto"/>
+              </a:rPr>
+              <a:t>Lineberger</a:t>
+            </a:r>
+            <a:r>
+              <a:rPr kumimoji="0" lang="en-US" altLang="en-US" sz="1000" b="0" i="0" u="none" strike="noStrike" cap="none" normalizeH="0" baseline="0" dirty="0" smtClean="0">
+                <a:ln>
+                  <a:noFill/>
+                </a:ln>
+                <a:solidFill>
+                  <a:srgbClr val="333333"/>
+                </a:solidFill>
+                <a:effectLst/>
+                <a:latin typeface="Roboto"/>
+              </a:rPr>
+              <a:t> Comprehensive Cancer Center</a:t>
+            </a:r>
+            <a:endParaRPr kumimoji="0" lang="en-US" altLang="en-US" sz="10800" b="0" i="0" u="none" strike="noStrike" cap="none" normalizeH="0" baseline="0" dirty="0" smtClean="0">
+              <a:ln>
+                <a:noFill/>
+              </a:ln>
+              <a:solidFill>
+                <a:srgbClr val="333333"/>
+              </a:solidFill>
+              <a:effectLst/>
+              <a:latin typeface="Roboto"/>
+            </a:endParaRPr>
+          </a:p>
+        </p:txBody>
+      </p:sp>
+      <p:pic>
+        <p:nvPicPr>
+          <p:cNvPr id="10242" name="Picture 2" descr="Soko Setoguchi Headshot"/>
+          <p:cNvPicPr>
+            <a:picLocks noChangeAspect="1" noChangeArrowheads="1"/>
+          </p:cNvPicPr>
+          <p:nvPr/>
+        </p:nvPicPr>
+        <p:blipFill>
+          <a:blip r:embed="rId5">
+            <a:extLst>
+              <a:ext uri="{28A0092B-C50C-407E-A947-70E740481C1C}">
+                <a14:useLocalDpi xmlns:a14="http://schemas.microsoft.com/office/drawing/2010/main" val="0"/>
+              </a:ext>
+            </a:extLst>
+          </a:blip>
+          <a:srcRect/>
+          <a:stretch>
+            <a:fillRect/>
+          </a:stretch>
+        </p:blipFill>
+        <p:spPr bwMode="auto">
+          <a:xfrm>
+            <a:off x="6096000" y="4687888"/>
+            <a:ext cx="1333500" cy="1714500"/>
+          </a:xfrm>
+          <a:prstGeom prst="rect">
+            <a:avLst/>
+          </a:prstGeom>
+          <a:noFill/>
+          <a:extLst>
+            <a:ext uri="{909E8E84-426E-40DD-AFC4-6F175D3DCCD1}">
+              <a14:hiddenFill xmlns:a14="http://schemas.microsoft.com/office/drawing/2010/main">
+                <a:solidFill>
+                  <a:srgbClr val="FFFFFF"/>
+                </a:solidFill>
+              </a14:hiddenFill>
+            </a:ext>
+          </a:extLst>
+        </p:spPr>
+      </p:pic>
+      <p:pic>
+        <p:nvPicPr>
+          <p:cNvPr id="10243" name="Picture 3" descr="Jessica Islam Headshot"/>
+          <p:cNvPicPr>
+            <a:picLocks noChangeAspect="1" noChangeArrowheads="1"/>
+          </p:cNvPicPr>
+          <p:nvPr/>
+        </p:nvPicPr>
+        <p:blipFill>
+          <a:blip r:embed="rId6">
+            <a:extLst>
+              <a:ext uri="{28A0092B-C50C-407E-A947-70E740481C1C}">
+                <a14:useLocalDpi xmlns:a14="http://schemas.microsoft.com/office/drawing/2010/main" val="0"/>
+              </a:ext>
+            </a:extLst>
+          </a:blip>
+          <a:srcRect/>
+          <a:stretch>
+            <a:fillRect/>
+          </a:stretch>
+        </p:blipFill>
+        <p:spPr bwMode="auto">
+          <a:xfrm>
+            <a:off x="10248900" y="4687888"/>
+            <a:ext cx="1333500" cy="1714500"/>
+          </a:xfrm>
+          <a:prstGeom prst="rect">
+            <a:avLst/>
+          </a:prstGeom>
+          <a:noFill/>
+          <a:extLst>
+            <a:ext uri="{909E8E84-426E-40DD-AFC4-6F175D3DCCD1}">
+              <a14:hiddenFill xmlns:a14="http://schemas.microsoft.com/office/drawing/2010/main">
+                <a:solidFill>
+                  <a:srgbClr val="FFFFFF"/>
+                </a:solidFill>
+              </a14:hiddenFill>
+            </a:ext>
+          </a:extLst>
+        </p:spPr>
+      </p:pic>
+      <p:sp>
+        <p:nvSpPr>
+          <p:cNvPr id="5" name="Rectangle 4"/>
+          <p:cNvSpPr/>
+          <p:nvPr/>
+        </p:nvSpPr>
+        <p:spPr>
+          <a:xfrm>
+            <a:off x="5949894" y="4232277"/>
+            <a:ext cx="2756011" cy="369332"/>
+          </a:xfrm>
+          <a:prstGeom prst="rect">
+            <a:avLst/>
+          </a:prstGeom>
+        </p:spPr>
+        <p:txBody>
+          <a:bodyPr wrap="none">
+            <a:spAutoFit/>
+          </a:bodyPr>
+          <a:lstStyle/>
+          <a:p>
+            <a:r>
+              <a:rPr lang="en-US" dirty="0"/>
+              <a:t>ss2894@rwjms.rutgers.edu</a:t>
+            </a:r>
+          </a:p>
+        </p:txBody>
+      </p:sp>
+    </p:spTree>
+    <p:extLst>
+      <p:ext uri="{BB962C8B-B14F-4D97-AF65-F5344CB8AC3E}">
+        <p14:creationId xmlns:p14="http://schemas.microsoft.com/office/powerpoint/2010/main" val="597165579"/>
+      </p:ext>
+    </p:extLst>
+  </p:cSld>
+  <p:clrMapOvr>
+    <a:masterClrMapping/>
+  </p:clrMapOvr>
+  <p:timing>
+    <p:tnLst>
+      <p:par>
+        <p:cTn id="1" dur="indefinite" restart="never" nodeType="tmRoot"/>
+      </p:par>
+    </p:tnLst>
+  </p:timing>
+</p:sld>
+</file>
+
+<file path=ppt/slides/slide3.xml><?xml version="1.0" encoding="utf-8"?>
+<p:sld xmlns:a="http://schemas.openxmlformats.org/drawingml/2006/main" xmlns:r="http://schemas.openxmlformats.org/officeDocument/2006/relationships" xmlns:p="http://schemas.openxmlformats.org/presentationml/2006/main">
+  <p:cSld>
+    <p:spTree>
+      <p:nvGrpSpPr>
+        <p:cNvPr id="1" name=""/>
+        <p:cNvGrpSpPr/>
+        <p:nvPr/>
+      </p:nvGrpSpPr>
+      <p:grpSpPr>
+        <a:xfrm>
+          <a:off x="0" y="0"/>
+          <a:ext cx="0" cy="0"/>
+          <a:chOff x="0" y="0"/>
+          <a:chExt cx="0" cy="0"/>
+        </a:xfrm>
+      </p:grpSpPr>
+      <p:sp>
+        <p:nvSpPr>
+          <p:cNvPr id="2" name="Title 1"/>
+          <p:cNvSpPr>
+            <a:spLocks noGrp="1"/>
+          </p:cNvSpPr>
+          <p:nvPr>
+            <p:ph type="title"/>
+          </p:nvPr>
+        </p:nvSpPr>
+        <p:spPr>
+          <a:xfrm>
+            <a:off x="0" y="0"/>
+            <a:ext cx="10515600" cy="930275"/>
+          </a:xfrm>
+        </p:spPr>
+        <p:txBody>
+          <a:bodyPr/>
+          <a:lstStyle/>
+          <a:p>
+            <a:r>
+              <a:rPr lang="en-US" dirty="0" smtClean="0"/>
+              <a:t>Domain Team’s Current Project</a:t>
+            </a:r>
+            <a:endParaRPr lang="en-US" dirty="0"/>
+          </a:p>
+        </p:txBody>
+      </p:sp>
+      <p:sp>
+        <p:nvSpPr>
+          <p:cNvPr id="3" name="Content Placeholder 2"/>
+          <p:cNvSpPr>
+            <a:spLocks noGrp="1"/>
+          </p:cNvSpPr>
+          <p:nvPr>
+            <p:ph idx="1"/>
+          </p:nvPr>
+        </p:nvSpPr>
+        <p:spPr>
+          <a:xfrm>
+            <a:off x="0" y="1066800"/>
+            <a:ext cx="12192000" cy="5791199"/>
+          </a:xfrm>
+        </p:spPr>
+        <p:txBody>
+          <a:bodyPr>
+            <a:normAutofit/>
+          </a:bodyPr>
+          <a:lstStyle/>
+          <a:p>
+            <a:r>
+              <a:rPr lang="en-US" dirty="0" smtClean="0"/>
+              <a:t>While </a:t>
+            </a:r>
+            <a:r>
+              <a:rPr lang="en-US" dirty="0"/>
+              <a:t>older adults represent 24% of overall infections in the US, almost 80% of COVID-related deaths occur in this age group. However, fewer studies have focused on vulnerable older adults, especially in those with signifying characteristics of older adults including multi-morbidity, polypharmacy, and reduced cognitive and physical function. It is also not clear if the overall excess risk in older adults is fully explained by known individual risk factors. </a:t>
+            </a:r>
+          </a:p>
+          <a:p>
+            <a:endParaRPr lang="en-US" dirty="0" smtClean="0"/>
+          </a:p>
+          <a:p>
+            <a:r>
+              <a:rPr lang="en-US" dirty="0" smtClean="0"/>
+              <a:t>The project’s </a:t>
+            </a:r>
+            <a:r>
+              <a:rPr lang="en-US" dirty="0" err="1" smtClean="0"/>
+              <a:t>subaims</a:t>
+            </a:r>
+            <a:r>
+              <a:rPr lang="en-US" dirty="0" smtClean="0"/>
+              <a:t> include identifying:</a:t>
+            </a:r>
+          </a:p>
+          <a:p>
+            <a:pPr lvl="1"/>
+            <a:r>
+              <a:rPr lang="en-US" dirty="0"/>
+              <a:t>how characteristics, management and outcome changed over time since March </a:t>
+            </a:r>
+            <a:r>
+              <a:rPr lang="en-US" dirty="0" smtClean="0"/>
+              <a:t>2020.</a:t>
+            </a:r>
+          </a:p>
+          <a:p>
+            <a:pPr lvl="1"/>
+            <a:r>
+              <a:rPr lang="en-US" dirty="0" smtClean="0"/>
+              <a:t>cognitive </a:t>
+            </a:r>
+            <a:r>
+              <a:rPr lang="en-US" dirty="0"/>
+              <a:t>function, physical function, </a:t>
+            </a:r>
+            <a:r>
+              <a:rPr lang="en-US" dirty="0" err="1"/>
+              <a:t>multimorbidity</a:t>
+            </a:r>
+            <a:r>
+              <a:rPr lang="en-US" dirty="0"/>
+              <a:t>, and polypharmacy collaborating. </a:t>
+            </a:r>
+          </a:p>
+        </p:txBody>
+      </p:sp>
+      <p:sp>
+        <p:nvSpPr>
+          <p:cNvPr id="4" name="Rectangle 3"/>
+          <p:cNvSpPr/>
+          <p:nvPr/>
+        </p:nvSpPr>
+        <p:spPr>
+          <a:xfrm>
+            <a:off x="5321300" y="6315077"/>
+            <a:ext cx="6870700" cy="461665"/>
+          </a:xfrm>
+          <a:prstGeom prst="rect">
+            <a:avLst/>
+          </a:prstGeom>
+        </p:spPr>
+        <p:txBody>
+          <a:bodyPr wrap="square">
+            <a:spAutoFit/>
+          </a:bodyPr>
+          <a:lstStyle/>
+          <a:p>
+            <a:r>
+              <a:rPr lang="en-US" sz="2400" dirty="0" smtClean="0">
+                <a:solidFill>
+                  <a:schemeClr val="bg1">
+                    <a:lumMod val="65000"/>
+                  </a:schemeClr>
+                </a:solidFill>
+              </a:rPr>
+              <a:t>Contact </a:t>
+            </a:r>
+            <a:r>
+              <a:rPr lang="en-US" sz="2400" dirty="0" err="1" smtClean="0">
+                <a:solidFill>
+                  <a:schemeClr val="bg1">
+                    <a:lumMod val="65000"/>
+                  </a:schemeClr>
+                </a:solidFill>
+              </a:rPr>
+              <a:t>Soko</a:t>
+            </a:r>
+            <a:r>
+              <a:rPr lang="en-US" sz="2400" dirty="0">
+                <a:solidFill>
+                  <a:schemeClr val="bg1">
+                    <a:lumMod val="65000"/>
+                  </a:schemeClr>
+                </a:solidFill>
+              </a:rPr>
+              <a:t> </a:t>
+            </a:r>
+            <a:r>
+              <a:rPr lang="en-US" sz="2400" dirty="0" err="1" smtClean="0">
+                <a:solidFill>
+                  <a:schemeClr val="bg1">
+                    <a:lumMod val="65000"/>
+                  </a:schemeClr>
+                </a:solidFill>
+              </a:rPr>
+              <a:t>Setoguchi</a:t>
+            </a:r>
+            <a:r>
+              <a:rPr lang="en-US" sz="2400" dirty="0" smtClean="0">
+                <a:solidFill>
+                  <a:schemeClr val="bg1">
+                    <a:lumMod val="65000"/>
+                  </a:schemeClr>
+                </a:solidFill>
+              </a:rPr>
+              <a:t> at </a:t>
+            </a:r>
+            <a:r>
+              <a:rPr lang="en-US" sz="2400" dirty="0" smtClean="0"/>
+              <a:t>ss2894@rwjms.rutgers.edu</a:t>
+            </a:r>
+            <a:endParaRPr lang="en-US" sz="2400" dirty="0"/>
+          </a:p>
+        </p:txBody>
+      </p:sp>
+    </p:spTree>
+    <p:extLst>
+      <p:ext uri="{BB962C8B-B14F-4D97-AF65-F5344CB8AC3E}">
+        <p14:creationId xmlns:p14="http://schemas.microsoft.com/office/powerpoint/2010/main" val="1556537461"/>
+      </p:ext>
+    </p:extLst>
+  </p:cSld>
+  <p:clrMapOvr>
+    <a:masterClrMapping/>
+  </p:clrMapOvr>
+  <p:timing>
+    <p:tnLst>
+      <p:par>
+        <p:cTn id="1" dur="indefinite" restart="never" nodeType="tmRoot"/>
+      </p:par>
+    </p:tnLst>
+  </p:timing>
+</p:sld>
+</file>
+
+<file path=ppt/slides/slide4.xml><?xml version="1.0" encoding="utf-8"?>
+<p:sld xmlns:a="http://schemas.openxmlformats.org/drawingml/2006/main" xmlns:r="http://schemas.openxmlformats.org/officeDocument/2006/relationships" xmlns:p="http://schemas.openxmlformats.org/presentationml/2006/main">
+  <p:cSld>
+    <p:spTree>
+      <p:nvGrpSpPr>
+        <p:cNvPr id="1" name=""/>
+        <p:cNvGrpSpPr/>
+        <p:nvPr/>
+      </p:nvGrpSpPr>
+      <p:grpSpPr>
+        <a:xfrm>
+          <a:off x="0" y="0"/>
+          <a:ext cx="0" cy="0"/>
+          <a:chOff x="0" y="0"/>
+          <a:chExt cx="0" cy="0"/>
+        </a:xfrm>
+      </p:grpSpPr>
+      <p:sp>
+        <p:nvSpPr>
+          <p:cNvPr id="2" name="Title 1"/>
+          <p:cNvSpPr>
+            <a:spLocks noGrp="1"/>
+          </p:cNvSpPr>
+          <p:nvPr>
+            <p:ph type="title"/>
+          </p:nvPr>
+        </p:nvSpPr>
         <p:spPr/>
         <p:txBody>
           <a:bodyPr/>
@@ -8085,7 +11771,82 @@
 </p:sld>
 </file>
 
-<file path=ppt/slides/slide3.xml><?xml version="1.0" encoding="utf-8"?>
+<file path=ppt/slides/slide5.xml><?xml version="1.0" encoding="utf-8"?>
+<p:sld xmlns:a="http://schemas.openxmlformats.org/drawingml/2006/main" xmlns:r="http://schemas.openxmlformats.org/officeDocument/2006/relationships" xmlns:p="http://schemas.openxmlformats.org/presentationml/2006/main">
+  <p:cSld>
+    <p:spTree>
+      <p:nvGrpSpPr>
+        <p:cNvPr id="1" name=""/>
+        <p:cNvGrpSpPr/>
+        <p:nvPr/>
+      </p:nvGrpSpPr>
+      <p:grpSpPr>
+        <a:xfrm>
+          <a:off x="0" y="0"/>
+          <a:ext cx="0" cy="0"/>
+          <a:chOff x="0" y="0"/>
+          <a:chExt cx="0" cy="0"/>
+        </a:xfrm>
+      </p:grpSpPr>
+      <p:sp>
+        <p:nvSpPr>
+          <p:cNvPr id="2" name="Title 1"/>
+          <p:cNvSpPr>
+            <a:spLocks noGrp="1"/>
+          </p:cNvSpPr>
+          <p:nvPr>
+            <p:ph type="title"/>
+          </p:nvPr>
+        </p:nvSpPr>
+        <p:spPr/>
+        <p:txBody>
+          <a:bodyPr/>
+          <a:lstStyle/>
+          <a:p>
+            <a:endParaRPr lang="en-US"/>
+          </a:p>
+        </p:txBody>
+      </p:sp>
+      <p:sp>
+        <p:nvSpPr>
+          <p:cNvPr id="3" name="Content Placeholder 2"/>
+          <p:cNvSpPr>
+            <a:spLocks noGrp="1"/>
+          </p:cNvSpPr>
+          <p:nvPr>
+            <p:ph idx="1"/>
+          </p:nvPr>
+        </p:nvSpPr>
+        <p:spPr/>
+        <p:txBody>
+          <a:bodyPr/>
+          <a:lstStyle/>
+          <a:p>
+            <a:endParaRPr lang="en-US"/>
+          </a:p>
+        </p:txBody>
+      </p:sp>
+    </p:spTree>
+    <p:extLst>
+      <p:ext uri="{BB962C8B-B14F-4D97-AF65-F5344CB8AC3E}">
+        <p14:creationId xmlns:p14="http://schemas.microsoft.com/office/powerpoint/2010/main" val="2338206999"/>
+      </p:ext>
+    </p:extLst>
+  </p:cSld>
+  <p:clrMapOvr>
+    <a:masterClrMapping/>
+  </p:clrMapOvr>
+  <p:timing>
+    <p:tnLst>
+      <p:par>
+        <p:cTn id="1" dur="indefinite" restart="never" nodeType="tmRoot"/>
+      </p:par>
+    </p:tnLst>
+  </p:timing>
+</p:sld>
+</file>
+
+<file path=ppt/slides/slide6.xml><?xml version="1.0" encoding="utf-8"?>
 <p:sld xmlns:a="http://schemas.openxmlformats.org/drawingml/2006/main" xmlns:r="http://schemas.openxmlformats.org/officeDocument/2006/relationships" xmlns:p="http://schemas.openxmlformats.org/presentationml/2006/main">
   <p:cSld>
     <p:spTree>
@@ -8284,7 +12045,7 @@
 </p:sld>
 </file>
 
-<file path=ppt/slides/slide4.xml><?xml version="1.0" encoding="utf-8"?>
+<file path=ppt/slides/slide7.xml><?xml version="1.0" encoding="utf-8"?>
 <p:sld xmlns:a="http://schemas.openxmlformats.org/drawingml/2006/main" xmlns:r="http://schemas.openxmlformats.org/officeDocument/2006/relationships" xmlns:p="http://schemas.openxmlformats.org/presentationml/2006/main">
   <p:cSld>
     <p:spTree>
@@ -8556,7 +12317,7 @@
 </p:sld>
 </file>
 
-<file path=ppt/slides/slide5.xml><?xml version="1.0" encoding="utf-8"?>
+<file path=ppt/slides/slide8.xml><?xml version="1.0" encoding="utf-8"?>
 <p:sld xmlns:a="http://schemas.openxmlformats.org/drawingml/2006/main" xmlns:r="http://schemas.openxmlformats.org/officeDocument/2006/relationships" xmlns:p="http://schemas.openxmlformats.org/presentationml/2006/main">
   <p:cSld>
     <p:spTree>
@@ -8847,7 +12608,7 @@
 </p:sld>
 </file>
 
-<file path=ppt/slides/slide6.xml><?xml version="1.0" encoding="utf-8"?>
+<file path=ppt/slides/slide9.xml><?xml version="1.0" encoding="utf-8"?>
 <p:sld xmlns:a="http://schemas.openxmlformats.org/drawingml/2006/main" xmlns:r="http://schemas.openxmlformats.org/officeDocument/2006/relationships" xmlns:p="http://schemas.openxmlformats.org/presentationml/2006/main">
   <p:cSld>
     <p:spTree>
@@ -9304,2643 +13065,6 @@
     <p:extLst>
       <p:ext uri="{BB962C8B-B14F-4D97-AF65-F5344CB8AC3E}">
         <p14:creationId xmlns:p14="http://schemas.microsoft.com/office/powerpoint/2010/main" val="3126934733"/>
-      </p:ext>
-    </p:extLst>
-  </p:cSld>
-  <p:clrMapOvr>
-    <a:masterClrMapping/>
-  </p:clrMapOvr>
-  <p:timing>
-    <p:tnLst>
-      <p:par>
-        <p:cTn id="1" dur="indefinite" restart="never" nodeType="tmRoot"/>
-      </p:par>
-    </p:tnLst>
-  </p:timing>
-</p:sld>
-</file>
-
-<file path=ppt/slides/slide7.xml><?xml version="1.0" encoding="utf-8"?>
-<p:sld xmlns:a="http://schemas.openxmlformats.org/drawingml/2006/main" xmlns:r="http://schemas.openxmlformats.org/officeDocument/2006/relationships" xmlns:p="http://schemas.openxmlformats.org/presentationml/2006/main">
-  <p:cSld>
-    <p:spTree>
-      <p:nvGrpSpPr>
-        <p:cNvPr id="1" name=""/>
-        <p:cNvGrpSpPr/>
-        <p:nvPr/>
-      </p:nvGrpSpPr>
-      <p:grpSpPr>
-        <a:xfrm>
-          <a:off x="0" y="0"/>
-          <a:ext cx="0" cy="0"/>
-          <a:chOff x="0" y="0"/>
-          <a:chExt cx="0" cy="0"/>
-        </a:xfrm>
-      </p:grpSpPr>
-      <p:sp>
-        <p:nvSpPr>
-          <p:cNvPr id="2" name="Title 1"/>
-          <p:cNvSpPr>
-            <a:spLocks noGrp="1"/>
-          </p:cNvSpPr>
-          <p:nvPr>
-            <p:ph type="title"/>
-          </p:nvPr>
-        </p:nvSpPr>
-        <p:spPr>
-          <a:xfrm>
-            <a:off x="0" y="0"/>
-            <a:ext cx="10515600" cy="1144589"/>
-          </a:xfrm>
-        </p:spPr>
-        <p:txBody>
-          <a:bodyPr/>
-          <a:lstStyle/>
-          <a:p>
-            <a:r>
-              <a:rPr lang="en-US" dirty="0" smtClean="0"/>
-              <a:t>Designate Covid</a:t>
-            </a:r>
-            <a:endParaRPr lang="en-US" dirty="0"/>
-          </a:p>
-        </p:txBody>
-      </p:sp>
-      <p:sp>
-        <p:nvSpPr>
-          <p:cNvPr id="3" name="Content Placeholder 2"/>
-          <p:cNvSpPr>
-            <a:spLocks noGrp="1"/>
-          </p:cNvSpPr>
-          <p:nvPr>
-            <p:ph idx="1"/>
-          </p:nvPr>
-        </p:nvSpPr>
-        <p:spPr>
-          <a:xfrm>
-            <a:off x="0" y="1144590"/>
-            <a:ext cx="12192000" cy="5713410"/>
-          </a:xfrm>
-        </p:spPr>
-        <p:txBody>
-          <a:bodyPr>
-            <a:normAutofit/>
-          </a:bodyPr>
-          <a:lstStyle/>
-          <a:p>
-            <a:pPr marL="231775" lvl="0" indent="-231775" eaLnBrk="0" fontAlgn="base" hangingPunct="0">
-              <a:lnSpc>
-                <a:spcPct val="100000"/>
-              </a:lnSpc>
-              <a:spcBef>
-                <a:spcPct val="0"/>
-              </a:spcBef>
-              <a:spcAft>
-                <a:spcPct val="0"/>
-              </a:spcAft>
-            </a:pPr>
-            <a:r>
-              <a:rPr lang="en-US" dirty="0" smtClean="0"/>
-              <a:t>2</a:t>
-            </a:r>
-            <a:r>
-              <a:rPr lang="en-US" baseline="30000" dirty="0" smtClean="0"/>
-              <a:t>nd</a:t>
-            </a:r>
-            <a:r>
-              <a:rPr lang="en-US" dirty="0" smtClean="0"/>
-              <a:t> iteration: include characteristics</a:t>
-            </a:r>
-          </a:p>
-          <a:p>
-            <a:pPr marL="231775" lvl="0" indent="-231775" eaLnBrk="0" fontAlgn="base" hangingPunct="0">
-              <a:lnSpc>
-                <a:spcPct val="100000"/>
-              </a:lnSpc>
-              <a:spcBef>
-                <a:spcPct val="0"/>
-              </a:spcBef>
-              <a:spcAft>
-                <a:spcPct val="0"/>
-              </a:spcAft>
-            </a:pPr>
-            <a:endParaRPr lang="en-US" dirty="0" smtClean="0"/>
-          </a:p>
-          <a:p>
-            <a:pPr marL="231775" lvl="0" indent="-231775" eaLnBrk="0" fontAlgn="base" hangingPunct="0">
-              <a:lnSpc>
-                <a:spcPct val="100000"/>
-              </a:lnSpc>
-              <a:spcBef>
-                <a:spcPct val="0"/>
-              </a:spcBef>
-              <a:spcAft>
-                <a:spcPct val="0"/>
-              </a:spcAft>
-            </a:pPr>
-            <a:endParaRPr lang="en-US" dirty="0" smtClean="0"/>
-          </a:p>
-          <a:p>
-            <a:pPr marL="0" indent="0">
-              <a:buNone/>
-            </a:pPr>
-            <a:r>
-              <a:rPr lang="en-US" sz="2000" dirty="0" smtClean="0">
-                <a:solidFill>
-                  <a:srgbClr val="859900"/>
-                </a:solidFill>
-                <a:latin typeface="Consolas" panose="020B0609020204030204" pitchFamily="49" charset="0"/>
-              </a:rPr>
-              <a:t>SELECT</a:t>
-            </a:r>
-            <a:r>
-              <a:rPr lang="en-US" sz="2000" dirty="0" smtClean="0">
-                <a:solidFill>
-                  <a:srgbClr val="839496"/>
-                </a:solidFill>
-                <a:latin typeface="Consolas" panose="020B0609020204030204" pitchFamily="49" charset="0"/>
-              </a:rPr>
-              <a:t> </a:t>
-            </a:r>
-          </a:p>
-          <a:p>
-            <a:pPr marL="0" indent="0">
-              <a:buNone/>
-            </a:pPr>
-            <a:r>
-              <a:rPr lang="en-US" sz="2000" dirty="0" smtClean="0">
-                <a:solidFill>
-                  <a:srgbClr val="839496"/>
-                </a:solidFill>
-                <a:latin typeface="Consolas" panose="020B0609020204030204" pitchFamily="49" charset="0"/>
-              </a:rPr>
-              <a:t>    </a:t>
-            </a:r>
-            <a:r>
-              <a:rPr lang="en-US" sz="2000" dirty="0" err="1" smtClean="0">
-                <a:solidFill>
-                  <a:srgbClr val="839496"/>
-                </a:solidFill>
-                <a:latin typeface="Consolas" panose="020B0609020204030204" pitchFamily="49" charset="0"/>
-              </a:rPr>
-              <a:t>person_id</a:t>
-            </a:r>
-            <a:endParaRPr lang="en-US" sz="2000" dirty="0" smtClean="0">
-              <a:solidFill>
-                <a:srgbClr val="839496"/>
-              </a:solidFill>
-              <a:latin typeface="Consolas" panose="020B0609020204030204" pitchFamily="49" charset="0"/>
-            </a:endParaRPr>
-          </a:p>
-          <a:p>
-            <a:pPr marL="0" indent="0">
-              <a:buNone/>
-            </a:pPr>
-            <a:r>
-              <a:rPr lang="en-US" sz="2000" dirty="0" smtClean="0">
-                <a:solidFill>
-                  <a:srgbClr val="839496"/>
-                </a:solidFill>
-                <a:latin typeface="Consolas" panose="020B0609020204030204" pitchFamily="49" charset="0"/>
-              </a:rPr>
-              <a:t>    ,</a:t>
-            </a:r>
-            <a:r>
-              <a:rPr lang="en-US" sz="2000" dirty="0" smtClean="0">
-                <a:solidFill>
-                  <a:srgbClr val="268BD2"/>
-                </a:solidFill>
-                <a:latin typeface="Consolas" panose="020B0609020204030204" pitchFamily="49" charset="0"/>
-              </a:rPr>
-              <a:t>min</a:t>
-            </a:r>
-            <a:r>
-              <a:rPr lang="en-US" sz="2000" dirty="0" smtClean="0">
-                <a:solidFill>
-                  <a:srgbClr val="839496"/>
-                </a:solidFill>
-                <a:latin typeface="Consolas" panose="020B0609020204030204" pitchFamily="49" charset="0"/>
-              </a:rPr>
-              <a:t>(</a:t>
-            </a:r>
-            <a:r>
-              <a:rPr lang="en-US" sz="2000" dirty="0" err="1" smtClean="0">
-                <a:solidFill>
-                  <a:srgbClr val="839496"/>
-                </a:solidFill>
-                <a:latin typeface="Consolas" panose="020B0609020204030204" pitchFamily="49" charset="0"/>
-              </a:rPr>
-              <a:t>condition_start_date</a:t>
-            </a:r>
-            <a:r>
-              <a:rPr lang="en-US" sz="2000" dirty="0" smtClean="0">
-                <a:solidFill>
-                  <a:srgbClr val="839496"/>
-                </a:solidFill>
-                <a:latin typeface="Consolas" panose="020B0609020204030204" pitchFamily="49" charset="0"/>
-              </a:rPr>
-              <a:t>) </a:t>
-            </a:r>
-            <a:r>
-              <a:rPr lang="en-US" sz="2000" dirty="0" smtClean="0">
-                <a:solidFill>
-                  <a:srgbClr val="859900"/>
-                </a:solidFill>
-                <a:latin typeface="Consolas" panose="020B0609020204030204" pitchFamily="49" charset="0"/>
-              </a:rPr>
-              <a:t>as</a:t>
-            </a:r>
-            <a:r>
-              <a:rPr lang="en-US" sz="2000" dirty="0" smtClean="0">
-                <a:solidFill>
-                  <a:srgbClr val="839496"/>
-                </a:solidFill>
-                <a:latin typeface="Consolas" panose="020B0609020204030204" pitchFamily="49" charset="0"/>
-              </a:rPr>
-              <a:t> </a:t>
-            </a:r>
-            <a:r>
-              <a:rPr lang="en-US" sz="2000" dirty="0" err="1" smtClean="0">
-                <a:solidFill>
-                  <a:srgbClr val="839496"/>
-                </a:solidFill>
-                <a:latin typeface="Consolas" panose="020B0609020204030204" pitchFamily="49" charset="0"/>
-              </a:rPr>
-              <a:t>dx_first</a:t>
-            </a:r>
-            <a:endParaRPr lang="en-US" sz="2000" dirty="0" smtClean="0">
-              <a:solidFill>
-                <a:srgbClr val="839496"/>
-              </a:solidFill>
-              <a:latin typeface="Consolas" panose="020B0609020204030204" pitchFamily="49" charset="0"/>
-            </a:endParaRPr>
-          </a:p>
-          <a:p>
-            <a:pPr marL="0" indent="0">
-              <a:buNone/>
-            </a:pPr>
-            <a:r>
-              <a:rPr lang="en-US" sz="2000" dirty="0" smtClean="0">
-                <a:solidFill>
-                  <a:srgbClr val="839496"/>
-                </a:solidFill>
-                <a:latin typeface="Consolas" panose="020B0609020204030204" pitchFamily="49" charset="0"/>
-              </a:rPr>
-              <a:t>    ,</a:t>
-            </a:r>
-            <a:r>
-              <a:rPr lang="en-US" sz="2000" dirty="0" smtClean="0">
-                <a:solidFill>
-                  <a:srgbClr val="268BD2"/>
-                </a:solidFill>
-                <a:latin typeface="Consolas" panose="020B0609020204030204" pitchFamily="49" charset="0"/>
-              </a:rPr>
-              <a:t>max</a:t>
-            </a:r>
-            <a:r>
-              <a:rPr lang="en-US" sz="2000" dirty="0" smtClean="0">
-                <a:solidFill>
-                  <a:srgbClr val="839496"/>
-                </a:solidFill>
-                <a:latin typeface="Consolas" panose="020B0609020204030204" pitchFamily="49" charset="0"/>
-              </a:rPr>
-              <a:t>(</a:t>
-            </a:r>
-            <a:r>
-              <a:rPr lang="en-US" sz="2000" dirty="0" err="1" smtClean="0">
-                <a:solidFill>
-                  <a:srgbClr val="839496"/>
-                </a:solidFill>
-                <a:latin typeface="Consolas" panose="020B0609020204030204" pitchFamily="49" charset="0"/>
-              </a:rPr>
-              <a:t>condition_start_date</a:t>
-            </a:r>
-            <a:r>
-              <a:rPr lang="en-US" sz="2000" dirty="0" smtClean="0">
-                <a:solidFill>
-                  <a:srgbClr val="839496"/>
-                </a:solidFill>
-                <a:latin typeface="Consolas" panose="020B0609020204030204" pitchFamily="49" charset="0"/>
-              </a:rPr>
-              <a:t>) </a:t>
-            </a:r>
-            <a:r>
-              <a:rPr lang="en-US" sz="2000" dirty="0" smtClean="0">
-                <a:solidFill>
-                  <a:srgbClr val="859900"/>
-                </a:solidFill>
-                <a:latin typeface="Consolas" panose="020B0609020204030204" pitchFamily="49" charset="0"/>
-              </a:rPr>
-              <a:t>as</a:t>
-            </a:r>
-            <a:r>
-              <a:rPr lang="en-US" sz="2000" dirty="0" smtClean="0">
-                <a:solidFill>
-                  <a:srgbClr val="839496"/>
-                </a:solidFill>
-                <a:latin typeface="Consolas" panose="020B0609020204030204" pitchFamily="49" charset="0"/>
-              </a:rPr>
-              <a:t> </a:t>
-            </a:r>
-            <a:r>
-              <a:rPr lang="en-US" sz="2000" dirty="0" err="1" smtClean="0">
-                <a:solidFill>
-                  <a:srgbClr val="839496"/>
-                </a:solidFill>
-                <a:latin typeface="Consolas" panose="020B0609020204030204" pitchFamily="49" charset="0"/>
-              </a:rPr>
-              <a:t>dx_last</a:t>
-            </a:r>
-            <a:endParaRPr lang="en-US" sz="2000" dirty="0" smtClean="0">
-              <a:solidFill>
-                <a:srgbClr val="839496"/>
-              </a:solidFill>
-              <a:latin typeface="Consolas" panose="020B0609020204030204" pitchFamily="49" charset="0"/>
-            </a:endParaRPr>
-          </a:p>
-          <a:p>
-            <a:pPr marL="0" indent="0">
-              <a:buNone/>
-            </a:pPr>
-            <a:r>
-              <a:rPr lang="en-US" sz="2000" dirty="0" smtClean="0">
-                <a:solidFill>
-                  <a:srgbClr val="859900"/>
-                </a:solidFill>
-                <a:latin typeface="Consolas" panose="020B0609020204030204" pitchFamily="49" charset="0"/>
-              </a:rPr>
-              <a:t>FROM</a:t>
-            </a:r>
-            <a:r>
-              <a:rPr lang="en-US" sz="2000" dirty="0" smtClean="0">
-                <a:solidFill>
-                  <a:srgbClr val="839496"/>
-                </a:solidFill>
-                <a:latin typeface="Consolas" panose="020B0609020204030204" pitchFamily="49" charset="0"/>
-              </a:rPr>
-              <a:t> </a:t>
-            </a:r>
-            <a:r>
-              <a:rPr lang="en-US" sz="2000" dirty="0" err="1" smtClean="0">
-                <a:solidFill>
-                  <a:srgbClr val="839496"/>
-                </a:solidFill>
-                <a:latin typeface="Consolas" panose="020B0609020204030204" pitchFamily="49" charset="0"/>
-              </a:rPr>
-              <a:t>condition_occurrence</a:t>
-            </a:r>
-            <a:endParaRPr lang="en-US" sz="2000" dirty="0" smtClean="0">
-              <a:solidFill>
-                <a:srgbClr val="839496"/>
-              </a:solidFill>
-              <a:latin typeface="Consolas" panose="020B0609020204030204" pitchFamily="49" charset="0"/>
-            </a:endParaRPr>
-          </a:p>
-          <a:p>
-            <a:pPr marL="0" indent="0">
-              <a:buNone/>
-            </a:pPr>
-            <a:r>
-              <a:rPr lang="en-US" sz="2000" dirty="0" smtClean="0">
-                <a:solidFill>
-                  <a:srgbClr val="859900"/>
-                </a:solidFill>
-                <a:latin typeface="Consolas" panose="020B0609020204030204" pitchFamily="49" charset="0"/>
-              </a:rPr>
-              <a:t>WHERE</a:t>
-            </a:r>
-            <a:r>
-              <a:rPr lang="en-US" sz="2000" dirty="0" smtClean="0">
-                <a:solidFill>
-                  <a:srgbClr val="839496"/>
-                </a:solidFill>
-                <a:latin typeface="Consolas" panose="020B0609020204030204" pitchFamily="49" charset="0"/>
-              </a:rPr>
-              <a:t> </a:t>
-            </a:r>
-          </a:p>
-          <a:p>
-            <a:pPr marL="0" indent="0">
-              <a:buNone/>
-            </a:pPr>
-            <a:r>
-              <a:rPr lang="en-US" sz="2000" dirty="0" smtClean="0">
-                <a:solidFill>
-                  <a:srgbClr val="839496"/>
-                </a:solidFill>
-                <a:latin typeface="Consolas" panose="020B0609020204030204" pitchFamily="49" charset="0"/>
-              </a:rPr>
-              <a:t>    </a:t>
-            </a:r>
-            <a:r>
-              <a:rPr lang="en-US" sz="2000" dirty="0" err="1" smtClean="0">
-                <a:solidFill>
-                  <a:srgbClr val="839496"/>
-                </a:solidFill>
-                <a:latin typeface="Consolas" panose="020B0609020204030204" pitchFamily="49" charset="0"/>
-              </a:rPr>
-              <a:t>condition_concept_id</a:t>
-            </a:r>
-            <a:r>
-              <a:rPr lang="en-US" sz="2000" dirty="0" smtClean="0">
-                <a:solidFill>
-                  <a:srgbClr val="839496"/>
-                </a:solidFill>
-                <a:latin typeface="Consolas" panose="020B0609020204030204" pitchFamily="49" charset="0"/>
-              </a:rPr>
-              <a:t> </a:t>
-            </a:r>
-            <a:r>
-              <a:rPr lang="en-US" sz="2000" dirty="0" smtClean="0">
-                <a:solidFill>
-                  <a:srgbClr val="859900"/>
-                </a:solidFill>
-                <a:latin typeface="Consolas" panose="020B0609020204030204" pitchFamily="49" charset="0"/>
-              </a:rPr>
-              <a:t>=</a:t>
-            </a:r>
-            <a:r>
-              <a:rPr lang="en-US" sz="2000" dirty="0" smtClean="0">
-                <a:solidFill>
-                  <a:srgbClr val="839496"/>
-                </a:solidFill>
-                <a:latin typeface="Consolas" panose="020B0609020204030204" pitchFamily="49" charset="0"/>
-              </a:rPr>
-              <a:t> </a:t>
-            </a:r>
-            <a:r>
-              <a:rPr lang="en-US" sz="2000" dirty="0" smtClean="0">
-                <a:solidFill>
-                  <a:srgbClr val="2AA198"/>
-                </a:solidFill>
-                <a:latin typeface="Consolas" panose="020B0609020204030204" pitchFamily="49" charset="0"/>
-              </a:rPr>
-              <a:t>'37311061'</a:t>
-            </a:r>
-            <a:endParaRPr lang="en-US" sz="2000" dirty="0" smtClean="0">
-              <a:solidFill>
-                <a:srgbClr val="839496"/>
-              </a:solidFill>
-              <a:latin typeface="Consolas" panose="020B0609020204030204" pitchFamily="49" charset="0"/>
-            </a:endParaRPr>
-          </a:p>
-          <a:p>
-            <a:pPr marL="0" indent="0">
-              <a:buNone/>
-            </a:pPr>
-            <a:r>
-              <a:rPr lang="en-US" sz="2000" dirty="0" smtClean="0">
-                <a:solidFill>
-                  <a:srgbClr val="859900"/>
-                </a:solidFill>
-                <a:latin typeface="Consolas" panose="020B0609020204030204" pitchFamily="49" charset="0"/>
-              </a:rPr>
-              <a:t>GROUP BY</a:t>
-            </a:r>
-            <a:r>
-              <a:rPr lang="en-US" sz="2000" dirty="0" smtClean="0">
-                <a:solidFill>
-                  <a:srgbClr val="839496"/>
-                </a:solidFill>
-                <a:latin typeface="Consolas" panose="020B0609020204030204" pitchFamily="49" charset="0"/>
-              </a:rPr>
-              <a:t> </a:t>
-            </a:r>
-            <a:r>
-              <a:rPr lang="en-US" sz="2000" dirty="0" err="1" smtClean="0">
-                <a:solidFill>
-                  <a:srgbClr val="839496"/>
-                </a:solidFill>
-                <a:latin typeface="Consolas" panose="020B0609020204030204" pitchFamily="49" charset="0"/>
-              </a:rPr>
-              <a:t>person_id</a:t>
-            </a:r>
-            <a:endParaRPr lang="en-US" sz="2000" dirty="0" smtClean="0">
-              <a:solidFill>
-                <a:srgbClr val="839496"/>
-              </a:solidFill>
-              <a:latin typeface="Consolas" panose="020B0609020204030204" pitchFamily="49" charset="0"/>
-            </a:endParaRPr>
-          </a:p>
-          <a:p>
-            <a:pPr marL="231775" lvl="0" indent="-231775" eaLnBrk="0" fontAlgn="base" hangingPunct="0">
-              <a:lnSpc>
-                <a:spcPct val="100000"/>
-              </a:lnSpc>
-              <a:spcBef>
-                <a:spcPct val="0"/>
-              </a:spcBef>
-              <a:spcAft>
-                <a:spcPct val="0"/>
-              </a:spcAft>
-            </a:pPr>
-            <a:endParaRPr lang="en-US" dirty="0" smtClean="0"/>
-          </a:p>
-          <a:p>
-            <a:pPr marL="231775" lvl="0" indent="-231775" eaLnBrk="0" fontAlgn="base" hangingPunct="0">
-              <a:lnSpc>
-                <a:spcPct val="100000"/>
-              </a:lnSpc>
-              <a:spcBef>
-                <a:spcPct val="0"/>
-              </a:spcBef>
-              <a:spcAft>
-                <a:spcPct val="0"/>
-              </a:spcAft>
-            </a:pPr>
-            <a:endParaRPr lang="en-US" dirty="0" smtClean="0"/>
-          </a:p>
-          <a:p>
-            <a:pPr marL="231775" lvl="0" indent="-231775" eaLnBrk="0" fontAlgn="base" hangingPunct="0">
-              <a:lnSpc>
-                <a:spcPct val="100000"/>
-              </a:lnSpc>
-              <a:spcBef>
-                <a:spcPct val="0"/>
-              </a:spcBef>
-              <a:spcAft>
-                <a:spcPct val="0"/>
-              </a:spcAft>
-            </a:pPr>
-            <a:endParaRPr lang="en-US" dirty="0"/>
-          </a:p>
-          <a:p>
-            <a:pPr marL="231775" lvl="0" indent="-231775" eaLnBrk="0" fontAlgn="base" hangingPunct="0">
-              <a:lnSpc>
-                <a:spcPct val="100000"/>
-              </a:lnSpc>
-              <a:spcBef>
-                <a:spcPct val="0"/>
-              </a:spcBef>
-              <a:spcAft>
-                <a:spcPct val="0"/>
-              </a:spcAft>
-            </a:pPr>
-            <a:endParaRPr lang="en-US" dirty="0" smtClean="0"/>
-          </a:p>
-        </p:txBody>
-      </p:sp>
-      <p:pic>
-        <p:nvPicPr>
-          <p:cNvPr id="4" name="Picture 3"/>
-          <p:cNvPicPr>
-            <a:picLocks noChangeAspect="1"/>
-          </p:cNvPicPr>
-          <p:nvPr/>
-        </p:nvPicPr>
-        <p:blipFill>
-          <a:blip r:embed="rId3"/>
-          <a:stretch>
-            <a:fillRect/>
-          </a:stretch>
-        </p:blipFill>
-        <p:spPr>
-          <a:xfrm>
-            <a:off x="6478026" y="315644"/>
-            <a:ext cx="5200650" cy="6057900"/>
-          </a:xfrm>
-          <a:prstGeom prst="rect">
-            <a:avLst/>
-          </a:prstGeom>
-          <a:ln>
-            <a:noFill/>
-          </a:ln>
-          <a:effectLst>
-            <a:outerShdw blurRad="292100" dist="139700" dir="2700000" algn="tl" rotWithShape="0">
-              <a:srgbClr val="333333">
-                <a:alpha val="65000"/>
-              </a:srgbClr>
-            </a:outerShdw>
-          </a:effectLst>
-        </p:spPr>
-      </p:pic>
-    </p:spTree>
-    <p:extLst>
-      <p:ext uri="{BB962C8B-B14F-4D97-AF65-F5344CB8AC3E}">
-        <p14:creationId xmlns:p14="http://schemas.microsoft.com/office/powerpoint/2010/main" val="332465850"/>
-      </p:ext>
-    </p:extLst>
-  </p:cSld>
-  <p:clrMapOvr>
-    <a:masterClrMapping/>
-  </p:clrMapOvr>
-  <p:timing>
-    <p:tnLst>
-      <p:par>
-        <p:cTn id="1" dur="indefinite" restart="never" nodeType="tmRoot"/>
-      </p:par>
-    </p:tnLst>
-  </p:timing>
-</p:sld>
-</file>
-
-<file path=ppt/slides/slide8.xml><?xml version="1.0" encoding="utf-8"?>
-<p:sld xmlns:a="http://schemas.openxmlformats.org/drawingml/2006/main" xmlns:r="http://schemas.openxmlformats.org/officeDocument/2006/relationships" xmlns:p="http://schemas.openxmlformats.org/presentationml/2006/main">
-  <p:cSld>
-    <p:spTree>
-      <p:nvGrpSpPr>
-        <p:cNvPr id="1" name=""/>
-        <p:cNvGrpSpPr/>
-        <p:nvPr/>
-      </p:nvGrpSpPr>
-      <p:grpSpPr>
-        <a:xfrm>
-          <a:off x="0" y="0"/>
-          <a:ext cx="0" cy="0"/>
-          <a:chOff x="0" y="0"/>
-          <a:chExt cx="0" cy="0"/>
-        </a:xfrm>
-      </p:grpSpPr>
-      <p:sp>
-        <p:nvSpPr>
-          <p:cNvPr id="2" name="Title 1"/>
-          <p:cNvSpPr>
-            <a:spLocks noGrp="1"/>
-          </p:cNvSpPr>
-          <p:nvPr>
-            <p:ph type="title"/>
-          </p:nvPr>
-        </p:nvSpPr>
-        <p:spPr>
-          <a:xfrm>
-            <a:off x="0" y="0"/>
-            <a:ext cx="10515600" cy="1144589"/>
-          </a:xfrm>
-        </p:spPr>
-        <p:txBody>
-          <a:bodyPr/>
-          <a:lstStyle/>
-          <a:p>
-            <a:r>
-              <a:rPr lang="en-US" dirty="0" smtClean="0"/>
-              <a:t>Isolate Comorbidities</a:t>
-            </a:r>
-            <a:endParaRPr lang="en-US" dirty="0"/>
-          </a:p>
-        </p:txBody>
-      </p:sp>
-      <p:sp>
-        <p:nvSpPr>
-          <p:cNvPr id="3" name="Content Placeholder 2"/>
-          <p:cNvSpPr>
-            <a:spLocks noGrp="1"/>
-          </p:cNvSpPr>
-          <p:nvPr>
-            <p:ph idx="1"/>
-          </p:nvPr>
-        </p:nvSpPr>
-        <p:spPr>
-          <a:xfrm>
-            <a:off x="0" y="1144590"/>
-            <a:ext cx="12192000" cy="5713410"/>
-          </a:xfrm>
-        </p:spPr>
-        <p:txBody>
-          <a:bodyPr>
-            <a:normAutofit fontScale="55000" lnSpcReduction="20000"/>
-          </a:bodyPr>
-          <a:lstStyle/>
-          <a:p>
-            <a:pPr marL="231775" indent="-231775" eaLnBrk="0" fontAlgn="base" hangingPunct="0">
-              <a:lnSpc>
-                <a:spcPct val="100000"/>
-              </a:lnSpc>
-              <a:spcBef>
-                <a:spcPct val="0"/>
-              </a:spcBef>
-              <a:spcAft>
-                <a:spcPct val="0"/>
-              </a:spcAft>
-            </a:pPr>
-            <a:r>
-              <a:rPr lang="en-US" sz="3800" dirty="0"/>
-              <a:t>New SQL </a:t>
-            </a:r>
-            <a:r>
-              <a:rPr lang="en-US" sz="3800" dirty="0" smtClean="0"/>
-              <a:t>transform/node from </a:t>
-            </a:r>
-            <a:r>
-              <a:rPr lang="en-US" sz="3800" dirty="0" err="1"/>
-              <a:t>condition_occurrence</a:t>
-            </a:r>
-            <a:endParaRPr lang="en-US" sz="3800" dirty="0"/>
-          </a:p>
-          <a:p>
-            <a:pPr marL="231775" lvl="0" indent="-231775" eaLnBrk="0" fontAlgn="base" hangingPunct="0">
-              <a:lnSpc>
-                <a:spcPct val="100000"/>
-              </a:lnSpc>
-              <a:spcBef>
-                <a:spcPct val="0"/>
-              </a:spcBef>
-              <a:spcAft>
-                <a:spcPct val="0"/>
-              </a:spcAft>
-            </a:pPr>
-            <a:endParaRPr lang="en-US" sz="3800" dirty="0" smtClean="0"/>
-          </a:p>
-          <a:p>
-            <a:pPr marL="231775" lvl="0" indent="-231775" eaLnBrk="0" fontAlgn="base" hangingPunct="0">
-              <a:lnSpc>
-                <a:spcPct val="100000"/>
-              </a:lnSpc>
-              <a:spcBef>
-                <a:spcPct val="0"/>
-              </a:spcBef>
-              <a:spcAft>
-                <a:spcPct val="0"/>
-              </a:spcAft>
-            </a:pPr>
-            <a:r>
-              <a:rPr lang="en-US" sz="3800" dirty="0" smtClean="0"/>
-              <a:t>Anemia, </a:t>
-            </a:r>
-            <a:r>
-              <a:rPr lang="en-US" sz="3800" dirty="0" err="1" smtClean="0"/>
-              <a:t>Osteroporisis</a:t>
-            </a:r>
-            <a:r>
-              <a:rPr lang="en-US" sz="3800" dirty="0" smtClean="0"/>
-              <a:t>, &amp; Strep</a:t>
-            </a:r>
-          </a:p>
-          <a:p>
-            <a:pPr marL="231775" lvl="0" indent="-231775" eaLnBrk="0" fontAlgn="base" hangingPunct="0">
-              <a:lnSpc>
-                <a:spcPct val="100000"/>
-              </a:lnSpc>
-              <a:spcBef>
-                <a:spcPct val="0"/>
-              </a:spcBef>
-              <a:spcAft>
-                <a:spcPct val="0"/>
-              </a:spcAft>
-            </a:pPr>
-            <a:endParaRPr lang="en-US" dirty="0" smtClean="0"/>
-          </a:p>
-          <a:p>
-            <a:pPr marL="0" indent="0">
-              <a:buNone/>
-            </a:pPr>
-            <a:r>
-              <a:rPr lang="en-US" sz="2000" dirty="0">
-                <a:solidFill>
-                  <a:srgbClr val="859900"/>
-                </a:solidFill>
-                <a:latin typeface="Consolas" panose="020B0609020204030204" pitchFamily="49" charset="0"/>
-              </a:rPr>
-              <a:t>SELECT</a:t>
-            </a:r>
-            <a:r>
-              <a:rPr lang="en-US" sz="2000" dirty="0">
-                <a:solidFill>
-                  <a:srgbClr val="839496"/>
-                </a:solidFill>
-                <a:latin typeface="Consolas" panose="020B0609020204030204" pitchFamily="49" charset="0"/>
-              </a:rPr>
-              <a:t> </a:t>
-            </a:r>
-          </a:p>
-          <a:p>
-            <a:pPr marL="0" indent="0">
-              <a:buNone/>
-            </a:pPr>
-            <a:r>
-              <a:rPr lang="en-US" sz="2000" dirty="0">
-                <a:solidFill>
-                  <a:srgbClr val="839496"/>
-                </a:solidFill>
-                <a:latin typeface="Consolas" panose="020B0609020204030204" pitchFamily="49" charset="0"/>
-              </a:rPr>
-              <a:t>  </a:t>
-            </a:r>
-            <a:r>
-              <a:rPr lang="en-US" sz="2000" dirty="0" err="1">
-                <a:solidFill>
-                  <a:srgbClr val="839496"/>
-                </a:solidFill>
-                <a:latin typeface="Consolas" panose="020B0609020204030204" pitchFamily="49" charset="0"/>
-              </a:rPr>
-              <a:t>person_id</a:t>
-            </a:r>
-            <a:endParaRPr lang="en-US" sz="2000" dirty="0">
-              <a:solidFill>
-                <a:srgbClr val="839496"/>
-              </a:solidFill>
-              <a:latin typeface="Consolas" panose="020B0609020204030204" pitchFamily="49" charset="0"/>
-            </a:endParaRPr>
-          </a:p>
-          <a:p>
-            <a:pPr marL="0" indent="0">
-              <a:buNone/>
-            </a:pPr>
-            <a:r>
-              <a:rPr lang="en-US" sz="2000" dirty="0">
-                <a:solidFill>
-                  <a:srgbClr val="839496"/>
-                </a:solidFill>
-                <a:latin typeface="Consolas" panose="020B0609020204030204" pitchFamily="49" charset="0"/>
-              </a:rPr>
-              <a:t>  ,</a:t>
-            </a:r>
-            <a:r>
-              <a:rPr lang="en-US" sz="2000" dirty="0" err="1">
-                <a:solidFill>
-                  <a:srgbClr val="839496"/>
-                </a:solidFill>
-                <a:latin typeface="Consolas" panose="020B0609020204030204" pitchFamily="49" charset="0"/>
-              </a:rPr>
-              <a:t>condition_concept_id</a:t>
-            </a:r>
-            <a:endParaRPr lang="en-US" sz="2000" dirty="0">
-              <a:solidFill>
-                <a:srgbClr val="839496"/>
-              </a:solidFill>
-              <a:latin typeface="Consolas" panose="020B0609020204030204" pitchFamily="49" charset="0"/>
-            </a:endParaRPr>
-          </a:p>
-          <a:p>
-            <a:pPr marL="0" indent="0">
-              <a:buNone/>
-            </a:pPr>
-            <a:r>
-              <a:rPr lang="en-US" sz="2000" dirty="0">
-                <a:solidFill>
-                  <a:srgbClr val="839496"/>
-                </a:solidFill>
-                <a:latin typeface="Consolas" panose="020B0609020204030204" pitchFamily="49" charset="0"/>
-              </a:rPr>
-              <a:t>  ,</a:t>
-            </a:r>
-            <a:r>
-              <a:rPr lang="en-US" sz="2000" dirty="0" err="1">
-                <a:solidFill>
-                  <a:srgbClr val="839496"/>
-                </a:solidFill>
-                <a:latin typeface="Consolas" panose="020B0609020204030204" pitchFamily="49" charset="0"/>
-              </a:rPr>
-              <a:t>condition_concept_name</a:t>
-            </a:r>
-            <a:r>
-              <a:rPr lang="en-US" sz="2000" dirty="0">
-                <a:solidFill>
-                  <a:srgbClr val="839496"/>
-                </a:solidFill>
-                <a:latin typeface="Consolas" panose="020B0609020204030204" pitchFamily="49" charset="0"/>
-              </a:rPr>
-              <a:t>   </a:t>
-            </a:r>
-          </a:p>
-          <a:p>
-            <a:pPr marL="0" indent="0">
-              <a:buNone/>
-            </a:pPr>
-            <a:r>
-              <a:rPr lang="en-US" sz="2000" dirty="0">
-                <a:solidFill>
-                  <a:srgbClr val="839496"/>
-                </a:solidFill>
-                <a:latin typeface="Consolas" panose="020B0609020204030204" pitchFamily="49" charset="0"/>
-              </a:rPr>
-              <a:t>  ,</a:t>
-            </a:r>
-            <a:r>
-              <a:rPr lang="en-US" sz="2000" dirty="0">
-                <a:solidFill>
-                  <a:srgbClr val="268BD2"/>
-                </a:solidFill>
-                <a:latin typeface="Consolas" panose="020B0609020204030204" pitchFamily="49" charset="0"/>
-              </a:rPr>
-              <a:t>count</a:t>
-            </a:r>
-            <a:r>
-              <a:rPr lang="en-US" sz="2000" dirty="0">
-                <a:solidFill>
-                  <a:srgbClr val="839496"/>
-                </a:solidFill>
-                <a:latin typeface="Consolas" panose="020B0609020204030204" pitchFamily="49" charset="0"/>
-              </a:rPr>
-              <a:t>(</a:t>
-            </a:r>
-            <a:r>
-              <a:rPr lang="en-US" sz="2000" dirty="0">
-                <a:solidFill>
-                  <a:srgbClr val="859900"/>
-                </a:solidFill>
-                <a:latin typeface="Consolas" panose="020B0609020204030204" pitchFamily="49" charset="0"/>
-              </a:rPr>
-              <a:t>*</a:t>
-            </a:r>
-            <a:r>
-              <a:rPr lang="en-US" sz="2000" dirty="0">
-                <a:solidFill>
-                  <a:srgbClr val="839496"/>
-                </a:solidFill>
-                <a:latin typeface="Consolas" panose="020B0609020204030204" pitchFamily="49" charset="0"/>
-              </a:rPr>
-              <a:t>)                  </a:t>
-            </a:r>
-            <a:r>
-              <a:rPr lang="en-US" sz="2000" dirty="0">
-                <a:solidFill>
-                  <a:srgbClr val="859900"/>
-                </a:solidFill>
-                <a:latin typeface="Consolas" panose="020B0609020204030204" pitchFamily="49" charset="0"/>
-              </a:rPr>
-              <a:t>as</a:t>
-            </a:r>
-            <a:r>
-              <a:rPr lang="en-US" sz="2000" dirty="0">
-                <a:solidFill>
-                  <a:srgbClr val="839496"/>
-                </a:solidFill>
-                <a:latin typeface="Consolas" panose="020B0609020204030204" pitchFamily="49" charset="0"/>
-              </a:rPr>
-              <a:t> </a:t>
-            </a:r>
-            <a:r>
-              <a:rPr lang="en-US" sz="2000" dirty="0" err="1">
-                <a:solidFill>
-                  <a:srgbClr val="839496"/>
-                </a:solidFill>
-                <a:latin typeface="Consolas" panose="020B0609020204030204" pitchFamily="49" charset="0"/>
-              </a:rPr>
-              <a:t>dx_count</a:t>
-            </a:r>
-            <a:r>
-              <a:rPr lang="en-US" sz="2000" dirty="0">
-                <a:solidFill>
-                  <a:srgbClr val="839496"/>
-                </a:solidFill>
-                <a:latin typeface="Consolas" panose="020B0609020204030204" pitchFamily="49" charset="0"/>
-              </a:rPr>
-              <a:t> </a:t>
-            </a:r>
-          </a:p>
-          <a:p>
-            <a:pPr marL="0" indent="0">
-              <a:buNone/>
-            </a:pPr>
-            <a:r>
-              <a:rPr lang="en-US" sz="2000" dirty="0">
-                <a:solidFill>
-                  <a:srgbClr val="839496"/>
-                </a:solidFill>
-                <a:latin typeface="Consolas" panose="020B0609020204030204" pitchFamily="49" charset="0"/>
-              </a:rPr>
-              <a:t>  ,</a:t>
-            </a:r>
-            <a:r>
-              <a:rPr lang="en-US" sz="2000" dirty="0">
-                <a:solidFill>
-                  <a:srgbClr val="268BD2"/>
-                </a:solidFill>
-                <a:latin typeface="Consolas" panose="020B0609020204030204" pitchFamily="49" charset="0"/>
-              </a:rPr>
-              <a:t>min</a:t>
-            </a:r>
-            <a:r>
-              <a:rPr lang="en-US" sz="2000" dirty="0">
-                <a:solidFill>
-                  <a:srgbClr val="839496"/>
-                </a:solidFill>
-                <a:latin typeface="Consolas" panose="020B0609020204030204" pitchFamily="49" charset="0"/>
-              </a:rPr>
-              <a:t>(</a:t>
-            </a:r>
-            <a:r>
-              <a:rPr lang="en-US" sz="2000" dirty="0" err="1">
-                <a:solidFill>
-                  <a:srgbClr val="839496"/>
-                </a:solidFill>
-                <a:latin typeface="Consolas" panose="020B0609020204030204" pitchFamily="49" charset="0"/>
-              </a:rPr>
-              <a:t>condition_start_date</a:t>
-            </a:r>
-            <a:r>
-              <a:rPr lang="en-US" sz="2000" dirty="0">
-                <a:solidFill>
-                  <a:srgbClr val="839496"/>
-                </a:solidFill>
-                <a:latin typeface="Consolas" panose="020B0609020204030204" pitchFamily="49" charset="0"/>
-              </a:rPr>
-              <a:t>) </a:t>
-            </a:r>
-            <a:r>
-              <a:rPr lang="en-US" sz="2000" dirty="0">
-                <a:solidFill>
-                  <a:srgbClr val="859900"/>
-                </a:solidFill>
-                <a:latin typeface="Consolas" panose="020B0609020204030204" pitchFamily="49" charset="0"/>
-              </a:rPr>
-              <a:t>as</a:t>
-            </a:r>
-            <a:r>
-              <a:rPr lang="en-US" sz="2000" dirty="0">
-                <a:solidFill>
-                  <a:srgbClr val="839496"/>
-                </a:solidFill>
-                <a:latin typeface="Consolas" panose="020B0609020204030204" pitchFamily="49" charset="0"/>
-              </a:rPr>
-              <a:t> </a:t>
-            </a:r>
-            <a:r>
-              <a:rPr lang="en-US" sz="2000" dirty="0" err="1">
-                <a:solidFill>
-                  <a:srgbClr val="839496"/>
-                </a:solidFill>
-                <a:latin typeface="Consolas" panose="020B0609020204030204" pitchFamily="49" charset="0"/>
-              </a:rPr>
-              <a:t>dx_first</a:t>
-            </a:r>
-            <a:endParaRPr lang="en-US" sz="2000" dirty="0">
-              <a:solidFill>
-                <a:srgbClr val="839496"/>
-              </a:solidFill>
-              <a:latin typeface="Consolas" panose="020B0609020204030204" pitchFamily="49" charset="0"/>
-            </a:endParaRPr>
-          </a:p>
-          <a:p>
-            <a:pPr marL="0" indent="0">
-              <a:buNone/>
-            </a:pPr>
-            <a:r>
-              <a:rPr lang="en-US" sz="2000" dirty="0">
-                <a:solidFill>
-                  <a:srgbClr val="839496"/>
-                </a:solidFill>
-                <a:latin typeface="Consolas" panose="020B0609020204030204" pitchFamily="49" charset="0"/>
-              </a:rPr>
-              <a:t>  ,</a:t>
-            </a:r>
-            <a:r>
-              <a:rPr lang="en-US" sz="2000" dirty="0">
-                <a:solidFill>
-                  <a:srgbClr val="268BD2"/>
-                </a:solidFill>
-                <a:latin typeface="Consolas" panose="020B0609020204030204" pitchFamily="49" charset="0"/>
-              </a:rPr>
-              <a:t>max</a:t>
-            </a:r>
-            <a:r>
-              <a:rPr lang="en-US" sz="2000" dirty="0">
-                <a:solidFill>
-                  <a:srgbClr val="839496"/>
-                </a:solidFill>
-                <a:latin typeface="Consolas" panose="020B0609020204030204" pitchFamily="49" charset="0"/>
-              </a:rPr>
-              <a:t>(</a:t>
-            </a:r>
-            <a:r>
-              <a:rPr lang="en-US" sz="2000" dirty="0" err="1">
-                <a:solidFill>
-                  <a:srgbClr val="839496"/>
-                </a:solidFill>
-                <a:latin typeface="Consolas" panose="020B0609020204030204" pitchFamily="49" charset="0"/>
-              </a:rPr>
-              <a:t>condition_start_date</a:t>
-            </a:r>
-            <a:r>
-              <a:rPr lang="en-US" sz="2000" dirty="0">
-                <a:solidFill>
-                  <a:srgbClr val="839496"/>
-                </a:solidFill>
-                <a:latin typeface="Consolas" panose="020B0609020204030204" pitchFamily="49" charset="0"/>
-              </a:rPr>
-              <a:t>) </a:t>
-            </a:r>
-            <a:r>
-              <a:rPr lang="en-US" sz="2000" dirty="0">
-                <a:solidFill>
-                  <a:srgbClr val="859900"/>
-                </a:solidFill>
-                <a:latin typeface="Consolas" panose="020B0609020204030204" pitchFamily="49" charset="0"/>
-              </a:rPr>
-              <a:t>as</a:t>
-            </a:r>
-            <a:r>
-              <a:rPr lang="en-US" sz="2000" dirty="0">
-                <a:solidFill>
-                  <a:srgbClr val="839496"/>
-                </a:solidFill>
-                <a:latin typeface="Consolas" panose="020B0609020204030204" pitchFamily="49" charset="0"/>
-              </a:rPr>
-              <a:t> </a:t>
-            </a:r>
-            <a:r>
-              <a:rPr lang="en-US" sz="2000" dirty="0" err="1">
-                <a:solidFill>
-                  <a:srgbClr val="839496"/>
-                </a:solidFill>
-                <a:latin typeface="Consolas" panose="020B0609020204030204" pitchFamily="49" charset="0"/>
-              </a:rPr>
-              <a:t>dx_last</a:t>
-            </a:r>
-            <a:endParaRPr lang="en-US" sz="2000" dirty="0">
-              <a:solidFill>
-                <a:srgbClr val="839496"/>
-              </a:solidFill>
-              <a:latin typeface="Consolas" panose="020B0609020204030204" pitchFamily="49" charset="0"/>
-            </a:endParaRPr>
-          </a:p>
-          <a:p>
-            <a:pPr marL="0" indent="0">
-              <a:buNone/>
-            </a:pPr>
-            <a:r>
-              <a:rPr lang="en-US" sz="2000" dirty="0">
-                <a:solidFill>
-                  <a:srgbClr val="859900"/>
-                </a:solidFill>
-                <a:latin typeface="Consolas" panose="020B0609020204030204" pitchFamily="49" charset="0"/>
-              </a:rPr>
-              <a:t>FROM</a:t>
-            </a:r>
-            <a:r>
-              <a:rPr lang="en-US" sz="2000" dirty="0">
-                <a:solidFill>
-                  <a:srgbClr val="839496"/>
-                </a:solidFill>
-                <a:latin typeface="Consolas" panose="020B0609020204030204" pitchFamily="49" charset="0"/>
-              </a:rPr>
-              <a:t> </a:t>
-            </a:r>
-            <a:r>
-              <a:rPr lang="en-US" sz="2000" dirty="0" err="1">
-                <a:solidFill>
-                  <a:srgbClr val="839496"/>
-                </a:solidFill>
-                <a:latin typeface="Consolas" panose="020B0609020204030204" pitchFamily="49" charset="0"/>
-              </a:rPr>
-              <a:t>condition_occurrence</a:t>
-            </a:r>
-            <a:endParaRPr lang="en-US" sz="2000" dirty="0">
-              <a:solidFill>
-                <a:srgbClr val="839496"/>
-              </a:solidFill>
-              <a:latin typeface="Consolas" panose="020B0609020204030204" pitchFamily="49" charset="0"/>
-            </a:endParaRPr>
-          </a:p>
-          <a:p>
-            <a:pPr marL="0" indent="0">
-              <a:buNone/>
-            </a:pPr>
-            <a:r>
-              <a:rPr lang="en-US" sz="2000" dirty="0">
-                <a:solidFill>
-                  <a:srgbClr val="859900"/>
-                </a:solidFill>
-                <a:latin typeface="Consolas" panose="020B0609020204030204" pitchFamily="49" charset="0"/>
-              </a:rPr>
-              <a:t>WHERE</a:t>
-            </a:r>
-            <a:endParaRPr lang="en-US" sz="2000" dirty="0">
-              <a:solidFill>
-                <a:srgbClr val="839496"/>
-              </a:solidFill>
-              <a:latin typeface="Consolas" panose="020B0609020204030204" pitchFamily="49" charset="0"/>
-            </a:endParaRPr>
-          </a:p>
-          <a:p>
-            <a:pPr marL="0" indent="0">
-              <a:buNone/>
-            </a:pPr>
-            <a:r>
-              <a:rPr lang="en-US" sz="2000" dirty="0">
-                <a:solidFill>
-                  <a:srgbClr val="839496"/>
-                </a:solidFill>
-                <a:latin typeface="Consolas" panose="020B0609020204030204" pitchFamily="49" charset="0"/>
-              </a:rPr>
-              <a:t>  </a:t>
-            </a:r>
-            <a:r>
-              <a:rPr lang="en-US" sz="2000" dirty="0" err="1">
-                <a:solidFill>
-                  <a:srgbClr val="839496"/>
-                </a:solidFill>
-                <a:latin typeface="Consolas" panose="020B0609020204030204" pitchFamily="49" charset="0"/>
-              </a:rPr>
-              <a:t>condition_concept_id</a:t>
-            </a:r>
-            <a:r>
-              <a:rPr lang="en-US" sz="2000" dirty="0">
-                <a:solidFill>
-                  <a:srgbClr val="839496"/>
-                </a:solidFill>
-                <a:latin typeface="Consolas" panose="020B0609020204030204" pitchFamily="49" charset="0"/>
-              </a:rPr>
-              <a:t> </a:t>
-            </a:r>
-            <a:r>
-              <a:rPr lang="en-US" sz="2000" dirty="0">
-                <a:solidFill>
-                  <a:srgbClr val="859900"/>
-                </a:solidFill>
-                <a:latin typeface="Consolas" panose="020B0609020204030204" pitchFamily="49" charset="0"/>
-              </a:rPr>
-              <a:t>in</a:t>
-            </a:r>
-            <a:r>
-              <a:rPr lang="en-US" sz="2000" dirty="0">
-                <a:solidFill>
-                  <a:srgbClr val="839496"/>
-                </a:solidFill>
-                <a:latin typeface="Consolas" panose="020B0609020204030204" pitchFamily="49" charset="0"/>
-              </a:rPr>
-              <a:t> (</a:t>
-            </a:r>
-          </a:p>
-          <a:p>
-            <a:pPr marL="0" indent="0">
-              <a:buNone/>
-            </a:pPr>
-            <a:r>
-              <a:rPr lang="en-US" sz="2000" dirty="0">
-                <a:solidFill>
-                  <a:srgbClr val="839496"/>
-                </a:solidFill>
-                <a:latin typeface="Consolas" panose="020B0609020204030204" pitchFamily="49" charset="0"/>
-              </a:rPr>
-              <a:t>    </a:t>
-            </a:r>
-            <a:r>
-              <a:rPr lang="en-US" sz="2000" dirty="0">
-                <a:solidFill>
-                  <a:srgbClr val="D33682"/>
-                </a:solidFill>
-                <a:latin typeface="Consolas" panose="020B0609020204030204" pitchFamily="49" charset="0"/>
-              </a:rPr>
-              <a:t>4397777</a:t>
-            </a:r>
-            <a:r>
-              <a:rPr lang="en-US" sz="2000" dirty="0">
-                <a:solidFill>
-                  <a:srgbClr val="839496"/>
-                </a:solidFill>
-                <a:latin typeface="Consolas" panose="020B0609020204030204" pitchFamily="49" charset="0"/>
-              </a:rPr>
-              <a:t> </a:t>
-            </a:r>
-            <a:r>
-              <a:rPr lang="en-US" sz="2000" i="1" dirty="0">
-                <a:solidFill>
-                  <a:srgbClr val="586E75"/>
-                </a:solidFill>
-                <a:latin typeface="Consolas" panose="020B0609020204030204" pitchFamily="49" charset="0"/>
-              </a:rPr>
-              <a:t>-- Anemia</a:t>
-            </a:r>
-            <a:endParaRPr lang="en-US" sz="2000" dirty="0">
-              <a:solidFill>
-                <a:srgbClr val="839496"/>
-              </a:solidFill>
-              <a:latin typeface="Consolas" panose="020B0609020204030204" pitchFamily="49" charset="0"/>
-            </a:endParaRPr>
-          </a:p>
-          <a:p>
-            <a:pPr marL="0" indent="0">
-              <a:buNone/>
-            </a:pPr>
-            <a:r>
-              <a:rPr lang="en-US" sz="2000" dirty="0">
-                <a:solidFill>
-                  <a:srgbClr val="839496"/>
-                </a:solidFill>
-                <a:latin typeface="Consolas" panose="020B0609020204030204" pitchFamily="49" charset="0"/>
-              </a:rPr>
-              <a:t>    ,</a:t>
-            </a:r>
-            <a:r>
-              <a:rPr lang="en-US" sz="2000" dirty="0">
-                <a:solidFill>
-                  <a:srgbClr val="D33682"/>
-                </a:solidFill>
-                <a:latin typeface="Consolas" panose="020B0609020204030204" pitchFamily="49" charset="0"/>
-              </a:rPr>
-              <a:t>80502</a:t>
-            </a:r>
-            <a:r>
-              <a:rPr lang="en-US" sz="2000" dirty="0">
-                <a:solidFill>
-                  <a:srgbClr val="839496"/>
-                </a:solidFill>
-                <a:latin typeface="Consolas" panose="020B0609020204030204" pitchFamily="49" charset="0"/>
-              </a:rPr>
-              <a:t>  </a:t>
-            </a:r>
-            <a:r>
-              <a:rPr lang="en-US" sz="2000" i="1" dirty="0">
-                <a:solidFill>
-                  <a:srgbClr val="586E75"/>
-                </a:solidFill>
-                <a:latin typeface="Consolas" panose="020B0609020204030204" pitchFamily="49" charset="0"/>
-              </a:rPr>
-              <a:t>-- Osteoporosis</a:t>
-            </a:r>
-            <a:endParaRPr lang="en-US" sz="2000" dirty="0">
-              <a:solidFill>
-                <a:srgbClr val="839496"/>
-              </a:solidFill>
-              <a:latin typeface="Consolas" panose="020B0609020204030204" pitchFamily="49" charset="0"/>
-            </a:endParaRPr>
-          </a:p>
-          <a:p>
-            <a:pPr marL="0" indent="0">
-              <a:buNone/>
-            </a:pPr>
-            <a:r>
-              <a:rPr lang="en-US" sz="2000" dirty="0">
-                <a:solidFill>
-                  <a:srgbClr val="839496"/>
-                </a:solidFill>
-                <a:latin typeface="Consolas" panose="020B0609020204030204" pitchFamily="49" charset="0"/>
-              </a:rPr>
-              <a:t>    ,</a:t>
-            </a:r>
-            <a:r>
-              <a:rPr lang="en-US" sz="2000" dirty="0">
-                <a:solidFill>
-                  <a:srgbClr val="D33682"/>
-                </a:solidFill>
-                <a:latin typeface="Consolas" panose="020B0609020204030204" pitchFamily="49" charset="0"/>
-              </a:rPr>
-              <a:t>28060</a:t>
-            </a:r>
-            <a:r>
-              <a:rPr lang="en-US" sz="2000" dirty="0">
-                <a:solidFill>
-                  <a:srgbClr val="839496"/>
-                </a:solidFill>
-                <a:latin typeface="Consolas" panose="020B0609020204030204" pitchFamily="49" charset="0"/>
-              </a:rPr>
-              <a:t>  </a:t>
-            </a:r>
-            <a:r>
-              <a:rPr lang="en-US" sz="2000" i="1" dirty="0">
-                <a:solidFill>
-                  <a:srgbClr val="586E75"/>
-                </a:solidFill>
-                <a:latin typeface="Consolas" panose="020B0609020204030204" pitchFamily="49" charset="0"/>
-              </a:rPr>
-              <a:t>-- Streptococcal sore throat</a:t>
-            </a:r>
-            <a:endParaRPr lang="en-US" sz="2000" dirty="0">
-              <a:solidFill>
-                <a:srgbClr val="839496"/>
-              </a:solidFill>
-              <a:latin typeface="Consolas" panose="020B0609020204030204" pitchFamily="49" charset="0"/>
-            </a:endParaRPr>
-          </a:p>
-          <a:p>
-            <a:pPr marL="0" indent="0">
-              <a:buNone/>
-            </a:pPr>
-            <a:r>
-              <a:rPr lang="en-US" sz="2000" dirty="0">
-                <a:solidFill>
-                  <a:srgbClr val="839496"/>
-                </a:solidFill>
-                <a:latin typeface="Consolas" panose="020B0609020204030204" pitchFamily="49" charset="0"/>
-              </a:rPr>
-              <a:t>  )</a:t>
-            </a:r>
-          </a:p>
-          <a:p>
-            <a:pPr marL="0" indent="0">
-              <a:buNone/>
-            </a:pPr>
-            <a:r>
-              <a:rPr lang="en-US" sz="2000" dirty="0">
-                <a:solidFill>
-                  <a:srgbClr val="859900"/>
-                </a:solidFill>
-                <a:latin typeface="Consolas" panose="020B0609020204030204" pitchFamily="49" charset="0"/>
-              </a:rPr>
-              <a:t>GROUP BY</a:t>
-            </a:r>
-            <a:r>
-              <a:rPr lang="en-US" sz="2000" dirty="0">
-                <a:solidFill>
-                  <a:srgbClr val="839496"/>
-                </a:solidFill>
-                <a:latin typeface="Consolas" panose="020B0609020204030204" pitchFamily="49" charset="0"/>
-              </a:rPr>
-              <a:t> </a:t>
-            </a:r>
-          </a:p>
-          <a:p>
-            <a:pPr marL="0" indent="0">
-              <a:buNone/>
-            </a:pPr>
-            <a:r>
-              <a:rPr lang="en-US" sz="2000" dirty="0">
-                <a:solidFill>
-                  <a:srgbClr val="839496"/>
-                </a:solidFill>
-                <a:latin typeface="Consolas" panose="020B0609020204030204" pitchFamily="49" charset="0"/>
-              </a:rPr>
-              <a:t>  </a:t>
-            </a:r>
-            <a:r>
-              <a:rPr lang="en-US" sz="2000" dirty="0" err="1">
-                <a:solidFill>
-                  <a:srgbClr val="839496"/>
-                </a:solidFill>
-                <a:latin typeface="Consolas" panose="020B0609020204030204" pitchFamily="49" charset="0"/>
-              </a:rPr>
-              <a:t>person_id</a:t>
-            </a:r>
-            <a:endParaRPr lang="en-US" sz="2000" dirty="0">
-              <a:solidFill>
-                <a:srgbClr val="839496"/>
-              </a:solidFill>
-              <a:latin typeface="Consolas" panose="020B0609020204030204" pitchFamily="49" charset="0"/>
-            </a:endParaRPr>
-          </a:p>
-          <a:p>
-            <a:pPr marL="0" indent="0">
-              <a:buNone/>
-            </a:pPr>
-            <a:r>
-              <a:rPr lang="en-US" sz="2000" dirty="0">
-                <a:solidFill>
-                  <a:srgbClr val="839496"/>
-                </a:solidFill>
-                <a:latin typeface="Consolas" panose="020B0609020204030204" pitchFamily="49" charset="0"/>
-              </a:rPr>
-              <a:t>  ,</a:t>
-            </a:r>
-            <a:r>
-              <a:rPr lang="en-US" sz="2000" dirty="0" err="1">
-                <a:solidFill>
-                  <a:srgbClr val="839496"/>
-                </a:solidFill>
-                <a:latin typeface="Consolas" panose="020B0609020204030204" pitchFamily="49" charset="0"/>
-              </a:rPr>
-              <a:t>condition_concept_id</a:t>
-            </a:r>
-            <a:endParaRPr lang="en-US" sz="2000" dirty="0">
-              <a:solidFill>
-                <a:srgbClr val="839496"/>
-              </a:solidFill>
-              <a:latin typeface="Consolas" panose="020B0609020204030204" pitchFamily="49" charset="0"/>
-            </a:endParaRPr>
-          </a:p>
-          <a:p>
-            <a:pPr marL="0" indent="0">
-              <a:buNone/>
-            </a:pPr>
-            <a:r>
-              <a:rPr lang="en-US" sz="2000" dirty="0">
-                <a:solidFill>
-                  <a:srgbClr val="839496"/>
-                </a:solidFill>
-                <a:latin typeface="Consolas" panose="020B0609020204030204" pitchFamily="49" charset="0"/>
-              </a:rPr>
-              <a:t>  ,</a:t>
-            </a:r>
-            <a:r>
-              <a:rPr lang="en-US" sz="2000" dirty="0" err="1">
-                <a:solidFill>
-                  <a:srgbClr val="839496"/>
-                </a:solidFill>
-                <a:latin typeface="Consolas" panose="020B0609020204030204" pitchFamily="49" charset="0"/>
-              </a:rPr>
-              <a:t>condition_concept_name</a:t>
-            </a:r>
-            <a:r>
-              <a:rPr lang="en-US" sz="2000" dirty="0">
-                <a:solidFill>
-                  <a:srgbClr val="839496"/>
-                </a:solidFill>
-                <a:latin typeface="Consolas" panose="020B0609020204030204" pitchFamily="49" charset="0"/>
-              </a:rPr>
-              <a:t>  </a:t>
-            </a:r>
-          </a:p>
-          <a:p>
-            <a:pPr marL="231775" lvl="0" indent="-231775" eaLnBrk="0" fontAlgn="base" hangingPunct="0">
-              <a:lnSpc>
-                <a:spcPct val="100000"/>
-              </a:lnSpc>
-              <a:spcBef>
-                <a:spcPct val="0"/>
-              </a:spcBef>
-              <a:spcAft>
-                <a:spcPct val="0"/>
-              </a:spcAft>
-            </a:pPr>
-            <a:endParaRPr lang="en-US" dirty="0" smtClean="0"/>
-          </a:p>
-          <a:p>
-            <a:pPr marL="231775" lvl="0" indent="-231775" eaLnBrk="0" fontAlgn="base" hangingPunct="0">
-              <a:lnSpc>
-                <a:spcPct val="100000"/>
-              </a:lnSpc>
-              <a:spcBef>
-                <a:spcPct val="0"/>
-              </a:spcBef>
-              <a:spcAft>
-                <a:spcPct val="0"/>
-              </a:spcAft>
-            </a:pPr>
-            <a:endParaRPr lang="en-US" dirty="0" smtClean="0"/>
-          </a:p>
-          <a:p>
-            <a:pPr marL="231775" lvl="0" indent="-231775" eaLnBrk="0" fontAlgn="base" hangingPunct="0">
-              <a:lnSpc>
-                <a:spcPct val="100000"/>
-              </a:lnSpc>
-              <a:spcBef>
-                <a:spcPct val="0"/>
-              </a:spcBef>
-              <a:spcAft>
-                <a:spcPct val="0"/>
-              </a:spcAft>
-            </a:pPr>
-            <a:endParaRPr lang="en-US" dirty="0"/>
-          </a:p>
-          <a:p>
-            <a:pPr marL="231775" lvl="0" indent="-231775" eaLnBrk="0" fontAlgn="base" hangingPunct="0">
-              <a:lnSpc>
-                <a:spcPct val="100000"/>
-              </a:lnSpc>
-              <a:spcBef>
-                <a:spcPct val="0"/>
-              </a:spcBef>
-              <a:spcAft>
-                <a:spcPct val="0"/>
-              </a:spcAft>
-            </a:pPr>
-            <a:endParaRPr lang="en-US" dirty="0" smtClean="0"/>
-          </a:p>
-        </p:txBody>
-      </p:sp>
-      <p:pic>
-        <p:nvPicPr>
-          <p:cNvPr id="6" name="Picture 5"/>
-          <p:cNvPicPr>
-            <a:picLocks noChangeAspect="1"/>
-          </p:cNvPicPr>
-          <p:nvPr/>
-        </p:nvPicPr>
-        <p:blipFill>
-          <a:blip r:embed="rId3"/>
-          <a:stretch>
-            <a:fillRect/>
-          </a:stretch>
-        </p:blipFill>
-        <p:spPr>
-          <a:xfrm>
-            <a:off x="6883699" y="0"/>
-            <a:ext cx="4792571" cy="6675120"/>
-          </a:xfrm>
-          <a:prstGeom prst="rect">
-            <a:avLst/>
-          </a:prstGeom>
-          <a:ln>
-            <a:noFill/>
-          </a:ln>
-          <a:effectLst>
-            <a:outerShdw blurRad="292100" dist="139700" dir="2700000" algn="tl" rotWithShape="0">
-              <a:srgbClr val="333333">
-                <a:alpha val="65000"/>
-              </a:srgbClr>
-            </a:outerShdw>
-          </a:effectLst>
-        </p:spPr>
-      </p:pic>
-    </p:spTree>
-    <p:extLst>
-      <p:ext uri="{BB962C8B-B14F-4D97-AF65-F5344CB8AC3E}">
-        <p14:creationId xmlns:p14="http://schemas.microsoft.com/office/powerpoint/2010/main" val="2826087362"/>
-      </p:ext>
-    </p:extLst>
-  </p:cSld>
-  <p:clrMapOvr>
-    <a:masterClrMapping/>
-  </p:clrMapOvr>
-  <p:timing>
-    <p:tnLst>
-      <p:par>
-        <p:cTn id="1" dur="indefinite" restart="never" nodeType="tmRoot"/>
-      </p:par>
-    </p:tnLst>
-  </p:timing>
-</p:sld>
-</file>
-
-<file path=ppt/slides/slide9.xml><?xml version="1.0" encoding="utf-8"?>
-<p:sld xmlns:a="http://schemas.openxmlformats.org/drawingml/2006/main" xmlns:r="http://schemas.openxmlformats.org/officeDocument/2006/relationships" xmlns:p="http://schemas.openxmlformats.org/presentationml/2006/main">
-  <p:cSld>
-    <p:spTree>
-      <p:nvGrpSpPr>
-        <p:cNvPr id="1" name=""/>
-        <p:cNvGrpSpPr/>
-        <p:nvPr/>
-      </p:nvGrpSpPr>
-      <p:grpSpPr>
-        <a:xfrm>
-          <a:off x="0" y="0"/>
-          <a:ext cx="0" cy="0"/>
-          <a:chOff x="0" y="0"/>
-          <a:chExt cx="0" cy="0"/>
-        </a:xfrm>
-      </p:grpSpPr>
-      <p:sp>
-        <p:nvSpPr>
-          <p:cNvPr id="2" name="Title 1"/>
-          <p:cNvSpPr>
-            <a:spLocks noGrp="1"/>
-          </p:cNvSpPr>
-          <p:nvPr>
-            <p:ph type="title"/>
-          </p:nvPr>
-        </p:nvSpPr>
-        <p:spPr>
-          <a:xfrm>
-            <a:off x="0" y="0"/>
-            <a:ext cx="10515600" cy="1144589"/>
-          </a:xfrm>
-        </p:spPr>
-        <p:txBody>
-          <a:bodyPr>
-            <a:normAutofit fontScale="90000"/>
-          </a:bodyPr>
-          <a:lstStyle/>
-          <a:p>
-            <a:r>
-              <a:rPr lang="en-US" dirty="0" smtClean="0"/>
-              <a:t>Join `person` &amp;</a:t>
-            </a:r>
-            <a:br>
-              <a:rPr lang="en-US" dirty="0" smtClean="0"/>
-            </a:br>
-            <a:r>
-              <a:rPr lang="en-US" dirty="0" smtClean="0"/>
-              <a:t> `</a:t>
-            </a:r>
-            <a:r>
-              <a:rPr lang="en-US" dirty="0" err="1" smtClean="0"/>
-              <a:t>pt_dx_covid</a:t>
-            </a:r>
-            <a:r>
-              <a:rPr lang="en-US" dirty="0" smtClean="0"/>
-              <a:t>`</a:t>
-            </a:r>
-            <a:endParaRPr lang="en-US" dirty="0"/>
-          </a:p>
-        </p:txBody>
-      </p:sp>
-      <p:sp>
-        <p:nvSpPr>
-          <p:cNvPr id="3" name="Content Placeholder 2"/>
-          <p:cNvSpPr>
-            <a:spLocks noGrp="1"/>
-          </p:cNvSpPr>
-          <p:nvPr>
-            <p:ph idx="1"/>
-          </p:nvPr>
-        </p:nvSpPr>
-        <p:spPr>
-          <a:xfrm>
-            <a:off x="0" y="1144590"/>
-            <a:ext cx="12192000" cy="5713410"/>
-          </a:xfrm>
-        </p:spPr>
-        <p:txBody>
-          <a:bodyPr>
-            <a:normAutofit/>
-          </a:bodyPr>
-          <a:lstStyle/>
-          <a:p>
-            <a:pPr marL="231775" indent="-231775" eaLnBrk="0" fontAlgn="base" hangingPunct="0">
-              <a:lnSpc>
-                <a:spcPct val="100000"/>
-              </a:lnSpc>
-              <a:spcBef>
-                <a:spcPct val="0"/>
-              </a:spcBef>
-              <a:spcAft>
-                <a:spcPct val="0"/>
-              </a:spcAft>
-            </a:pPr>
-            <a:r>
-              <a:rPr lang="en-US" sz="3600" dirty="0"/>
-              <a:t>New SQL </a:t>
-            </a:r>
-            <a:r>
-              <a:rPr lang="en-US" sz="3600" dirty="0" smtClean="0"/>
-              <a:t>transform/node</a:t>
-            </a:r>
-            <a:br>
-              <a:rPr lang="en-US" sz="3600" dirty="0" smtClean="0"/>
-            </a:br>
-            <a:r>
-              <a:rPr lang="en-US" sz="3600" dirty="0" smtClean="0"/>
-              <a:t>pointing to two tables</a:t>
-            </a:r>
-          </a:p>
-          <a:p>
-            <a:pPr marL="231775" indent="-231775" eaLnBrk="0" fontAlgn="base" hangingPunct="0">
-              <a:lnSpc>
-                <a:spcPct val="100000"/>
-              </a:lnSpc>
-              <a:spcBef>
-                <a:spcPct val="0"/>
-              </a:spcBef>
-              <a:spcAft>
-                <a:spcPct val="0"/>
-              </a:spcAft>
-            </a:pPr>
-            <a:r>
-              <a:rPr lang="en-US" sz="3600" dirty="0" smtClean="0"/>
-              <a:t>Toggle the Save switch</a:t>
-            </a:r>
-          </a:p>
-          <a:p>
-            <a:pPr marL="231775" indent="-231775" eaLnBrk="0" fontAlgn="base" hangingPunct="0">
-              <a:lnSpc>
-                <a:spcPct val="100000"/>
-              </a:lnSpc>
-              <a:spcBef>
-                <a:spcPct val="0"/>
-              </a:spcBef>
-              <a:spcAft>
-                <a:spcPct val="0"/>
-              </a:spcAft>
-            </a:pPr>
-            <a:r>
-              <a:rPr lang="en-US" sz="3600" dirty="0" smtClean="0"/>
-              <a:t>Name “</a:t>
-            </a:r>
-            <a:r>
-              <a:rPr lang="en-US" sz="3600" dirty="0" err="1" smtClean="0"/>
-              <a:t>person_staged</a:t>
-            </a:r>
-            <a:r>
-              <a:rPr lang="en-US" sz="3600" dirty="0" smtClean="0"/>
-              <a:t>”</a:t>
-            </a:r>
-            <a:endParaRPr lang="en-US" sz="3600" dirty="0"/>
-          </a:p>
-          <a:p>
-            <a:pPr marL="0" lvl="0" indent="0" eaLnBrk="0" fontAlgn="base" hangingPunct="0">
-              <a:lnSpc>
-                <a:spcPct val="100000"/>
-              </a:lnSpc>
-              <a:spcBef>
-                <a:spcPct val="0"/>
-              </a:spcBef>
-              <a:spcAft>
-                <a:spcPct val="0"/>
-              </a:spcAft>
-              <a:buNone/>
-            </a:pPr>
-            <a:endParaRPr lang="en-US" dirty="0" smtClean="0"/>
-          </a:p>
-          <a:p>
-            <a:pPr marL="0" indent="0">
-              <a:buNone/>
-            </a:pPr>
-            <a:r>
-              <a:rPr lang="en-US" sz="1200" dirty="0">
-                <a:solidFill>
-                  <a:srgbClr val="859900"/>
-                </a:solidFill>
-                <a:latin typeface="Consolas" panose="020B0609020204030204" pitchFamily="49" charset="0"/>
-              </a:rPr>
-              <a:t>SELECT</a:t>
-            </a:r>
-            <a:r>
-              <a:rPr lang="en-US" sz="1200" dirty="0">
-                <a:solidFill>
-                  <a:srgbClr val="839496"/>
-                </a:solidFill>
-                <a:latin typeface="Consolas" panose="020B0609020204030204" pitchFamily="49" charset="0"/>
-              </a:rPr>
-              <a:t> </a:t>
-            </a:r>
-          </a:p>
-          <a:p>
-            <a:pPr marL="0" indent="0">
-              <a:buNone/>
-            </a:pPr>
-            <a:r>
-              <a:rPr lang="en-US" sz="1200" dirty="0">
-                <a:solidFill>
-                  <a:srgbClr val="839496"/>
-                </a:solidFill>
-                <a:latin typeface="Consolas" panose="020B0609020204030204" pitchFamily="49" charset="0"/>
-              </a:rPr>
-              <a:t>  </a:t>
-            </a:r>
-            <a:r>
-              <a:rPr lang="en-US" sz="1200" dirty="0" err="1">
-                <a:solidFill>
-                  <a:srgbClr val="CB4B16"/>
-                </a:solidFill>
-                <a:latin typeface="Consolas" panose="020B0609020204030204" pitchFamily="49" charset="0"/>
-              </a:rPr>
-              <a:t>p</a:t>
-            </a:r>
-            <a:r>
-              <a:rPr lang="en-US" sz="1200" dirty="0" err="1">
-                <a:solidFill>
-                  <a:srgbClr val="839496"/>
-                </a:solidFill>
-                <a:latin typeface="Consolas" panose="020B0609020204030204" pitchFamily="49" charset="0"/>
-              </a:rPr>
-              <a:t>.</a:t>
-            </a:r>
-            <a:r>
-              <a:rPr lang="en-US" sz="1200" dirty="0" err="1">
-                <a:solidFill>
-                  <a:srgbClr val="CB4B16"/>
-                </a:solidFill>
-                <a:latin typeface="Consolas" panose="020B0609020204030204" pitchFamily="49" charset="0"/>
-              </a:rPr>
-              <a:t>person_id</a:t>
-            </a:r>
-            <a:endParaRPr lang="en-US" sz="1200" dirty="0">
-              <a:solidFill>
-                <a:srgbClr val="839496"/>
-              </a:solidFill>
-              <a:latin typeface="Consolas" panose="020B0609020204030204" pitchFamily="49" charset="0"/>
-            </a:endParaRPr>
-          </a:p>
-          <a:p>
-            <a:pPr marL="0" indent="0">
-              <a:buNone/>
-            </a:pPr>
-            <a:r>
-              <a:rPr lang="en-US" sz="1200" dirty="0">
-                <a:solidFill>
-                  <a:srgbClr val="839496"/>
-                </a:solidFill>
-                <a:latin typeface="Consolas" panose="020B0609020204030204" pitchFamily="49" charset="0"/>
-              </a:rPr>
-              <a:t>  ,</a:t>
-            </a:r>
-            <a:r>
-              <a:rPr lang="en-US" sz="1200" dirty="0" err="1">
-                <a:solidFill>
-                  <a:srgbClr val="CB4B16"/>
-                </a:solidFill>
-                <a:latin typeface="Consolas" panose="020B0609020204030204" pitchFamily="49" charset="0"/>
-              </a:rPr>
-              <a:t>p</a:t>
-            </a:r>
-            <a:r>
-              <a:rPr lang="en-US" sz="1200" dirty="0" err="1">
-                <a:solidFill>
-                  <a:srgbClr val="839496"/>
-                </a:solidFill>
-                <a:latin typeface="Consolas" panose="020B0609020204030204" pitchFamily="49" charset="0"/>
-              </a:rPr>
-              <a:t>.</a:t>
-            </a:r>
-            <a:r>
-              <a:rPr lang="en-US" sz="1200" dirty="0" err="1">
-                <a:solidFill>
-                  <a:srgbClr val="CB4B16"/>
-                </a:solidFill>
-                <a:latin typeface="Consolas" panose="020B0609020204030204" pitchFamily="49" charset="0"/>
-              </a:rPr>
-              <a:t>gender_concept_name</a:t>
-            </a:r>
-            <a:r>
-              <a:rPr lang="en-US" sz="1200" dirty="0">
-                <a:solidFill>
-                  <a:srgbClr val="839496"/>
-                </a:solidFill>
-                <a:latin typeface="Consolas" panose="020B0609020204030204" pitchFamily="49" charset="0"/>
-              </a:rPr>
-              <a:t>                    </a:t>
-            </a:r>
-            <a:r>
-              <a:rPr lang="en-US" sz="1200" dirty="0">
-                <a:solidFill>
-                  <a:srgbClr val="859900"/>
-                </a:solidFill>
-                <a:latin typeface="Consolas" panose="020B0609020204030204" pitchFamily="49" charset="0"/>
-              </a:rPr>
-              <a:t>as</a:t>
-            </a:r>
-            <a:r>
-              <a:rPr lang="en-US" sz="1200" dirty="0">
-                <a:solidFill>
-                  <a:srgbClr val="839496"/>
-                </a:solidFill>
-                <a:latin typeface="Consolas" panose="020B0609020204030204" pitchFamily="49" charset="0"/>
-              </a:rPr>
-              <a:t> gender</a:t>
-            </a:r>
-          </a:p>
-          <a:p>
-            <a:pPr marL="0" indent="0">
-              <a:buNone/>
-            </a:pPr>
-            <a:r>
-              <a:rPr lang="en-US" sz="1200" dirty="0">
-                <a:solidFill>
-                  <a:srgbClr val="839496"/>
-                </a:solidFill>
-                <a:latin typeface="Consolas" panose="020B0609020204030204" pitchFamily="49" charset="0"/>
-              </a:rPr>
-              <a:t>  ,</a:t>
-            </a:r>
-            <a:r>
-              <a:rPr lang="en-US" sz="1200" dirty="0">
-                <a:solidFill>
-                  <a:srgbClr val="859900"/>
-                </a:solidFill>
-                <a:latin typeface="Consolas" panose="020B0609020204030204" pitchFamily="49" charset="0"/>
-              </a:rPr>
-              <a:t>if</a:t>
-            </a:r>
-            <a:r>
-              <a:rPr lang="en-US" sz="1200" dirty="0">
-                <a:solidFill>
-                  <a:srgbClr val="839496"/>
-                </a:solidFill>
-                <a:latin typeface="Consolas" panose="020B0609020204030204" pitchFamily="49" charset="0"/>
-              </a:rPr>
-              <a:t>(</a:t>
-            </a:r>
-            <a:r>
-              <a:rPr lang="en-US" sz="1200" dirty="0" err="1">
-                <a:solidFill>
-                  <a:srgbClr val="CB4B16"/>
-                </a:solidFill>
-                <a:latin typeface="Consolas" panose="020B0609020204030204" pitchFamily="49" charset="0"/>
-              </a:rPr>
-              <a:t>p</a:t>
-            </a:r>
-            <a:r>
-              <a:rPr lang="en-US" sz="1200" dirty="0" err="1">
-                <a:solidFill>
-                  <a:srgbClr val="839496"/>
-                </a:solidFill>
-                <a:latin typeface="Consolas" panose="020B0609020204030204" pitchFamily="49" charset="0"/>
-              </a:rPr>
-              <a:t>.</a:t>
-            </a:r>
-            <a:r>
-              <a:rPr lang="en-US" sz="1200" dirty="0" err="1">
-                <a:solidFill>
-                  <a:srgbClr val="CB4B16"/>
-                </a:solidFill>
-                <a:latin typeface="Consolas" panose="020B0609020204030204" pitchFamily="49" charset="0"/>
-              </a:rPr>
-              <a:t>gender_concept_name</a:t>
-            </a:r>
-            <a:r>
-              <a:rPr lang="en-US" sz="1200" dirty="0">
-                <a:solidFill>
-                  <a:srgbClr val="839496"/>
-                </a:solidFill>
-                <a:latin typeface="Consolas" panose="020B0609020204030204" pitchFamily="49" charset="0"/>
-              </a:rPr>
-              <a:t> </a:t>
-            </a:r>
-            <a:r>
-              <a:rPr lang="en-US" sz="1200" dirty="0">
-                <a:solidFill>
-                  <a:srgbClr val="859900"/>
-                </a:solidFill>
-                <a:latin typeface="Consolas" panose="020B0609020204030204" pitchFamily="49" charset="0"/>
-              </a:rPr>
-              <a:t>=</a:t>
-            </a:r>
-            <a:r>
-              <a:rPr lang="en-US" sz="1200" dirty="0">
-                <a:solidFill>
-                  <a:srgbClr val="839496"/>
-                </a:solidFill>
-                <a:latin typeface="Consolas" panose="020B0609020204030204" pitchFamily="49" charset="0"/>
-              </a:rPr>
-              <a:t> </a:t>
-            </a:r>
-            <a:r>
-              <a:rPr lang="en-US" sz="1200" dirty="0">
-                <a:solidFill>
-                  <a:srgbClr val="2AA198"/>
-                </a:solidFill>
-                <a:latin typeface="Consolas" panose="020B0609020204030204" pitchFamily="49" charset="0"/>
-              </a:rPr>
-              <a:t>'MALE'</a:t>
-            </a:r>
-            <a:r>
-              <a:rPr lang="en-US" sz="1200" dirty="0">
-                <a:solidFill>
-                  <a:srgbClr val="839496"/>
-                </a:solidFill>
-                <a:latin typeface="Consolas" panose="020B0609020204030204" pitchFamily="49" charset="0"/>
-              </a:rPr>
-              <a:t>, </a:t>
-            </a:r>
-            <a:r>
-              <a:rPr lang="en-US" sz="1200" dirty="0">
-                <a:solidFill>
-                  <a:srgbClr val="D33682"/>
-                </a:solidFill>
-                <a:latin typeface="Consolas" panose="020B0609020204030204" pitchFamily="49" charset="0"/>
-              </a:rPr>
-              <a:t>1</a:t>
-            </a:r>
-            <a:r>
-              <a:rPr lang="en-US" sz="1200" dirty="0">
-                <a:solidFill>
-                  <a:srgbClr val="839496"/>
-                </a:solidFill>
-                <a:latin typeface="Consolas" panose="020B0609020204030204" pitchFamily="49" charset="0"/>
-              </a:rPr>
-              <a:t>, </a:t>
-            </a:r>
-            <a:r>
-              <a:rPr lang="en-US" sz="1200" dirty="0">
-                <a:solidFill>
-                  <a:srgbClr val="D33682"/>
-                </a:solidFill>
-                <a:latin typeface="Consolas" panose="020B0609020204030204" pitchFamily="49" charset="0"/>
-              </a:rPr>
-              <a:t>0</a:t>
-            </a:r>
-            <a:r>
-              <a:rPr lang="en-US" sz="1200" dirty="0">
-                <a:solidFill>
-                  <a:srgbClr val="839496"/>
-                </a:solidFill>
-                <a:latin typeface="Consolas" panose="020B0609020204030204" pitchFamily="49" charset="0"/>
-              </a:rPr>
-              <a:t>) </a:t>
-            </a:r>
-            <a:r>
-              <a:rPr lang="en-US" sz="1200" dirty="0">
-                <a:solidFill>
-                  <a:srgbClr val="859900"/>
-                </a:solidFill>
-                <a:latin typeface="Consolas" panose="020B0609020204030204" pitchFamily="49" charset="0"/>
-              </a:rPr>
-              <a:t>as</a:t>
-            </a:r>
-            <a:r>
-              <a:rPr lang="en-US" sz="1200" dirty="0">
-                <a:solidFill>
-                  <a:srgbClr val="839496"/>
-                </a:solidFill>
-                <a:latin typeface="Consolas" panose="020B0609020204030204" pitchFamily="49" charset="0"/>
-              </a:rPr>
-              <a:t> </a:t>
-            </a:r>
-            <a:r>
-              <a:rPr lang="en-US" sz="1200" dirty="0" err="1">
-                <a:solidFill>
-                  <a:srgbClr val="839496"/>
-                </a:solidFill>
-                <a:latin typeface="Consolas" panose="020B0609020204030204" pitchFamily="49" charset="0"/>
-              </a:rPr>
-              <a:t>gender_male</a:t>
-            </a:r>
-            <a:endParaRPr lang="en-US" sz="1200" dirty="0">
-              <a:solidFill>
-                <a:srgbClr val="839496"/>
-              </a:solidFill>
-              <a:latin typeface="Consolas" panose="020B0609020204030204" pitchFamily="49" charset="0"/>
-            </a:endParaRPr>
-          </a:p>
-          <a:p>
-            <a:pPr marL="0" indent="0">
-              <a:buNone/>
-            </a:pPr>
-            <a:r>
-              <a:rPr lang="en-US" sz="1200" dirty="0">
-                <a:solidFill>
-                  <a:srgbClr val="839496"/>
-                </a:solidFill>
-                <a:latin typeface="Consolas" panose="020B0609020204030204" pitchFamily="49" charset="0"/>
-              </a:rPr>
-              <a:t>  ,</a:t>
-            </a:r>
-            <a:r>
-              <a:rPr lang="en-US" sz="1200" dirty="0" err="1">
-                <a:solidFill>
-                  <a:srgbClr val="CB4B16"/>
-                </a:solidFill>
-                <a:latin typeface="Consolas" panose="020B0609020204030204" pitchFamily="49" charset="0"/>
-              </a:rPr>
-              <a:t>p</a:t>
-            </a:r>
-            <a:r>
-              <a:rPr lang="en-US" sz="1200" dirty="0" err="1">
-                <a:solidFill>
-                  <a:srgbClr val="839496"/>
-                </a:solidFill>
-                <a:latin typeface="Consolas" panose="020B0609020204030204" pitchFamily="49" charset="0"/>
-              </a:rPr>
-              <a:t>.</a:t>
-            </a:r>
-            <a:r>
-              <a:rPr lang="en-US" sz="1200" dirty="0" err="1">
-                <a:solidFill>
-                  <a:srgbClr val="CB4B16"/>
-                </a:solidFill>
-                <a:latin typeface="Consolas" panose="020B0609020204030204" pitchFamily="49" charset="0"/>
-              </a:rPr>
-              <a:t>year_of_birth</a:t>
-            </a:r>
-            <a:endParaRPr lang="en-US" sz="1200" dirty="0">
-              <a:solidFill>
-                <a:srgbClr val="839496"/>
-              </a:solidFill>
-              <a:latin typeface="Consolas" panose="020B0609020204030204" pitchFamily="49" charset="0"/>
-            </a:endParaRPr>
-          </a:p>
-          <a:p>
-            <a:pPr marL="0" indent="0">
-              <a:buNone/>
-            </a:pPr>
-            <a:r>
-              <a:rPr lang="en-US" sz="1200" dirty="0">
-                <a:solidFill>
-                  <a:srgbClr val="839496"/>
-                </a:solidFill>
-                <a:latin typeface="Consolas" panose="020B0609020204030204" pitchFamily="49" charset="0"/>
-              </a:rPr>
-              <a:t>  ,</a:t>
-            </a:r>
-            <a:r>
-              <a:rPr lang="en-US" sz="1200" dirty="0" err="1">
-                <a:solidFill>
-                  <a:srgbClr val="CB4B16"/>
-                </a:solidFill>
-                <a:latin typeface="Consolas" panose="020B0609020204030204" pitchFamily="49" charset="0"/>
-              </a:rPr>
-              <a:t>pc</a:t>
-            </a:r>
-            <a:r>
-              <a:rPr lang="en-US" sz="1200" dirty="0" err="1">
-                <a:solidFill>
-                  <a:srgbClr val="839496"/>
-                </a:solidFill>
-                <a:latin typeface="Consolas" panose="020B0609020204030204" pitchFamily="49" charset="0"/>
-              </a:rPr>
-              <a:t>.</a:t>
-            </a:r>
-            <a:r>
-              <a:rPr lang="en-US" sz="1200" dirty="0" err="1">
-                <a:solidFill>
-                  <a:srgbClr val="CB4B16"/>
-                </a:solidFill>
-                <a:latin typeface="Consolas" panose="020B0609020204030204" pitchFamily="49" charset="0"/>
-              </a:rPr>
-              <a:t>dx_first</a:t>
-            </a:r>
-            <a:r>
-              <a:rPr lang="en-US" sz="1200" dirty="0">
-                <a:solidFill>
-                  <a:srgbClr val="839496"/>
-                </a:solidFill>
-                <a:latin typeface="Consolas" panose="020B0609020204030204" pitchFamily="49" charset="0"/>
-              </a:rPr>
-              <a:t>                              </a:t>
-            </a:r>
-            <a:r>
-              <a:rPr lang="en-US" sz="1200" dirty="0">
-                <a:solidFill>
-                  <a:srgbClr val="859900"/>
-                </a:solidFill>
-                <a:latin typeface="Consolas" panose="020B0609020204030204" pitchFamily="49" charset="0"/>
-              </a:rPr>
-              <a:t>as</a:t>
-            </a:r>
-            <a:r>
-              <a:rPr lang="en-US" sz="1200" dirty="0">
-                <a:solidFill>
-                  <a:srgbClr val="839496"/>
-                </a:solidFill>
-                <a:latin typeface="Consolas" panose="020B0609020204030204" pitchFamily="49" charset="0"/>
-              </a:rPr>
-              <a:t> </a:t>
-            </a:r>
-            <a:r>
-              <a:rPr lang="en-US" sz="1200" dirty="0" err="1">
-                <a:solidFill>
-                  <a:srgbClr val="839496"/>
-                </a:solidFill>
-                <a:latin typeface="Consolas" panose="020B0609020204030204" pitchFamily="49" charset="0"/>
-              </a:rPr>
-              <a:t>dx_covid_first</a:t>
-            </a:r>
-            <a:endParaRPr lang="en-US" sz="1200" dirty="0">
-              <a:solidFill>
-                <a:srgbClr val="839496"/>
-              </a:solidFill>
-              <a:latin typeface="Consolas" panose="020B0609020204030204" pitchFamily="49" charset="0"/>
-            </a:endParaRPr>
-          </a:p>
-          <a:p>
-            <a:pPr marL="0" indent="0">
-              <a:buNone/>
-            </a:pPr>
-            <a:r>
-              <a:rPr lang="en-US" sz="1200" dirty="0">
-                <a:solidFill>
-                  <a:srgbClr val="839496"/>
-                </a:solidFill>
-                <a:latin typeface="Consolas" panose="020B0609020204030204" pitchFamily="49" charset="0"/>
-              </a:rPr>
-              <a:t>  ,</a:t>
-            </a:r>
-            <a:r>
-              <a:rPr lang="en-US" sz="1200" dirty="0">
-                <a:solidFill>
-                  <a:srgbClr val="859900"/>
-                </a:solidFill>
-                <a:latin typeface="Consolas" panose="020B0609020204030204" pitchFamily="49" charset="0"/>
-              </a:rPr>
-              <a:t>if</a:t>
-            </a:r>
-            <a:r>
-              <a:rPr lang="en-US" sz="1200" dirty="0">
-                <a:solidFill>
-                  <a:srgbClr val="839496"/>
-                </a:solidFill>
-                <a:latin typeface="Consolas" panose="020B0609020204030204" pitchFamily="49" charset="0"/>
-              </a:rPr>
-              <a:t>(</a:t>
-            </a:r>
-            <a:r>
-              <a:rPr lang="en-US" sz="1200" dirty="0" err="1">
-                <a:solidFill>
-                  <a:srgbClr val="CB4B16"/>
-                </a:solidFill>
-                <a:latin typeface="Consolas" panose="020B0609020204030204" pitchFamily="49" charset="0"/>
-              </a:rPr>
-              <a:t>pc</a:t>
-            </a:r>
-            <a:r>
-              <a:rPr lang="en-US" sz="1200" dirty="0" err="1">
-                <a:solidFill>
-                  <a:srgbClr val="839496"/>
-                </a:solidFill>
-                <a:latin typeface="Consolas" panose="020B0609020204030204" pitchFamily="49" charset="0"/>
-              </a:rPr>
-              <a:t>.</a:t>
-            </a:r>
-            <a:r>
-              <a:rPr lang="en-US" sz="1200" dirty="0" err="1">
-                <a:solidFill>
-                  <a:srgbClr val="CB4B16"/>
-                </a:solidFill>
-                <a:latin typeface="Consolas" panose="020B0609020204030204" pitchFamily="49" charset="0"/>
-              </a:rPr>
-              <a:t>person_id</a:t>
-            </a:r>
-            <a:r>
-              <a:rPr lang="en-US" sz="1200" dirty="0">
-                <a:solidFill>
-                  <a:srgbClr val="839496"/>
-                </a:solidFill>
-                <a:latin typeface="Consolas" panose="020B0609020204030204" pitchFamily="49" charset="0"/>
-              </a:rPr>
-              <a:t> </a:t>
-            </a:r>
-            <a:r>
-              <a:rPr lang="en-US" sz="1200" dirty="0">
-                <a:solidFill>
-                  <a:srgbClr val="859900"/>
-                </a:solidFill>
-                <a:latin typeface="Consolas" panose="020B0609020204030204" pitchFamily="49" charset="0"/>
-              </a:rPr>
-              <a:t>is</a:t>
-            </a:r>
-            <a:r>
-              <a:rPr lang="en-US" sz="1200" dirty="0">
-                <a:solidFill>
-                  <a:srgbClr val="839496"/>
-                </a:solidFill>
-                <a:latin typeface="Consolas" panose="020B0609020204030204" pitchFamily="49" charset="0"/>
-              </a:rPr>
-              <a:t> </a:t>
-            </a:r>
-            <a:r>
-              <a:rPr lang="en-US" sz="1200" dirty="0">
-                <a:solidFill>
-                  <a:srgbClr val="859900"/>
-                </a:solidFill>
-                <a:latin typeface="Consolas" panose="020B0609020204030204" pitchFamily="49" charset="0"/>
-              </a:rPr>
-              <a:t>null</a:t>
-            </a:r>
-            <a:r>
-              <a:rPr lang="en-US" sz="1200" dirty="0">
-                <a:solidFill>
-                  <a:srgbClr val="839496"/>
-                </a:solidFill>
-                <a:latin typeface="Consolas" panose="020B0609020204030204" pitchFamily="49" charset="0"/>
-              </a:rPr>
-              <a:t>, </a:t>
-            </a:r>
-            <a:r>
-              <a:rPr lang="en-US" sz="1200" dirty="0">
-                <a:solidFill>
-                  <a:srgbClr val="D33682"/>
-                </a:solidFill>
-                <a:latin typeface="Consolas" panose="020B0609020204030204" pitchFamily="49" charset="0"/>
-              </a:rPr>
-              <a:t>0</a:t>
-            </a:r>
-            <a:r>
-              <a:rPr lang="en-US" sz="1200" dirty="0">
-                <a:solidFill>
-                  <a:srgbClr val="839496"/>
-                </a:solidFill>
-                <a:latin typeface="Consolas" panose="020B0609020204030204" pitchFamily="49" charset="0"/>
-              </a:rPr>
-              <a:t>, </a:t>
-            </a:r>
-            <a:r>
-              <a:rPr lang="en-US" sz="1200" dirty="0">
-                <a:solidFill>
-                  <a:srgbClr val="D33682"/>
-                </a:solidFill>
-                <a:latin typeface="Consolas" panose="020B0609020204030204" pitchFamily="49" charset="0"/>
-              </a:rPr>
-              <a:t>1</a:t>
-            </a:r>
-            <a:r>
-              <a:rPr lang="en-US" sz="1200" dirty="0">
-                <a:solidFill>
-                  <a:srgbClr val="839496"/>
-                </a:solidFill>
-                <a:latin typeface="Consolas" panose="020B0609020204030204" pitchFamily="49" charset="0"/>
-              </a:rPr>
-              <a:t>)           </a:t>
-            </a:r>
-            <a:r>
-              <a:rPr lang="en-US" sz="1200" dirty="0">
-                <a:solidFill>
-                  <a:srgbClr val="859900"/>
-                </a:solidFill>
-                <a:latin typeface="Consolas" panose="020B0609020204030204" pitchFamily="49" charset="0"/>
-              </a:rPr>
-              <a:t>as</a:t>
-            </a:r>
-            <a:r>
-              <a:rPr lang="en-US" sz="1200" dirty="0">
-                <a:solidFill>
-                  <a:srgbClr val="839496"/>
-                </a:solidFill>
-                <a:latin typeface="Consolas" panose="020B0609020204030204" pitchFamily="49" charset="0"/>
-              </a:rPr>
-              <a:t> </a:t>
-            </a:r>
-            <a:r>
-              <a:rPr lang="en-US" sz="1200" dirty="0" err="1">
-                <a:solidFill>
-                  <a:srgbClr val="839496"/>
-                </a:solidFill>
-                <a:latin typeface="Consolas" panose="020B0609020204030204" pitchFamily="49" charset="0"/>
-              </a:rPr>
-              <a:t>covid_ever</a:t>
-            </a:r>
-            <a:endParaRPr lang="en-US" sz="1200" dirty="0">
-              <a:solidFill>
-                <a:srgbClr val="839496"/>
-              </a:solidFill>
-              <a:latin typeface="Consolas" panose="020B0609020204030204" pitchFamily="49" charset="0"/>
-            </a:endParaRPr>
-          </a:p>
-          <a:p>
-            <a:pPr marL="0" indent="0">
-              <a:buNone/>
-            </a:pPr>
-            <a:r>
-              <a:rPr lang="en-US" sz="1200" dirty="0">
-                <a:solidFill>
-                  <a:srgbClr val="859900"/>
-                </a:solidFill>
-                <a:latin typeface="Consolas" panose="020B0609020204030204" pitchFamily="49" charset="0"/>
-              </a:rPr>
-              <a:t>FROM</a:t>
-            </a:r>
-            <a:r>
-              <a:rPr lang="en-US" sz="1200" dirty="0">
-                <a:solidFill>
-                  <a:srgbClr val="839496"/>
-                </a:solidFill>
-                <a:latin typeface="Consolas" panose="020B0609020204030204" pitchFamily="49" charset="0"/>
-              </a:rPr>
-              <a:t> person p</a:t>
-            </a:r>
-          </a:p>
-          <a:p>
-            <a:pPr marL="0" indent="0">
-              <a:buNone/>
-            </a:pPr>
-            <a:r>
-              <a:rPr lang="en-US" sz="1200" dirty="0">
-                <a:solidFill>
-                  <a:srgbClr val="839496"/>
-                </a:solidFill>
-                <a:latin typeface="Consolas" panose="020B0609020204030204" pitchFamily="49" charset="0"/>
-              </a:rPr>
-              <a:t>  </a:t>
-            </a:r>
-            <a:r>
-              <a:rPr lang="en-US" sz="1200" dirty="0">
-                <a:solidFill>
-                  <a:srgbClr val="859900"/>
-                </a:solidFill>
-                <a:latin typeface="Consolas" panose="020B0609020204030204" pitchFamily="49" charset="0"/>
-              </a:rPr>
-              <a:t>left  join</a:t>
-            </a:r>
-            <a:r>
-              <a:rPr lang="en-US" sz="1200" dirty="0">
-                <a:solidFill>
-                  <a:srgbClr val="839496"/>
-                </a:solidFill>
-                <a:latin typeface="Consolas" panose="020B0609020204030204" pitchFamily="49" charset="0"/>
-              </a:rPr>
-              <a:t> </a:t>
-            </a:r>
-            <a:r>
-              <a:rPr lang="en-US" sz="1200" dirty="0" err="1">
-                <a:solidFill>
-                  <a:srgbClr val="839496"/>
-                </a:solidFill>
-                <a:latin typeface="Consolas" panose="020B0609020204030204" pitchFamily="49" charset="0"/>
-              </a:rPr>
-              <a:t>pt_dx_covid</a:t>
-            </a:r>
-            <a:r>
-              <a:rPr lang="en-US" sz="1200" dirty="0">
-                <a:solidFill>
-                  <a:srgbClr val="839496"/>
-                </a:solidFill>
-                <a:latin typeface="Consolas" panose="020B0609020204030204" pitchFamily="49" charset="0"/>
-              </a:rPr>
-              <a:t> pc </a:t>
-            </a:r>
-            <a:r>
-              <a:rPr lang="en-US" sz="1200" dirty="0">
-                <a:solidFill>
-                  <a:srgbClr val="859900"/>
-                </a:solidFill>
-                <a:latin typeface="Consolas" panose="020B0609020204030204" pitchFamily="49" charset="0"/>
-              </a:rPr>
-              <a:t>on</a:t>
-            </a:r>
-            <a:r>
-              <a:rPr lang="en-US" sz="1200" dirty="0">
-                <a:solidFill>
-                  <a:srgbClr val="839496"/>
-                </a:solidFill>
-                <a:latin typeface="Consolas" panose="020B0609020204030204" pitchFamily="49" charset="0"/>
-              </a:rPr>
-              <a:t> </a:t>
-            </a:r>
-            <a:r>
-              <a:rPr lang="en-US" sz="1200" dirty="0" err="1">
-                <a:solidFill>
-                  <a:srgbClr val="CB4B16"/>
-                </a:solidFill>
-                <a:latin typeface="Consolas" panose="020B0609020204030204" pitchFamily="49" charset="0"/>
-              </a:rPr>
-              <a:t>p</a:t>
-            </a:r>
-            <a:r>
-              <a:rPr lang="en-US" sz="1200" dirty="0" err="1">
-                <a:solidFill>
-                  <a:srgbClr val="839496"/>
-                </a:solidFill>
-                <a:latin typeface="Consolas" panose="020B0609020204030204" pitchFamily="49" charset="0"/>
-              </a:rPr>
-              <a:t>.</a:t>
-            </a:r>
-            <a:r>
-              <a:rPr lang="en-US" sz="1200" dirty="0" err="1">
-                <a:solidFill>
-                  <a:srgbClr val="CB4B16"/>
-                </a:solidFill>
-                <a:latin typeface="Consolas" panose="020B0609020204030204" pitchFamily="49" charset="0"/>
-              </a:rPr>
-              <a:t>person_id</a:t>
-            </a:r>
-            <a:r>
-              <a:rPr lang="en-US" sz="1200" dirty="0">
-                <a:solidFill>
-                  <a:srgbClr val="839496"/>
-                </a:solidFill>
-                <a:latin typeface="Consolas" panose="020B0609020204030204" pitchFamily="49" charset="0"/>
-              </a:rPr>
-              <a:t> </a:t>
-            </a:r>
-            <a:r>
-              <a:rPr lang="en-US" sz="1200" dirty="0">
-                <a:solidFill>
-                  <a:srgbClr val="859900"/>
-                </a:solidFill>
-                <a:latin typeface="Consolas" panose="020B0609020204030204" pitchFamily="49" charset="0"/>
-              </a:rPr>
-              <a:t>=</a:t>
-            </a:r>
-            <a:r>
-              <a:rPr lang="en-US" sz="1200" dirty="0">
-                <a:solidFill>
-                  <a:srgbClr val="839496"/>
-                </a:solidFill>
-                <a:latin typeface="Consolas" panose="020B0609020204030204" pitchFamily="49" charset="0"/>
-              </a:rPr>
-              <a:t> </a:t>
-            </a:r>
-            <a:r>
-              <a:rPr lang="en-US" sz="1200" dirty="0" err="1" smtClean="0">
-                <a:solidFill>
-                  <a:srgbClr val="CB4B16"/>
-                </a:solidFill>
-                <a:latin typeface="Consolas" panose="020B0609020204030204" pitchFamily="49" charset="0"/>
-              </a:rPr>
-              <a:t>pc</a:t>
-            </a:r>
-            <a:r>
-              <a:rPr lang="en-US" sz="1200" dirty="0" err="1" smtClean="0">
-                <a:solidFill>
-                  <a:srgbClr val="839496"/>
-                </a:solidFill>
-                <a:latin typeface="Consolas" panose="020B0609020204030204" pitchFamily="49" charset="0"/>
-              </a:rPr>
-              <a:t>.</a:t>
-            </a:r>
-            <a:r>
-              <a:rPr lang="en-US" sz="1200" dirty="0" err="1" smtClean="0">
-                <a:solidFill>
-                  <a:srgbClr val="CB4B16"/>
-                </a:solidFill>
-                <a:latin typeface="Consolas" panose="020B0609020204030204" pitchFamily="49" charset="0"/>
-              </a:rPr>
-              <a:t>person_id</a:t>
-            </a:r>
-            <a:endParaRPr lang="en-US" dirty="0"/>
-          </a:p>
-          <a:p>
-            <a:pPr marL="231775" lvl="0" indent="-231775" eaLnBrk="0" fontAlgn="base" hangingPunct="0">
-              <a:lnSpc>
-                <a:spcPct val="100000"/>
-              </a:lnSpc>
-              <a:spcBef>
-                <a:spcPct val="0"/>
-              </a:spcBef>
-              <a:spcAft>
-                <a:spcPct val="0"/>
-              </a:spcAft>
-            </a:pPr>
-            <a:endParaRPr lang="en-US" dirty="0" smtClean="0"/>
-          </a:p>
-        </p:txBody>
-      </p:sp>
-      <p:pic>
-        <p:nvPicPr>
-          <p:cNvPr id="7" name="Picture 6"/>
-          <p:cNvPicPr>
-            <a:picLocks noChangeAspect="1"/>
-          </p:cNvPicPr>
-          <p:nvPr/>
-        </p:nvPicPr>
-        <p:blipFill>
-          <a:blip r:embed="rId3"/>
-          <a:stretch>
-            <a:fillRect/>
-          </a:stretch>
-        </p:blipFill>
-        <p:spPr>
-          <a:xfrm>
-            <a:off x="5370344" y="140676"/>
-            <a:ext cx="6668984" cy="6604782"/>
-          </a:xfrm>
-          <a:prstGeom prst="rect">
-            <a:avLst/>
-          </a:prstGeom>
-          <a:ln>
-            <a:noFill/>
-          </a:ln>
-          <a:effectLst>
-            <a:outerShdw blurRad="292100" dist="139700" dir="2700000" algn="tl" rotWithShape="0">
-              <a:srgbClr val="333333">
-                <a:alpha val="65000"/>
-              </a:srgbClr>
-            </a:outerShdw>
-          </a:effectLst>
-        </p:spPr>
-      </p:pic>
-    </p:spTree>
-    <p:extLst>
-      <p:ext uri="{BB962C8B-B14F-4D97-AF65-F5344CB8AC3E}">
-        <p14:creationId xmlns:p14="http://schemas.microsoft.com/office/powerpoint/2010/main" val="103335907"/>
       </p:ext>
     </p:extLst>
   </p:cSld>

--- a/publications/presentation-2022-04-geroscience/beasley-2022-04-n3c-geroscience.pptx
+++ b/publications/presentation-2022-04-geroscience/beasley-2022-04-n3c-geroscience.pptx
@@ -5,28 +5,27 @@
     <p:sldMasterId id="2147483648" r:id="rId1"/>
   </p:sldMasterIdLst>
   <p:notesMasterIdLst>
-    <p:notesMasterId r:id="rId21"/>
+    <p:notesMasterId r:id="rId20"/>
   </p:notesMasterIdLst>
   <p:sldIdLst>
     <p:sldId id="292" r:id="rId2"/>
     <p:sldId id="382" r:id="rId3"/>
     <p:sldId id="381" r:id="rId4"/>
     <p:sldId id="368" r:id="rId5"/>
-    <p:sldId id="383" r:id="rId6"/>
-    <p:sldId id="369" r:id="rId7"/>
-    <p:sldId id="371" r:id="rId8"/>
-    <p:sldId id="373" r:id="rId9"/>
-    <p:sldId id="372" r:id="rId10"/>
-    <p:sldId id="374" r:id="rId11"/>
-    <p:sldId id="375" r:id="rId12"/>
-    <p:sldId id="377" r:id="rId13"/>
-    <p:sldId id="378" r:id="rId14"/>
-    <p:sldId id="379" r:id="rId15"/>
-    <p:sldId id="380" r:id="rId16"/>
-    <p:sldId id="376" r:id="rId17"/>
-    <p:sldId id="370" r:id="rId18"/>
-    <p:sldId id="367" r:id="rId19"/>
-    <p:sldId id="296" r:id="rId20"/>
+    <p:sldId id="369" r:id="rId6"/>
+    <p:sldId id="371" r:id="rId7"/>
+    <p:sldId id="373" r:id="rId8"/>
+    <p:sldId id="372" r:id="rId9"/>
+    <p:sldId id="374" r:id="rId10"/>
+    <p:sldId id="375" r:id="rId11"/>
+    <p:sldId id="377" r:id="rId12"/>
+    <p:sldId id="378" r:id="rId13"/>
+    <p:sldId id="379" r:id="rId14"/>
+    <p:sldId id="380" r:id="rId15"/>
+    <p:sldId id="376" r:id="rId16"/>
+    <p:sldId id="370" r:id="rId17"/>
+    <p:sldId id="367" r:id="rId18"/>
+    <p:sldId id="296" r:id="rId19"/>
   </p:sldIdLst>
   <p:sldSz cx="12192000" cy="6858000"/>
   <p:notesSz cx="6858000" cy="9144000"/>
@@ -669,7 +668,7 @@
           <a:p>
             <a:fld id="{372B4D55-8C27-4C2C-B1CD-E79AEC43B316}" type="slidenum">
               <a:rPr lang="en-US" smtClean="0"/>
-              <a:t>16</a:t>
+              <a:t>15</a:t>
             </a:fld>
             <a:endParaRPr lang="en-US"/>
           </a:p>
@@ -778,7 +777,7 @@
           <a:p>
             <a:fld id="{372B4D55-8C27-4C2C-B1CD-E79AEC43B316}" type="slidenum">
               <a:rPr lang="en-US" smtClean="0"/>
-              <a:t>17</a:t>
+              <a:t>16</a:t>
             </a:fld>
             <a:endParaRPr lang="en-US"/>
           </a:p>
@@ -867,7 +866,7 @@
                 </a:solidFill>
               </a:rPr>
               <a:pPr/>
-              <a:t>18</a:t>
+              <a:t>17</a:t>
             </a:fld>
             <a:endParaRPr lang="en-US">
               <a:solidFill>
@@ -955,7 +954,7 @@
           <a:p>
             <a:fld id="{372B4D55-8C27-4C2C-B1CD-E79AEC43B316}" type="slidenum">
               <a:rPr lang="en-US" smtClean="0"/>
-              <a:t>8</a:t>
+              <a:t>7</a:t>
             </a:fld>
             <a:endParaRPr lang="en-US"/>
           </a:p>
@@ -1039,7 +1038,7 @@
           <a:p>
             <a:fld id="{372B4D55-8C27-4C2C-B1CD-E79AEC43B316}" type="slidenum">
               <a:rPr lang="en-US" smtClean="0"/>
-              <a:t>9</a:t>
+              <a:t>8</a:t>
             </a:fld>
             <a:endParaRPr lang="en-US"/>
           </a:p>
@@ -1123,7 +1122,7 @@
           <a:p>
             <a:fld id="{372B4D55-8C27-4C2C-B1CD-E79AEC43B316}" type="slidenum">
               <a:rPr lang="en-US" smtClean="0"/>
-              <a:t>10</a:t>
+              <a:t>9</a:t>
             </a:fld>
             <a:endParaRPr lang="en-US"/>
           </a:p>
@@ -1207,7 +1206,7 @@
           <a:p>
             <a:fld id="{372B4D55-8C27-4C2C-B1CD-E79AEC43B316}" type="slidenum">
               <a:rPr lang="en-US" smtClean="0"/>
-              <a:t>11</a:t>
+              <a:t>10</a:t>
             </a:fld>
             <a:endParaRPr lang="en-US"/>
           </a:p>
@@ -1291,7 +1290,7 @@
           <a:p>
             <a:fld id="{372B4D55-8C27-4C2C-B1CD-E79AEC43B316}" type="slidenum">
               <a:rPr lang="en-US" smtClean="0"/>
-              <a:t>12</a:t>
+              <a:t>11</a:t>
             </a:fld>
             <a:endParaRPr lang="en-US"/>
           </a:p>
@@ -1375,7 +1374,7 @@
           <a:p>
             <a:fld id="{372B4D55-8C27-4C2C-B1CD-E79AEC43B316}" type="slidenum">
               <a:rPr lang="en-US" smtClean="0"/>
-              <a:t>13</a:t>
+              <a:t>12</a:t>
             </a:fld>
             <a:endParaRPr lang="en-US"/>
           </a:p>
@@ -1459,7 +1458,7 @@
           <a:p>
             <a:fld id="{372B4D55-8C27-4C2C-B1CD-E79AEC43B316}" type="slidenum">
               <a:rPr lang="en-US" smtClean="0"/>
-              <a:t>14</a:t>
+              <a:t>13</a:t>
             </a:fld>
             <a:endParaRPr lang="en-US"/>
           </a:p>
@@ -1543,7 +1542,7 @@
           <a:p>
             <a:fld id="{372B4D55-8C27-4C2C-B1CD-E79AEC43B316}" type="slidenum">
               <a:rPr lang="en-US" smtClean="0"/>
-              <a:t>15</a:t>
+              <a:t>14</a:t>
             </a:fld>
             <a:endParaRPr lang="en-US"/>
           </a:p>
@@ -4924,619 +4923,6 @@
           <a:p>
             <a:r>
               <a:rPr lang="en-US" dirty="0" smtClean="0"/>
-              <a:t>Designate Covid</a:t>
-            </a:r>
-            <a:endParaRPr lang="en-US" dirty="0"/>
-          </a:p>
-        </p:txBody>
-      </p:sp>
-      <p:sp>
-        <p:nvSpPr>
-          <p:cNvPr id="3" name="Content Placeholder 2"/>
-          <p:cNvSpPr>
-            <a:spLocks noGrp="1"/>
-          </p:cNvSpPr>
-          <p:nvPr>
-            <p:ph idx="1"/>
-          </p:nvPr>
-        </p:nvSpPr>
-        <p:spPr>
-          <a:xfrm>
-            <a:off x="0" y="1144590"/>
-            <a:ext cx="12192000" cy="5713410"/>
-          </a:xfrm>
-        </p:spPr>
-        <p:txBody>
-          <a:bodyPr>
-            <a:normAutofit/>
-          </a:bodyPr>
-          <a:lstStyle/>
-          <a:p>
-            <a:pPr marL="231775" lvl="0" indent="-231775" eaLnBrk="0" fontAlgn="base" hangingPunct="0">
-              <a:lnSpc>
-                <a:spcPct val="100000"/>
-              </a:lnSpc>
-              <a:spcBef>
-                <a:spcPct val="0"/>
-              </a:spcBef>
-              <a:spcAft>
-                <a:spcPct val="0"/>
-              </a:spcAft>
-            </a:pPr>
-            <a:r>
-              <a:rPr lang="en-US" dirty="0" smtClean="0"/>
-              <a:t>2</a:t>
-            </a:r>
-            <a:r>
-              <a:rPr lang="en-US" baseline="30000" dirty="0" smtClean="0"/>
-              <a:t>nd</a:t>
-            </a:r>
-            <a:r>
-              <a:rPr lang="en-US" dirty="0" smtClean="0"/>
-              <a:t> iteration: include characteristics</a:t>
-            </a:r>
-          </a:p>
-          <a:p>
-            <a:pPr marL="231775" lvl="0" indent="-231775" eaLnBrk="0" fontAlgn="base" hangingPunct="0">
-              <a:lnSpc>
-                <a:spcPct val="100000"/>
-              </a:lnSpc>
-              <a:spcBef>
-                <a:spcPct val="0"/>
-              </a:spcBef>
-              <a:spcAft>
-                <a:spcPct val="0"/>
-              </a:spcAft>
-            </a:pPr>
-            <a:endParaRPr lang="en-US" dirty="0" smtClean="0"/>
-          </a:p>
-          <a:p>
-            <a:pPr marL="231775" lvl="0" indent="-231775" eaLnBrk="0" fontAlgn="base" hangingPunct="0">
-              <a:lnSpc>
-                <a:spcPct val="100000"/>
-              </a:lnSpc>
-              <a:spcBef>
-                <a:spcPct val="0"/>
-              </a:spcBef>
-              <a:spcAft>
-                <a:spcPct val="0"/>
-              </a:spcAft>
-            </a:pPr>
-            <a:endParaRPr lang="en-US" dirty="0" smtClean="0"/>
-          </a:p>
-          <a:p>
-            <a:pPr marL="0" indent="0">
-              <a:buNone/>
-            </a:pPr>
-            <a:r>
-              <a:rPr lang="en-US" sz="2000" dirty="0" smtClean="0">
-                <a:solidFill>
-                  <a:srgbClr val="859900"/>
-                </a:solidFill>
-                <a:latin typeface="Consolas" panose="020B0609020204030204" pitchFamily="49" charset="0"/>
-              </a:rPr>
-              <a:t>SELECT</a:t>
-            </a:r>
-            <a:r>
-              <a:rPr lang="en-US" sz="2000" dirty="0" smtClean="0">
-                <a:solidFill>
-                  <a:srgbClr val="839496"/>
-                </a:solidFill>
-                <a:latin typeface="Consolas" panose="020B0609020204030204" pitchFamily="49" charset="0"/>
-              </a:rPr>
-              <a:t> </a:t>
-            </a:r>
-          </a:p>
-          <a:p>
-            <a:pPr marL="0" indent="0">
-              <a:buNone/>
-            </a:pPr>
-            <a:r>
-              <a:rPr lang="en-US" sz="2000" dirty="0" smtClean="0">
-                <a:solidFill>
-                  <a:srgbClr val="839496"/>
-                </a:solidFill>
-                <a:latin typeface="Consolas" panose="020B0609020204030204" pitchFamily="49" charset="0"/>
-              </a:rPr>
-              <a:t>    </a:t>
-            </a:r>
-            <a:r>
-              <a:rPr lang="en-US" sz="2000" dirty="0" err="1" smtClean="0">
-                <a:solidFill>
-                  <a:srgbClr val="839496"/>
-                </a:solidFill>
-                <a:latin typeface="Consolas" panose="020B0609020204030204" pitchFamily="49" charset="0"/>
-              </a:rPr>
-              <a:t>person_id</a:t>
-            </a:r>
-            <a:endParaRPr lang="en-US" sz="2000" dirty="0" smtClean="0">
-              <a:solidFill>
-                <a:srgbClr val="839496"/>
-              </a:solidFill>
-              <a:latin typeface="Consolas" panose="020B0609020204030204" pitchFamily="49" charset="0"/>
-            </a:endParaRPr>
-          </a:p>
-          <a:p>
-            <a:pPr marL="0" indent="0">
-              <a:buNone/>
-            </a:pPr>
-            <a:r>
-              <a:rPr lang="en-US" sz="2000" dirty="0" smtClean="0">
-                <a:solidFill>
-                  <a:srgbClr val="839496"/>
-                </a:solidFill>
-                <a:latin typeface="Consolas" panose="020B0609020204030204" pitchFamily="49" charset="0"/>
-              </a:rPr>
-              <a:t>    ,</a:t>
-            </a:r>
-            <a:r>
-              <a:rPr lang="en-US" sz="2000" dirty="0" smtClean="0">
-                <a:solidFill>
-                  <a:srgbClr val="268BD2"/>
-                </a:solidFill>
-                <a:latin typeface="Consolas" panose="020B0609020204030204" pitchFamily="49" charset="0"/>
-              </a:rPr>
-              <a:t>min</a:t>
-            </a:r>
-            <a:r>
-              <a:rPr lang="en-US" sz="2000" dirty="0" smtClean="0">
-                <a:solidFill>
-                  <a:srgbClr val="839496"/>
-                </a:solidFill>
-                <a:latin typeface="Consolas" panose="020B0609020204030204" pitchFamily="49" charset="0"/>
-              </a:rPr>
-              <a:t>(</a:t>
-            </a:r>
-            <a:r>
-              <a:rPr lang="en-US" sz="2000" dirty="0" err="1" smtClean="0">
-                <a:solidFill>
-                  <a:srgbClr val="839496"/>
-                </a:solidFill>
-                <a:latin typeface="Consolas" panose="020B0609020204030204" pitchFamily="49" charset="0"/>
-              </a:rPr>
-              <a:t>condition_start_date</a:t>
-            </a:r>
-            <a:r>
-              <a:rPr lang="en-US" sz="2000" dirty="0" smtClean="0">
-                <a:solidFill>
-                  <a:srgbClr val="839496"/>
-                </a:solidFill>
-                <a:latin typeface="Consolas" panose="020B0609020204030204" pitchFamily="49" charset="0"/>
-              </a:rPr>
-              <a:t>) </a:t>
-            </a:r>
-            <a:r>
-              <a:rPr lang="en-US" sz="2000" dirty="0" smtClean="0">
-                <a:solidFill>
-                  <a:srgbClr val="859900"/>
-                </a:solidFill>
-                <a:latin typeface="Consolas" panose="020B0609020204030204" pitchFamily="49" charset="0"/>
-              </a:rPr>
-              <a:t>as</a:t>
-            </a:r>
-            <a:r>
-              <a:rPr lang="en-US" sz="2000" dirty="0" smtClean="0">
-                <a:solidFill>
-                  <a:srgbClr val="839496"/>
-                </a:solidFill>
-                <a:latin typeface="Consolas" panose="020B0609020204030204" pitchFamily="49" charset="0"/>
-              </a:rPr>
-              <a:t> </a:t>
-            </a:r>
-            <a:r>
-              <a:rPr lang="en-US" sz="2000" dirty="0" err="1" smtClean="0">
-                <a:solidFill>
-                  <a:srgbClr val="839496"/>
-                </a:solidFill>
-                <a:latin typeface="Consolas" panose="020B0609020204030204" pitchFamily="49" charset="0"/>
-              </a:rPr>
-              <a:t>dx_first</a:t>
-            </a:r>
-            <a:endParaRPr lang="en-US" sz="2000" dirty="0" smtClean="0">
-              <a:solidFill>
-                <a:srgbClr val="839496"/>
-              </a:solidFill>
-              <a:latin typeface="Consolas" panose="020B0609020204030204" pitchFamily="49" charset="0"/>
-            </a:endParaRPr>
-          </a:p>
-          <a:p>
-            <a:pPr marL="0" indent="0">
-              <a:buNone/>
-            </a:pPr>
-            <a:r>
-              <a:rPr lang="en-US" sz="2000" dirty="0" smtClean="0">
-                <a:solidFill>
-                  <a:srgbClr val="839496"/>
-                </a:solidFill>
-                <a:latin typeface="Consolas" panose="020B0609020204030204" pitchFamily="49" charset="0"/>
-              </a:rPr>
-              <a:t>    ,</a:t>
-            </a:r>
-            <a:r>
-              <a:rPr lang="en-US" sz="2000" dirty="0" smtClean="0">
-                <a:solidFill>
-                  <a:srgbClr val="268BD2"/>
-                </a:solidFill>
-                <a:latin typeface="Consolas" panose="020B0609020204030204" pitchFamily="49" charset="0"/>
-              </a:rPr>
-              <a:t>max</a:t>
-            </a:r>
-            <a:r>
-              <a:rPr lang="en-US" sz="2000" dirty="0" smtClean="0">
-                <a:solidFill>
-                  <a:srgbClr val="839496"/>
-                </a:solidFill>
-                <a:latin typeface="Consolas" panose="020B0609020204030204" pitchFamily="49" charset="0"/>
-              </a:rPr>
-              <a:t>(</a:t>
-            </a:r>
-            <a:r>
-              <a:rPr lang="en-US" sz="2000" dirty="0" err="1" smtClean="0">
-                <a:solidFill>
-                  <a:srgbClr val="839496"/>
-                </a:solidFill>
-                <a:latin typeface="Consolas" panose="020B0609020204030204" pitchFamily="49" charset="0"/>
-              </a:rPr>
-              <a:t>condition_start_date</a:t>
-            </a:r>
-            <a:r>
-              <a:rPr lang="en-US" sz="2000" dirty="0" smtClean="0">
-                <a:solidFill>
-                  <a:srgbClr val="839496"/>
-                </a:solidFill>
-                <a:latin typeface="Consolas" panose="020B0609020204030204" pitchFamily="49" charset="0"/>
-              </a:rPr>
-              <a:t>) </a:t>
-            </a:r>
-            <a:r>
-              <a:rPr lang="en-US" sz="2000" dirty="0" smtClean="0">
-                <a:solidFill>
-                  <a:srgbClr val="859900"/>
-                </a:solidFill>
-                <a:latin typeface="Consolas" panose="020B0609020204030204" pitchFamily="49" charset="0"/>
-              </a:rPr>
-              <a:t>as</a:t>
-            </a:r>
-            <a:r>
-              <a:rPr lang="en-US" sz="2000" dirty="0" smtClean="0">
-                <a:solidFill>
-                  <a:srgbClr val="839496"/>
-                </a:solidFill>
-                <a:latin typeface="Consolas" panose="020B0609020204030204" pitchFamily="49" charset="0"/>
-              </a:rPr>
-              <a:t> </a:t>
-            </a:r>
-            <a:r>
-              <a:rPr lang="en-US" sz="2000" dirty="0" err="1" smtClean="0">
-                <a:solidFill>
-                  <a:srgbClr val="839496"/>
-                </a:solidFill>
-                <a:latin typeface="Consolas" panose="020B0609020204030204" pitchFamily="49" charset="0"/>
-              </a:rPr>
-              <a:t>dx_last</a:t>
-            </a:r>
-            <a:endParaRPr lang="en-US" sz="2000" dirty="0" smtClean="0">
-              <a:solidFill>
-                <a:srgbClr val="839496"/>
-              </a:solidFill>
-              <a:latin typeface="Consolas" panose="020B0609020204030204" pitchFamily="49" charset="0"/>
-            </a:endParaRPr>
-          </a:p>
-          <a:p>
-            <a:pPr marL="0" indent="0">
-              <a:buNone/>
-            </a:pPr>
-            <a:r>
-              <a:rPr lang="en-US" sz="2000" dirty="0" smtClean="0">
-                <a:solidFill>
-                  <a:srgbClr val="859900"/>
-                </a:solidFill>
-                <a:latin typeface="Consolas" panose="020B0609020204030204" pitchFamily="49" charset="0"/>
-              </a:rPr>
-              <a:t>FROM</a:t>
-            </a:r>
-            <a:r>
-              <a:rPr lang="en-US" sz="2000" dirty="0" smtClean="0">
-                <a:solidFill>
-                  <a:srgbClr val="839496"/>
-                </a:solidFill>
-                <a:latin typeface="Consolas" panose="020B0609020204030204" pitchFamily="49" charset="0"/>
-              </a:rPr>
-              <a:t> </a:t>
-            </a:r>
-            <a:r>
-              <a:rPr lang="en-US" sz="2000" dirty="0" err="1" smtClean="0">
-                <a:solidFill>
-                  <a:srgbClr val="839496"/>
-                </a:solidFill>
-                <a:latin typeface="Consolas" panose="020B0609020204030204" pitchFamily="49" charset="0"/>
-              </a:rPr>
-              <a:t>condition_occurrence</a:t>
-            </a:r>
-            <a:endParaRPr lang="en-US" sz="2000" dirty="0" smtClean="0">
-              <a:solidFill>
-                <a:srgbClr val="839496"/>
-              </a:solidFill>
-              <a:latin typeface="Consolas" panose="020B0609020204030204" pitchFamily="49" charset="0"/>
-            </a:endParaRPr>
-          </a:p>
-          <a:p>
-            <a:pPr marL="0" indent="0">
-              <a:buNone/>
-            </a:pPr>
-            <a:r>
-              <a:rPr lang="en-US" sz="2000" dirty="0" smtClean="0">
-                <a:solidFill>
-                  <a:srgbClr val="859900"/>
-                </a:solidFill>
-                <a:latin typeface="Consolas" panose="020B0609020204030204" pitchFamily="49" charset="0"/>
-              </a:rPr>
-              <a:t>WHERE</a:t>
-            </a:r>
-            <a:r>
-              <a:rPr lang="en-US" sz="2000" dirty="0" smtClean="0">
-                <a:solidFill>
-                  <a:srgbClr val="839496"/>
-                </a:solidFill>
-                <a:latin typeface="Consolas" panose="020B0609020204030204" pitchFamily="49" charset="0"/>
-              </a:rPr>
-              <a:t> </a:t>
-            </a:r>
-          </a:p>
-          <a:p>
-            <a:pPr marL="0" indent="0">
-              <a:buNone/>
-            </a:pPr>
-            <a:r>
-              <a:rPr lang="en-US" sz="2000" dirty="0" smtClean="0">
-                <a:solidFill>
-                  <a:srgbClr val="839496"/>
-                </a:solidFill>
-                <a:latin typeface="Consolas" panose="020B0609020204030204" pitchFamily="49" charset="0"/>
-              </a:rPr>
-              <a:t>    </a:t>
-            </a:r>
-            <a:r>
-              <a:rPr lang="en-US" sz="2000" dirty="0" err="1" smtClean="0">
-                <a:solidFill>
-                  <a:srgbClr val="839496"/>
-                </a:solidFill>
-                <a:latin typeface="Consolas" panose="020B0609020204030204" pitchFamily="49" charset="0"/>
-              </a:rPr>
-              <a:t>condition_concept_id</a:t>
-            </a:r>
-            <a:r>
-              <a:rPr lang="en-US" sz="2000" dirty="0" smtClean="0">
-                <a:solidFill>
-                  <a:srgbClr val="839496"/>
-                </a:solidFill>
-                <a:latin typeface="Consolas" panose="020B0609020204030204" pitchFamily="49" charset="0"/>
-              </a:rPr>
-              <a:t> </a:t>
-            </a:r>
-            <a:r>
-              <a:rPr lang="en-US" sz="2000" dirty="0" smtClean="0">
-                <a:solidFill>
-                  <a:srgbClr val="859900"/>
-                </a:solidFill>
-                <a:latin typeface="Consolas" panose="020B0609020204030204" pitchFamily="49" charset="0"/>
-              </a:rPr>
-              <a:t>=</a:t>
-            </a:r>
-            <a:r>
-              <a:rPr lang="en-US" sz="2000" dirty="0" smtClean="0">
-                <a:solidFill>
-                  <a:srgbClr val="839496"/>
-                </a:solidFill>
-                <a:latin typeface="Consolas" panose="020B0609020204030204" pitchFamily="49" charset="0"/>
-              </a:rPr>
-              <a:t> </a:t>
-            </a:r>
-            <a:r>
-              <a:rPr lang="en-US" sz="2000" dirty="0" smtClean="0">
-                <a:solidFill>
-                  <a:srgbClr val="2AA198"/>
-                </a:solidFill>
-                <a:latin typeface="Consolas" panose="020B0609020204030204" pitchFamily="49" charset="0"/>
-              </a:rPr>
-              <a:t>'37311061'</a:t>
-            </a:r>
-            <a:endParaRPr lang="en-US" sz="2000" dirty="0" smtClean="0">
-              <a:solidFill>
-                <a:srgbClr val="839496"/>
-              </a:solidFill>
-              <a:latin typeface="Consolas" panose="020B0609020204030204" pitchFamily="49" charset="0"/>
-            </a:endParaRPr>
-          </a:p>
-          <a:p>
-            <a:pPr marL="0" indent="0">
-              <a:buNone/>
-            </a:pPr>
-            <a:r>
-              <a:rPr lang="en-US" sz="2000" dirty="0" smtClean="0">
-                <a:solidFill>
-                  <a:srgbClr val="859900"/>
-                </a:solidFill>
-                <a:latin typeface="Consolas" panose="020B0609020204030204" pitchFamily="49" charset="0"/>
-              </a:rPr>
-              <a:t>GROUP BY</a:t>
-            </a:r>
-            <a:r>
-              <a:rPr lang="en-US" sz="2000" dirty="0" smtClean="0">
-                <a:solidFill>
-                  <a:srgbClr val="839496"/>
-                </a:solidFill>
-                <a:latin typeface="Consolas" panose="020B0609020204030204" pitchFamily="49" charset="0"/>
-              </a:rPr>
-              <a:t> </a:t>
-            </a:r>
-            <a:r>
-              <a:rPr lang="en-US" sz="2000" dirty="0" err="1" smtClean="0">
-                <a:solidFill>
-                  <a:srgbClr val="839496"/>
-                </a:solidFill>
-                <a:latin typeface="Consolas" panose="020B0609020204030204" pitchFamily="49" charset="0"/>
-              </a:rPr>
-              <a:t>person_id</a:t>
-            </a:r>
-            <a:endParaRPr lang="en-US" sz="2000" dirty="0" smtClean="0">
-              <a:solidFill>
-                <a:srgbClr val="839496"/>
-              </a:solidFill>
-              <a:latin typeface="Consolas" panose="020B0609020204030204" pitchFamily="49" charset="0"/>
-            </a:endParaRPr>
-          </a:p>
-          <a:p>
-            <a:pPr marL="231775" lvl="0" indent="-231775" eaLnBrk="0" fontAlgn="base" hangingPunct="0">
-              <a:lnSpc>
-                <a:spcPct val="100000"/>
-              </a:lnSpc>
-              <a:spcBef>
-                <a:spcPct val="0"/>
-              </a:spcBef>
-              <a:spcAft>
-                <a:spcPct val="0"/>
-              </a:spcAft>
-            </a:pPr>
-            <a:endParaRPr lang="en-US" dirty="0" smtClean="0"/>
-          </a:p>
-          <a:p>
-            <a:pPr marL="231775" lvl="0" indent="-231775" eaLnBrk="0" fontAlgn="base" hangingPunct="0">
-              <a:lnSpc>
-                <a:spcPct val="100000"/>
-              </a:lnSpc>
-              <a:spcBef>
-                <a:spcPct val="0"/>
-              </a:spcBef>
-              <a:spcAft>
-                <a:spcPct val="0"/>
-              </a:spcAft>
-            </a:pPr>
-            <a:endParaRPr lang="en-US" dirty="0" smtClean="0"/>
-          </a:p>
-          <a:p>
-            <a:pPr marL="231775" lvl="0" indent="-231775" eaLnBrk="0" fontAlgn="base" hangingPunct="0">
-              <a:lnSpc>
-                <a:spcPct val="100000"/>
-              </a:lnSpc>
-              <a:spcBef>
-                <a:spcPct val="0"/>
-              </a:spcBef>
-              <a:spcAft>
-                <a:spcPct val="0"/>
-              </a:spcAft>
-            </a:pPr>
-            <a:endParaRPr lang="en-US" dirty="0"/>
-          </a:p>
-          <a:p>
-            <a:pPr marL="231775" lvl="0" indent="-231775" eaLnBrk="0" fontAlgn="base" hangingPunct="0">
-              <a:lnSpc>
-                <a:spcPct val="100000"/>
-              </a:lnSpc>
-              <a:spcBef>
-                <a:spcPct val="0"/>
-              </a:spcBef>
-              <a:spcAft>
-                <a:spcPct val="0"/>
-              </a:spcAft>
-            </a:pPr>
-            <a:endParaRPr lang="en-US" dirty="0" smtClean="0"/>
-          </a:p>
-        </p:txBody>
-      </p:sp>
-      <p:pic>
-        <p:nvPicPr>
-          <p:cNvPr id="4" name="Picture 3"/>
-          <p:cNvPicPr>
-            <a:picLocks noChangeAspect="1"/>
-          </p:cNvPicPr>
-          <p:nvPr/>
-        </p:nvPicPr>
-        <p:blipFill>
-          <a:blip r:embed="rId3"/>
-          <a:stretch>
-            <a:fillRect/>
-          </a:stretch>
-        </p:blipFill>
-        <p:spPr>
-          <a:xfrm>
-            <a:off x="6478026" y="315644"/>
-            <a:ext cx="5200650" cy="6057900"/>
-          </a:xfrm>
-          <a:prstGeom prst="rect">
-            <a:avLst/>
-          </a:prstGeom>
-          <a:ln>
-            <a:noFill/>
-          </a:ln>
-          <a:effectLst>
-            <a:outerShdw blurRad="292100" dist="139700" dir="2700000" algn="tl" rotWithShape="0">
-              <a:srgbClr val="333333">
-                <a:alpha val="65000"/>
-              </a:srgbClr>
-            </a:outerShdw>
-          </a:effectLst>
-        </p:spPr>
-      </p:pic>
-    </p:spTree>
-    <p:extLst>
-      <p:ext uri="{BB962C8B-B14F-4D97-AF65-F5344CB8AC3E}">
-        <p14:creationId xmlns:p14="http://schemas.microsoft.com/office/powerpoint/2010/main" val="332465850"/>
-      </p:ext>
-    </p:extLst>
-  </p:cSld>
-  <p:clrMapOvr>
-    <a:masterClrMapping/>
-  </p:clrMapOvr>
-  <p:timing>
-    <p:tnLst>
-      <p:par>
-        <p:cTn id="1" dur="indefinite" restart="never" nodeType="tmRoot"/>
-      </p:par>
-    </p:tnLst>
-  </p:timing>
-</p:sld>
-</file>
-
-<file path=ppt/slides/slide11.xml><?xml version="1.0" encoding="utf-8"?>
-<p:sld xmlns:a="http://schemas.openxmlformats.org/drawingml/2006/main" xmlns:r="http://schemas.openxmlformats.org/officeDocument/2006/relationships" xmlns:p="http://schemas.openxmlformats.org/presentationml/2006/main">
-  <p:cSld>
-    <p:spTree>
-      <p:nvGrpSpPr>
-        <p:cNvPr id="1" name=""/>
-        <p:cNvGrpSpPr/>
-        <p:nvPr/>
-      </p:nvGrpSpPr>
-      <p:grpSpPr>
-        <a:xfrm>
-          <a:off x="0" y="0"/>
-          <a:ext cx="0" cy="0"/>
-          <a:chOff x="0" y="0"/>
-          <a:chExt cx="0" cy="0"/>
-        </a:xfrm>
-      </p:grpSpPr>
-      <p:sp>
-        <p:nvSpPr>
-          <p:cNvPr id="2" name="Title 1"/>
-          <p:cNvSpPr>
-            <a:spLocks noGrp="1"/>
-          </p:cNvSpPr>
-          <p:nvPr>
-            <p:ph type="title"/>
-          </p:nvPr>
-        </p:nvSpPr>
-        <p:spPr>
-          <a:xfrm>
-            <a:off x="0" y="0"/>
-            <a:ext cx="10515600" cy="1144589"/>
-          </a:xfrm>
-        </p:spPr>
-        <p:txBody>
-          <a:bodyPr/>
-          <a:lstStyle/>
-          <a:p>
-            <a:r>
-              <a:rPr lang="en-US" dirty="0" smtClean="0"/>
               <a:t>Isolate Comorbidities</a:t>
             </a:r>
             <a:endParaRPr lang="en-US" dirty="0"/>
@@ -6476,6 +5862,48 @@
           </a:effectLst>
         </p:spPr>
       </p:pic>
+      <p:sp>
+        <p:nvSpPr>
+          <p:cNvPr id="7" name="TextBox 6"/>
+          <p:cNvSpPr txBox="1"/>
+          <p:nvPr/>
+        </p:nvSpPr>
+        <p:spPr>
+          <a:xfrm>
+            <a:off x="9468177" y="6488668"/>
+            <a:ext cx="2723823" cy="369332"/>
+          </a:xfrm>
+          <a:prstGeom prst="rect">
+            <a:avLst/>
+          </a:prstGeom>
+          <a:noFill/>
+        </p:spPr>
+        <p:txBody>
+          <a:bodyPr wrap="none" rtlCol="0">
+            <a:spAutoFit/>
+          </a:bodyPr>
+          <a:lstStyle/>
+          <a:p>
+            <a:r>
+              <a:rPr lang="en-US" dirty="0" smtClean="0">
+                <a:solidFill>
+                  <a:schemeClr val="bg1">
+                    <a:lumMod val="65000"/>
+                  </a:schemeClr>
+                </a:solidFill>
+              </a:rPr>
+              <a:t>synthetic/fake patient data</a:t>
+            </a:r>
+            <a:endParaRPr lang="en-US" dirty="0">
+              <a:solidFill>
+                <a:schemeClr val="bg1">
+                  <a:lumMod val="65000"/>
+                </a:schemeClr>
+              </a:solidFill>
+            </a:endParaRPr>
+          </a:p>
+        </p:txBody>
+      </p:sp>
     </p:spTree>
     <p:extLst>
       <p:ext uri="{BB962C8B-B14F-4D97-AF65-F5344CB8AC3E}">
@@ -6496,7 +5924,7 @@
 </p:sld>
 </file>
 
-<file path=ppt/slides/slide12.xml><?xml version="1.0" encoding="utf-8"?>
+<file path=ppt/slides/slide11.xml><?xml version="1.0" encoding="utf-8"?>
 <p:sld xmlns:a="http://schemas.openxmlformats.org/drawingml/2006/main" xmlns:r="http://schemas.openxmlformats.org/officeDocument/2006/relationships" xmlns:p="http://schemas.openxmlformats.org/presentationml/2006/main">
   <p:cSld>
     <p:spTree>
@@ -7502,6 +6930,48 @@
           </a:effectLst>
         </p:spPr>
       </p:pic>
+      <p:sp>
+        <p:nvSpPr>
+          <p:cNvPr id="8" name="TextBox 7"/>
+          <p:cNvSpPr txBox="1"/>
+          <p:nvPr/>
+        </p:nvSpPr>
+        <p:spPr>
+          <a:xfrm>
+            <a:off x="9315505" y="6432397"/>
+            <a:ext cx="2723823" cy="369332"/>
+          </a:xfrm>
+          <a:prstGeom prst="rect">
+            <a:avLst/>
+          </a:prstGeom>
+          <a:noFill/>
+        </p:spPr>
+        <p:txBody>
+          <a:bodyPr wrap="none" rtlCol="0">
+            <a:spAutoFit/>
+          </a:bodyPr>
+          <a:lstStyle/>
+          <a:p>
+            <a:r>
+              <a:rPr lang="en-US" dirty="0" smtClean="0">
+                <a:solidFill>
+                  <a:schemeClr val="bg1">
+                    <a:lumMod val="65000"/>
+                  </a:schemeClr>
+                </a:solidFill>
+              </a:rPr>
+              <a:t>synthetic/fake patient data</a:t>
+            </a:r>
+            <a:endParaRPr lang="en-US" dirty="0">
+              <a:solidFill>
+                <a:schemeClr val="bg1">
+                  <a:lumMod val="65000"/>
+                </a:schemeClr>
+              </a:solidFill>
+            </a:endParaRPr>
+          </a:p>
+        </p:txBody>
+      </p:sp>
     </p:spTree>
     <p:extLst>
       <p:ext uri="{BB962C8B-B14F-4D97-AF65-F5344CB8AC3E}">
@@ -7522,7 +6992,7 @@
 </p:sld>
 </file>
 
-<file path=ppt/slides/slide13.xml><?xml version="1.0" encoding="utf-8"?>
+<file path=ppt/slides/slide12.xml><?xml version="1.0" encoding="utf-8"?>
 <p:sld xmlns:a="http://schemas.openxmlformats.org/drawingml/2006/main" xmlns:r="http://schemas.openxmlformats.org/officeDocument/2006/relationships" xmlns:p="http://schemas.openxmlformats.org/presentationml/2006/main">
   <p:cSld>
     <p:spTree>
@@ -7708,7 +7178,7 @@
 </p:sld>
 </file>
 
-<file path=ppt/slides/slide14.xml><?xml version="1.0" encoding="utf-8"?>
+<file path=ppt/slides/slide13.xml><?xml version="1.0" encoding="utf-8"?>
 <p:sld xmlns:a="http://schemas.openxmlformats.org/drawingml/2006/main" xmlns:r="http://schemas.openxmlformats.org/officeDocument/2006/relationships" xmlns:p="http://schemas.openxmlformats.org/presentationml/2006/main">
   <p:cSld>
     <p:spTree>
@@ -8634,6 +8104,48 @@
           </a:p>
         </p:txBody>
       </p:sp>
+      <p:sp>
+        <p:nvSpPr>
+          <p:cNvPr id="7" name="TextBox 6"/>
+          <p:cNvSpPr txBox="1"/>
+          <p:nvPr/>
+        </p:nvSpPr>
+        <p:spPr>
+          <a:xfrm>
+            <a:off x="9563100" y="6488668"/>
+            <a:ext cx="2723823" cy="369332"/>
+          </a:xfrm>
+          <a:prstGeom prst="rect">
+            <a:avLst/>
+          </a:prstGeom>
+          <a:noFill/>
+        </p:spPr>
+        <p:txBody>
+          <a:bodyPr wrap="none" rtlCol="0">
+            <a:spAutoFit/>
+          </a:bodyPr>
+          <a:lstStyle/>
+          <a:p>
+            <a:r>
+              <a:rPr lang="en-US" dirty="0" smtClean="0">
+                <a:solidFill>
+                  <a:schemeClr val="bg1">
+                    <a:lumMod val="65000"/>
+                  </a:schemeClr>
+                </a:solidFill>
+              </a:rPr>
+              <a:t>synthetic/fake patient data</a:t>
+            </a:r>
+            <a:endParaRPr lang="en-US" dirty="0">
+              <a:solidFill>
+                <a:schemeClr val="bg1">
+                  <a:lumMod val="65000"/>
+                </a:schemeClr>
+              </a:solidFill>
+            </a:endParaRPr>
+          </a:p>
+        </p:txBody>
+      </p:sp>
     </p:spTree>
     <p:extLst>
       <p:ext uri="{BB962C8B-B14F-4D97-AF65-F5344CB8AC3E}">
@@ -8654,7 +8166,7 @@
 </p:sld>
 </file>
 
-<file path=ppt/slides/slide15.xml><?xml version="1.0" encoding="utf-8"?>
+<file path=ppt/slides/slide14.xml><?xml version="1.0" encoding="utf-8"?>
 <p:sld xmlns:a="http://schemas.openxmlformats.org/drawingml/2006/main" xmlns:r="http://schemas.openxmlformats.org/officeDocument/2006/relationships" xmlns:p="http://schemas.openxmlformats.org/presentationml/2006/main">
   <p:cSld>
     <p:spTree>
@@ -9693,7 +9205,7 @@
               <a:buNone/>
             </a:pPr>
             <a:r>
-              <a:rPr lang="en-US" dirty="0">
+              <a:rPr lang="en-US" dirty="0" smtClean="0">
                 <a:solidFill>
                   <a:srgbClr val="839496"/>
                 </a:solidFill>
@@ -9701,6 +9213,242 @@
               </a:rPr>
               <a:t>}</a:t>
             </a:r>
+            <a:endParaRPr lang="en-US" dirty="0" smtClean="0"/>
+          </a:p>
+        </p:txBody>
+      </p:sp>
+      <p:sp>
+        <p:nvSpPr>
+          <p:cNvPr id="7" name="TextBox 6"/>
+          <p:cNvSpPr txBox="1"/>
+          <p:nvPr/>
+        </p:nvSpPr>
+        <p:spPr>
+          <a:xfrm>
+            <a:off x="9563100" y="6488668"/>
+            <a:ext cx="2723823" cy="369332"/>
+          </a:xfrm>
+          <a:prstGeom prst="rect">
+            <a:avLst/>
+          </a:prstGeom>
+          <a:noFill/>
+        </p:spPr>
+        <p:txBody>
+          <a:bodyPr wrap="none" rtlCol="0">
+            <a:spAutoFit/>
+          </a:bodyPr>
+          <a:lstStyle/>
+          <a:p>
+            <a:r>
+              <a:rPr lang="en-US" dirty="0" smtClean="0">
+                <a:solidFill>
+                  <a:schemeClr val="bg1">
+                    <a:lumMod val="65000"/>
+                  </a:schemeClr>
+                </a:solidFill>
+              </a:rPr>
+              <a:t>synthetic/fake patient data</a:t>
+            </a:r>
+            <a:endParaRPr lang="en-US" dirty="0">
+              <a:solidFill>
+                <a:schemeClr val="bg1">
+                  <a:lumMod val="65000"/>
+                </a:schemeClr>
+              </a:solidFill>
+            </a:endParaRPr>
+          </a:p>
+        </p:txBody>
+      </p:sp>
+    </p:spTree>
+    <p:extLst>
+      <p:ext uri="{BB962C8B-B14F-4D97-AF65-F5344CB8AC3E}">
+        <p14:creationId xmlns:p14="http://schemas.microsoft.com/office/powerpoint/2010/main" val="1759478068"/>
+      </p:ext>
+    </p:extLst>
+  </p:cSld>
+  <p:clrMapOvr>
+    <a:masterClrMapping/>
+  </p:clrMapOvr>
+  <p:timing>
+    <p:tnLst>
+      <p:par>
+        <p:cTn id="1" dur="indefinite" restart="never" nodeType="tmRoot"/>
+      </p:par>
+    </p:tnLst>
+  </p:timing>
+</p:sld>
+</file>
+
+<file path=ppt/slides/slide15.xml><?xml version="1.0" encoding="utf-8"?>
+<p:sld xmlns:a="http://schemas.openxmlformats.org/drawingml/2006/main" xmlns:r="http://schemas.openxmlformats.org/officeDocument/2006/relationships" xmlns:p="http://schemas.openxmlformats.org/presentationml/2006/main">
+  <p:cSld>
+    <p:spTree>
+      <p:nvGrpSpPr>
+        <p:cNvPr id="1" name=""/>
+        <p:cNvGrpSpPr/>
+        <p:nvPr/>
+      </p:nvGrpSpPr>
+      <p:grpSpPr>
+        <a:xfrm>
+          <a:off x="0" y="0"/>
+          <a:ext cx="0" cy="0"/>
+          <a:chOff x="0" y="0"/>
+          <a:chExt cx="0" cy="0"/>
+        </a:xfrm>
+      </p:grpSpPr>
+      <p:sp>
+        <p:nvSpPr>
+          <p:cNvPr id="2" name="Title 1"/>
+          <p:cNvSpPr>
+            <a:spLocks noGrp="1"/>
+          </p:cNvSpPr>
+          <p:nvPr>
+            <p:ph type="title"/>
+          </p:nvPr>
+        </p:nvSpPr>
+        <p:spPr>
+          <a:xfrm>
+            <a:off x="0" y="0"/>
+            <a:ext cx="12192000" cy="1144589"/>
+          </a:xfrm>
+        </p:spPr>
+        <p:txBody>
+          <a:bodyPr>
+            <a:normAutofit fontScale="90000"/>
+          </a:bodyPr>
+          <a:lstStyle/>
+          <a:p>
+            <a:r>
+              <a:rPr lang="en-US" dirty="0" smtClean="0"/>
+              <a:t>Likely Improvements/Complications for Real Questions</a:t>
+            </a:r>
+            <a:endParaRPr lang="en-US" dirty="0"/>
+          </a:p>
+        </p:txBody>
+      </p:sp>
+      <p:sp>
+        <p:nvSpPr>
+          <p:cNvPr id="3" name="Content Placeholder 2"/>
+          <p:cNvSpPr>
+            <a:spLocks noGrp="1"/>
+          </p:cNvSpPr>
+          <p:nvPr>
+            <p:ph idx="1"/>
+          </p:nvPr>
+        </p:nvSpPr>
+        <p:spPr>
+          <a:xfrm>
+            <a:off x="0" y="1144590"/>
+            <a:ext cx="12192000" cy="5713410"/>
+          </a:xfrm>
+        </p:spPr>
+        <p:txBody>
+          <a:bodyPr>
+            <a:normAutofit/>
+          </a:bodyPr>
+          <a:lstStyle/>
+          <a:p>
+            <a:pPr marL="231775" indent="-231775" eaLnBrk="0" fontAlgn="base" hangingPunct="0">
+              <a:lnSpc>
+                <a:spcPct val="100000"/>
+              </a:lnSpc>
+              <a:spcBef>
+                <a:spcPct val="0"/>
+              </a:spcBef>
+              <a:spcAft>
+                <a:spcPct val="0"/>
+              </a:spcAft>
+            </a:pPr>
+            <a:r>
+              <a:rPr lang="en-US" sz="3800" dirty="0" smtClean="0"/>
+              <a:t>Compare/limit dx dates</a:t>
+            </a:r>
+          </a:p>
+          <a:p>
+            <a:pPr marL="688975" lvl="1" indent="-231775" eaLnBrk="0" fontAlgn="base" hangingPunct="0">
+              <a:lnSpc>
+                <a:spcPct val="100000"/>
+              </a:lnSpc>
+              <a:spcBef>
+                <a:spcPct val="0"/>
+              </a:spcBef>
+              <a:spcAft>
+                <a:spcPct val="0"/>
+              </a:spcAft>
+            </a:pPr>
+            <a:r>
+              <a:rPr lang="en-US" sz="3400" dirty="0" smtClean="0"/>
+              <a:t>Outcomes should follow covid dx date.</a:t>
+            </a:r>
+          </a:p>
+          <a:p>
+            <a:pPr marL="688975" lvl="1" indent="-231775" eaLnBrk="0" fontAlgn="base" hangingPunct="0">
+              <a:lnSpc>
+                <a:spcPct val="100000"/>
+              </a:lnSpc>
+              <a:spcBef>
+                <a:spcPct val="0"/>
+              </a:spcBef>
+              <a:spcAft>
+                <a:spcPct val="0"/>
+              </a:spcAft>
+            </a:pPr>
+            <a:r>
+              <a:rPr lang="en-US" sz="3400" dirty="0" smtClean="0"/>
+              <a:t>?Should only pre-existing coughs be considered?</a:t>
+            </a:r>
+          </a:p>
+          <a:p>
+            <a:pPr marL="231775" indent="-231775" eaLnBrk="0" fontAlgn="base" hangingPunct="0">
+              <a:lnSpc>
+                <a:spcPct val="100000"/>
+              </a:lnSpc>
+              <a:spcBef>
+                <a:spcPct val="0"/>
+              </a:spcBef>
+              <a:spcAft>
+                <a:spcPct val="0"/>
+              </a:spcAft>
+            </a:pPr>
+            <a:r>
+              <a:rPr lang="en-US" sz="3800" dirty="0" smtClean="0"/>
+              <a:t>Explore site characteristics</a:t>
+            </a:r>
+          </a:p>
+          <a:p>
+            <a:pPr marL="688975" lvl="1" indent="-231775" eaLnBrk="0" fontAlgn="base" hangingPunct="0">
+              <a:lnSpc>
+                <a:spcPct val="100000"/>
+              </a:lnSpc>
+              <a:spcBef>
+                <a:spcPct val="0"/>
+              </a:spcBef>
+              <a:spcAft>
+                <a:spcPct val="0"/>
+              </a:spcAft>
+            </a:pPr>
+            <a:r>
+              <a:rPr lang="en-US" sz="3400" dirty="0" smtClean="0"/>
+              <a:t>You can’t tell what site is which</a:t>
+            </a:r>
+          </a:p>
+          <a:p>
+            <a:pPr marL="688975" lvl="1" indent="-231775" eaLnBrk="0" fontAlgn="base" hangingPunct="0">
+              <a:lnSpc>
+                <a:spcPct val="100000"/>
+              </a:lnSpc>
+              <a:spcBef>
+                <a:spcPct val="0"/>
+              </a:spcBef>
+              <a:spcAft>
+                <a:spcPct val="0"/>
+              </a:spcAft>
+            </a:pPr>
+            <a:r>
+              <a:rPr lang="en-US" sz="3400" dirty="0" smtClean="0"/>
+              <a:t>but you can look at quality on the characteristics in your study</a:t>
+            </a:r>
+            <a:endParaRPr lang="en-US" sz="3400" dirty="0"/>
           </a:p>
           <a:p>
             <a:pPr marL="231775" lvl="0" indent="-231775" eaLnBrk="0" fontAlgn="base" hangingPunct="0">
@@ -9714,6 +9462,48 @@
                 <a:spcPct val="0"/>
               </a:spcAft>
             </a:pPr>
+            <a:endParaRPr lang="en-US" sz="3800" dirty="0" smtClean="0"/>
+          </a:p>
+          <a:p>
+            <a:pPr marL="231775" lvl="0" indent="-231775" eaLnBrk="0" fontAlgn="base" hangingPunct="0">
+              <a:lnSpc>
+                <a:spcPct val="100000"/>
+              </a:lnSpc>
+              <a:spcBef>
+                <a:spcPct val="0"/>
+              </a:spcBef>
+              <a:spcAft>
+                <a:spcPct val="0"/>
+              </a:spcAft>
+            </a:pPr>
+            <a:endParaRPr lang="en-US" dirty="0" smtClean="0"/>
+          </a:p>
+          <a:p>
+            <a:pPr marL="231775" lvl="0" indent="-231775" eaLnBrk="0" fontAlgn="base" hangingPunct="0">
+              <a:lnSpc>
+                <a:spcPct val="100000"/>
+              </a:lnSpc>
+              <a:spcBef>
+                <a:spcPct val="0"/>
+              </a:spcBef>
+              <a:spcAft>
+                <a:spcPct val="0"/>
+              </a:spcAft>
+            </a:pPr>
+            <a:endParaRPr lang="en-US" dirty="0"/>
+          </a:p>
+          <a:p>
+            <a:pPr marL="231775" lvl="0" indent="-231775" eaLnBrk="0" fontAlgn="base" hangingPunct="0">
+              <a:lnSpc>
+                <a:spcPct val="100000"/>
+              </a:lnSpc>
+              <a:spcBef>
+                <a:spcPct val="0"/>
+              </a:spcBef>
+              <a:spcAft>
+                <a:spcPct val="0"/>
+              </a:spcAft>
+            </a:pPr>
             <a:endParaRPr lang="en-US" dirty="0" smtClean="0"/>
           </a:p>
         </p:txBody>
@@ -9721,7 +9511,7 @@
     </p:spTree>
     <p:extLst>
       <p:ext uri="{BB962C8B-B14F-4D97-AF65-F5344CB8AC3E}">
-        <p14:creationId xmlns:p14="http://schemas.microsoft.com/office/powerpoint/2010/main" val="1759478068"/>
+        <p14:creationId xmlns:p14="http://schemas.microsoft.com/office/powerpoint/2010/main" val="1835704599"/>
       </p:ext>
     </p:extLst>
   </p:cSld>
@@ -9768,255 +9558,6 @@
         <p:spPr>
           <a:xfrm>
             <a:off x="0" y="0"/>
-            <a:ext cx="12192000" cy="1144589"/>
-          </a:xfrm>
-        </p:spPr>
-        <p:txBody>
-          <a:bodyPr>
-            <a:normAutofit fontScale="90000"/>
-          </a:bodyPr>
-          <a:lstStyle/>
-          <a:p>
-            <a:r>
-              <a:rPr lang="en-US" dirty="0" smtClean="0"/>
-              <a:t>Likely Improvements/Complications for Real Questions</a:t>
-            </a:r>
-            <a:endParaRPr lang="en-US" dirty="0"/>
-          </a:p>
-        </p:txBody>
-      </p:sp>
-      <p:sp>
-        <p:nvSpPr>
-          <p:cNvPr id="3" name="Content Placeholder 2"/>
-          <p:cNvSpPr>
-            <a:spLocks noGrp="1"/>
-          </p:cNvSpPr>
-          <p:nvPr>
-            <p:ph idx="1"/>
-          </p:nvPr>
-        </p:nvSpPr>
-        <p:spPr>
-          <a:xfrm>
-            <a:off x="0" y="1144590"/>
-            <a:ext cx="12192000" cy="5713410"/>
-          </a:xfrm>
-        </p:spPr>
-        <p:txBody>
-          <a:bodyPr>
-            <a:normAutofit/>
-          </a:bodyPr>
-          <a:lstStyle/>
-          <a:p>
-            <a:pPr marL="231775" indent="-231775" eaLnBrk="0" fontAlgn="base" hangingPunct="0">
-              <a:lnSpc>
-                <a:spcPct val="100000"/>
-              </a:lnSpc>
-              <a:spcBef>
-                <a:spcPct val="0"/>
-              </a:spcBef>
-              <a:spcAft>
-                <a:spcPct val="0"/>
-              </a:spcAft>
-            </a:pPr>
-            <a:r>
-              <a:rPr lang="en-US" sz="3800" dirty="0" smtClean="0"/>
-              <a:t>Compare/limit dx dates</a:t>
-            </a:r>
-          </a:p>
-          <a:p>
-            <a:pPr marL="688975" lvl="1" indent="-231775" eaLnBrk="0" fontAlgn="base" hangingPunct="0">
-              <a:lnSpc>
-                <a:spcPct val="100000"/>
-              </a:lnSpc>
-              <a:spcBef>
-                <a:spcPct val="0"/>
-              </a:spcBef>
-              <a:spcAft>
-                <a:spcPct val="0"/>
-              </a:spcAft>
-            </a:pPr>
-            <a:r>
-              <a:rPr lang="en-US" sz="3400" dirty="0" smtClean="0"/>
-              <a:t>Outcomes should follow covid dx date.</a:t>
-            </a:r>
-          </a:p>
-          <a:p>
-            <a:pPr marL="688975" lvl="1" indent="-231775" eaLnBrk="0" fontAlgn="base" hangingPunct="0">
-              <a:lnSpc>
-                <a:spcPct val="100000"/>
-              </a:lnSpc>
-              <a:spcBef>
-                <a:spcPct val="0"/>
-              </a:spcBef>
-              <a:spcAft>
-                <a:spcPct val="0"/>
-              </a:spcAft>
-            </a:pPr>
-            <a:r>
-              <a:rPr lang="en-US" sz="3400" dirty="0" smtClean="0"/>
-              <a:t>?Should only pre-existing coughs be considered?</a:t>
-            </a:r>
-          </a:p>
-          <a:p>
-            <a:pPr marL="231775" indent="-231775" eaLnBrk="0" fontAlgn="base" hangingPunct="0">
-              <a:lnSpc>
-                <a:spcPct val="100000"/>
-              </a:lnSpc>
-              <a:spcBef>
-                <a:spcPct val="0"/>
-              </a:spcBef>
-              <a:spcAft>
-                <a:spcPct val="0"/>
-              </a:spcAft>
-            </a:pPr>
-            <a:r>
-              <a:rPr lang="en-US" sz="3800" dirty="0" smtClean="0"/>
-              <a:t>Explore site characteristics</a:t>
-            </a:r>
-          </a:p>
-          <a:p>
-            <a:pPr marL="688975" lvl="1" indent="-231775" eaLnBrk="0" fontAlgn="base" hangingPunct="0">
-              <a:lnSpc>
-                <a:spcPct val="100000"/>
-              </a:lnSpc>
-              <a:spcBef>
-                <a:spcPct val="0"/>
-              </a:spcBef>
-              <a:spcAft>
-                <a:spcPct val="0"/>
-              </a:spcAft>
-            </a:pPr>
-            <a:r>
-              <a:rPr lang="en-US" sz="3400" dirty="0" smtClean="0"/>
-              <a:t>You can’t tell what site is which</a:t>
-            </a:r>
-          </a:p>
-          <a:p>
-            <a:pPr marL="688975" lvl="1" indent="-231775" eaLnBrk="0" fontAlgn="base" hangingPunct="0">
-              <a:lnSpc>
-                <a:spcPct val="100000"/>
-              </a:lnSpc>
-              <a:spcBef>
-                <a:spcPct val="0"/>
-              </a:spcBef>
-              <a:spcAft>
-                <a:spcPct val="0"/>
-              </a:spcAft>
-            </a:pPr>
-            <a:r>
-              <a:rPr lang="en-US" sz="3400" dirty="0" smtClean="0"/>
-              <a:t>but you can look at quality on the characteristics in your study</a:t>
-            </a:r>
-            <a:endParaRPr lang="en-US" sz="3400" dirty="0"/>
-          </a:p>
-          <a:p>
-            <a:pPr marL="231775" lvl="0" indent="-231775" eaLnBrk="0" fontAlgn="base" hangingPunct="0">
-              <a:lnSpc>
-                <a:spcPct val="100000"/>
-              </a:lnSpc>
-              <a:spcBef>
-                <a:spcPct val="0"/>
-              </a:spcBef>
-              <a:spcAft>
-                <a:spcPct val="0"/>
-              </a:spcAft>
-            </a:pPr>
-            <a:endParaRPr lang="en-US" sz="3800" dirty="0" smtClean="0"/>
-          </a:p>
-          <a:p>
-            <a:pPr marL="231775" lvl="0" indent="-231775" eaLnBrk="0" fontAlgn="base" hangingPunct="0">
-              <a:lnSpc>
-                <a:spcPct val="100000"/>
-              </a:lnSpc>
-              <a:spcBef>
-                <a:spcPct val="0"/>
-              </a:spcBef>
-              <a:spcAft>
-                <a:spcPct val="0"/>
-              </a:spcAft>
-            </a:pPr>
-            <a:endParaRPr lang="en-US" dirty="0" smtClean="0"/>
-          </a:p>
-          <a:p>
-            <a:pPr marL="231775" lvl="0" indent="-231775" eaLnBrk="0" fontAlgn="base" hangingPunct="0">
-              <a:lnSpc>
-                <a:spcPct val="100000"/>
-              </a:lnSpc>
-              <a:spcBef>
-                <a:spcPct val="0"/>
-              </a:spcBef>
-              <a:spcAft>
-                <a:spcPct val="0"/>
-              </a:spcAft>
-            </a:pPr>
-            <a:endParaRPr lang="en-US" dirty="0"/>
-          </a:p>
-          <a:p>
-            <a:pPr marL="231775" lvl="0" indent="-231775" eaLnBrk="0" fontAlgn="base" hangingPunct="0">
-              <a:lnSpc>
-                <a:spcPct val="100000"/>
-              </a:lnSpc>
-              <a:spcBef>
-                <a:spcPct val="0"/>
-              </a:spcBef>
-              <a:spcAft>
-                <a:spcPct val="0"/>
-              </a:spcAft>
-            </a:pPr>
-            <a:endParaRPr lang="en-US" dirty="0" smtClean="0"/>
-          </a:p>
-        </p:txBody>
-      </p:sp>
-    </p:spTree>
-    <p:extLst>
-      <p:ext uri="{BB962C8B-B14F-4D97-AF65-F5344CB8AC3E}">
-        <p14:creationId xmlns:p14="http://schemas.microsoft.com/office/powerpoint/2010/main" val="1835704599"/>
-      </p:ext>
-    </p:extLst>
-  </p:cSld>
-  <p:clrMapOvr>
-    <a:masterClrMapping/>
-  </p:clrMapOvr>
-  <p:timing>
-    <p:tnLst>
-      <p:par>
-        <p:cTn id="1" dur="indefinite" restart="never" nodeType="tmRoot"/>
-      </p:par>
-    </p:tnLst>
-  </p:timing>
-</p:sld>
-</file>
-
-<file path=ppt/slides/slide17.xml><?xml version="1.0" encoding="utf-8"?>
-<p:sld xmlns:a="http://schemas.openxmlformats.org/drawingml/2006/main" xmlns:r="http://schemas.openxmlformats.org/officeDocument/2006/relationships" xmlns:p="http://schemas.openxmlformats.org/presentationml/2006/main">
-  <p:cSld>
-    <p:spTree>
-      <p:nvGrpSpPr>
-        <p:cNvPr id="1" name=""/>
-        <p:cNvGrpSpPr/>
-        <p:nvPr/>
-      </p:nvGrpSpPr>
-      <p:grpSpPr>
-        <a:xfrm>
-          <a:off x="0" y="0"/>
-          <a:ext cx="0" cy="0"/>
-          <a:chOff x="0" y="0"/>
-          <a:chExt cx="0" cy="0"/>
-        </a:xfrm>
-      </p:grpSpPr>
-      <p:sp>
-        <p:nvSpPr>
-          <p:cNvPr id="2" name="Title 1"/>
-          <p:cNvSpPr>
-            <a:spLocks noGrp="1"/>
-          </p:cNvSpPr>
-          <p:nvPr>
-            <p:ph type="title"/>
-          </p:nvPr>
-        </p:nvSpPr>
-        <p:spPr>
-          <a:xfrm>
-            <a:off x="0" y="0"/>
             <a:ext cx="10515600" cy="885371"/>
           </a:xfrm>
         </p:spPr>
@@ -10196,7 +9737,7 @@
 </p:sld>
 </file>
 
-<file path=ppt/slides/slide18.xml><?xml version="1.0" encoding="utf-8"?>
+<file path=ppt/slides/slide17.xml><?xml version="1.0" encoding="utf-8"?>
 <p:sld xmlns:a="http://schemas.openxmlformats.org/drawingml/2006/main" xmlns:r="http://schemas.openxmlformats.org/officeDocument/2006/relationships" xmlns:p="http://schemas.openxmlformats.org/presentationml/2006/main">
   <p:cSld>
     <p:spTree>
@@ -10530,7 +10071,7 @@
 </p:sld>
 </file>
 
-<file path=ppt/slides/slide19.xml><?xml version="1.0" encoding="utf-8"?>
+<file path=ppt/slides/slide18.xml><?xml version="1.0" encoding="utf-8"?>
 <p:sld xmlns:a="http://schemas.openxmlformats.org/drawingml/2006/main" xmlns:r="http://schemas.openxmlformats.org/officeDocument/2006/relationships" xmlns:p="http://schemas.openxmlformats.org/presentationml/2006/main">
   <p:cSld>
     <p:bg>
@@ -11716,38 +11257,45 @@
         </p:nvSpPr>
         <p:spPr/>
         <p:txBody>
-          <a:bodyPr/>
+          <a:bodyPr>
+            <a:normAutofit/>
+          </a:bodyPr>
           <a:lstStyle/>
           <a:p>
-            <a:r>
-              <a:rPr lang="en-US" dirty="0" smtClean="0"/>
-              <a:t>3 workbooks:</a:t>
+            <a:pPr marL="0" indent="0">
+              <a:buNone/>
+            </a:pPr>
+            <a:r>
+              <a:rPr lang="en-US" sz="3600" dirty="0" smtClean="0"/>
+              <a:t>2 workbooks:</a:t>
             </a:r>
           </a:p>
           <a:p>
             <a:pPr lvl="1"/>
             <a:r>
-              <a:rPr lang="en-US" dirty="0" smtClean="0"/>
+              <a:rPr lang="en-US" sz="3200" dirty="0" smtClean="0"/>
               <a:t>“Manipulation”: dedicated to preparing a dataset</a:t>
             </a:r>
           </a:p>
           <a:p>
             <a:pPr lvl="1"/>
             <a:r>
-              <a:rPr lang="en-US" dirty="0" smtClean="0"/>
-              <a:t>“Explore”: descriptive stats</a:t>
-            </a:r>
-          </a:p>
-          <a:p>
-            <a:pPr lvl="1"/>
-            <a:r>
-              <a:rPr lang="en-US" dirty="0" smtClean="0"/>
-              <a:t>“Analysis”: models to test hypotheses</a:t>
-            </a:r>
-          </a:p>
-          <a:p>
-            <a:pPr lvl="1"/>
-            <a:endParaRPr lang="en-US" dirty="0"/>
+              <a:rPr lang="en-US" sz="3200" dirty="0" smtClean="0"/>
+              <a:t>“Analysis”: </a:t>
+            </a:r>
+            <a:r>
+              <a:rPr lang="en-US" sz="3200" dirty="0"/>
+              <a:t>descriptive stats </a:t>
+            </a:r>
+            <a:r>
+              <a:rPr lang="en-US" sz="3200" dirty="0" smtClean="0"/>
+              <a:t>&amp; models to </a:t>
+            </a:r>
+            <a:r>
+              <a:rPr lang="en-US" sz="3200" smtClean="0"/>
+              <a:t>test hypotheses</a:t>
+            </a:r>
+            <a:endParaRPr lang="en-US" sz="3200" dirty="0" smtClean="0"/>
           </a:p>
         </p:txBody>
       </p:sp>
@@ -11798,12 +11346,21 @@
             <p:ph type="title"/>
           </p:nvPr>
         </p:nvSpPr>
-        <p:spPr/>
+        <p:spPr>
+          <a:xfrm>
+            <a:off x="0" y="0"/>
+            <a:ext cx="10515600" cy="1144589"/>
+          </a:xfrm>
+        </p:spPr>
         <p:txBody>
           <a:bodyPr/>
           <a:lstStyle/>
           <a:p>
-            <a:endParaRPr lang="en-US"/>
+            <a:r>
+              <a:rPr lang="en-US" dirty="0" smtClean="0"/>
+              <a:t>Start with a clean “workbook”</a:t>
+            </a:r>
+            <a:endParaRPr lang="en-US" dirty="0"/>
           </a:p>
         </p:txBody>
       </p:sp>
@@ -11817,19 +11374,176 @@
             <p:ph idx="1"/>
           </p:nvPr>
         </p:nvSpPr>
-        <p:spPr/>
+        <p:spPr>
+          <a:xfrm>
+            <a:off x="0" y="1144590"/>
+            <a:ext cx="12192000" cy="5713410"/>
+          </a:xfrm>
+        </p:spPr>
         <p:txBody>
           <a:bodyPr/>
           <a:lstStyle/>
           <a:p>
-            <a:endParaRPr lang="en-US"/>
+            <a:pPr marL="0" lvl="0" indent="0" eaLnBrk="0" fontAlgn="base" hangingPunct="0">
+              <a:lnSpc>
+                <a:spcPct val="100000"/>
+              </a:lnSpc>
+              <a:spcBef>
+                <a:spcPct val="0"/>
+              </a:spcBef>
+              <a:spcAft>
+                <a:spcPct val="0"/>
+              </a:spcAft>
+            </a:pPr>
+            <a:r>
+              <a:rPr lang="en-US" dirty="0"/>
+              <a:t>“</a:t>
+            </a:r>
+            <a:r>
+              <a:rPr lang="en-US" altLang="en-US" dirty="0">
+                <a:hlinkClick r:id="rId2"/>
+              </a:rPr>
+              <a:t>N3C Training Area</a:t>
+            </a:r>
+            <a:r>
+              <a:rPr lang="en-US" altLang="en-US" dirty="0"/>
+              <a:t>/</a:t>
+            </a:r>
+            <a:r>
+              <a:rPr lang="en-US" altLang="en-US" dirty="0">
+                <a:hlinkClick r:id="rId3"/>
+              </a:rPr>
+              <a:t>Practice Area - Public and Example Data</a:t>
+            </a:r>
+            <a:r>
+              <a:rPr lang="en-US" altLang="en-US" dirty="0"/>
+              <a:t>/will-</a:t>
+            </a:r>
+            <a:r>
+              <a:rPr lang="en-US" altLang="en-US" dirty="0" err="1"/>
+              <a:t>beasley</a:t>
+            </a:r>
+            <a:r>
+              <a:rPr lang="en-US" altLang="en-US" dirty="0"/>
+              <a:t>”</a:t>
+            </a:r>
+          </a:p>
+          <a:p>
+            <a:pPr marL="0" lvl="0" indent="0" eaLnBrk="0" fontAlgn="base" hangingPunct="0">
+              <a:lnSpc>
+                <a:spcPct val="100000"/>
+              </a:lnSpc>
+              <a:spcBef>
+                <a:spcPct val="0"/>
+              </a:spcBef>
+              <a:spcAft>
+                <a:spcPct val="0"/>
+              </a:spcAft>
+            </a:pPr>
+            <a:r>
+              <a:rPr lang="en-US" altLang="en-US" dirty="0"/>
+              <a:t>Create new workbook called </a:t>
+            </a:r>
+            <a:r>
+              <a:rPr lang="en-US" altLang="en-US" dirty="0" smtClean="0"/>
+              <a:t>“manipulation”</a:t>
+            </a:r>
+          </a:p>
+          <a:p>
+            <a:pPr marL="0" lvl="0" indent="0" eaLnBrk="0" fontAlgn="base" hangingPunct="0">
+              <a:lnSpc>
+                <a:spcPct val="100000"/>
+              </a:lnSpc>
+              <a:spcBef>
+                <a:spcPct val="0"/>
+              </a:spcBef>
+              <a:spcAft>
+                <a:spcPct val="0"/>
+              </a:spcAft>
+            </a:pPr>
+            <a:endParaRPr lang="en-US" altLang="en-US" dirty="0"/>
+          </a:p>
+          <a:p>
+            <a:pPr marL="0" indent="0">
+              <a:buNone/>
+            </a:pPr>
+            <a:endParaRPr lang="en-US" dirty="0"/>
+          </a:p>
+          <a:p>
+            <a:endParaRPr lang="en-US" dirty="0"/>
+          </a:p>
+        </p:txBody>
+      </p:sp>
+      <p:pic>
+        <p:nvPicPr>
+          <p:cNvPr id="9" name="Picture 8"/>
+          <p:cNvPicPr>
+            <a:picLocks noChangeAspect="1"/>
+          </p:cNvPicPr>
+          <p:nvPr/>
+        </p:nvPicPr>
+        <p:blipFill>
+          <a:blip r:embed="rId4"/>
+          <a:stretch>
+            <a:fillRect/>
+          </a:stretch>
+        </p:blipFill>
+        <p:spPr>
+          <a:xfrm>
+            <a:off x="4905829" y="2672940"/>
+            <a:ext cx="6588020" cy="4185060"/>
+          </a:xfrm>
+          <a:prstGeom prst="rect">
+            <a:avLst/>
+          </a:prstGeom>
+        </p:spPr>
+      </p:pic>
+      <p:sp>
+        <p:nvSpPr>
+          <p:cNvPr id="10" name="TextBox 9"/>
+          <p:cNvSpPr txBox="1"/>
+          <p:nvPr/>
+        </p:nvSpPr>
+        <p:spPr>
+          <a:xfrm>
+            <a:off x="0" y="6488668"/>
+            <a:ext cx="2723823" cy="369332"/>
+          </a:xfrm>
+          <a:prstGeom prst="rect">
+            <a:avLst/>
+          </a:prstGeom>
+          <a:noFill/>
+        </p:spPr>
+        <p:txBody>
+          <a:bodyPr wrap="none" rtlCol="0">
+            <a:spAutoFit/>
+          </a:bodyPr>
+          <a:lstStyle/>
+          <a:p>
+            <a:r>
+              <a:rPr lang="en-US" dirty="0" smtClean="0">
+                <a:solidFill>
+                  <a:schemeClr val="bg1">
+                    <a:lumMod val="65000"/>
+                  </a:schemeClr>
+                </a:solidFill>
+              </a:rPr>
+              <a:t>synthetic/fake patient data</a:t>
+            </a:r>
+            <a:endParaRPr lang="en-US" dirty="0">
+              <a:solidFill>
+                <a:schemeClr val="bg1">
+                  <a:lumMod val="65000"/>
+                </a:schemeClr>
+              </a:solidFill>
+            </a:endParaRPr>
           </a:p>
         </p:txBody>
       </p:sp>
     </p:spTree>
     <p:extLst>
       <p:ext uri="{BB962C8B-B14F-4D97-AF65-F5344CB8AC3E}">
-        <p14:creationId xmlns:p14="http://schemas.microsoft.com/office/powerpoint/2010/main" val="2338206999"/>
+        <p14:creationId xmlns:p14="http://schemas.microsoft.com/office/powerpoint/2010/main" val="900726431"/>
       </p:ext>
     </p:extLst>
   </p:cSld>
@@ -11885,205 +11599,6 @@
           <a:p>
             <a:r>
               <a:rPr lang="en-US" dirty="0" smtClean="0"/>
-              <a:t>Start with a clean “workbook”</a:t>
-            </a:r>
-            <a:endParaRPr lang="en-US" dirty="0"/>
-          </a:p>
-        </p:txBody>
-      </p:sp>
-      <p:sp>
-        <p:nvSpPr>
-          <p:cNvPr id="3" name="Content Placeholder 2"/>
-          <p:cNvSpPr>
-            <a:spLocks noGrp="1"/>
-          </p:cNvSpPr>
-          <p:nvPr>
-            <p:ph idx="1"/>
-          </p:nvPr>
-        </p:nvSpPr>
-        <p:spPr>
-          <a:xfrm>
-            <a:off x="0" y="1144590"/>
-            <a:ext cx="12192000" cy="5713410"/>
-          </a:xfrm>
-        </p:spPr>
-        <p:txBody>
-          <a:bodyPr/>
-          <a:lstStyle/>
-          <a:p>
-            <a:pPr marL="0" lvl="0" indent="0" eaLnBrk="0" fontAlgn="base" hangingPunct="0">
-              <a:lnSpc>
-                <a:spcPct val="100000"/>
-              </a:lnSpc>
-              <a:spcBef>
-                <a:spcPct val="0"/>
-              </a:spcBef>
-              <a:spcAft>
-                <a:spcPct val="0"/>
-              </a:spcAft>
-            </a:pPr>
-            <a:r>
-              <a:rPr lang="en-US" dirty="0"/>
-              <a:t>“</a:t>
-            </a:r>
-            <a:r>
-              <a:rPr lang="en-US" altLang="en-US" dirty="0">
-                <a:hlinkClick r:id="rId2"/>
-              </a:rPr>
-              <a:t>N3C Training Area</a:t>
-            </a:r>
-            <a:r>
-              <a:rPr lang="en-US" altLang="en-US" dirty="0"/>
-              <a:t>/</a:t>
-            </a:r>
-            <a:r>
-              <a:rPr lang="en-US" altLang="en-US" dirty="0">
-                <a:hlinkClick r:id="rId3"/>
-              </a:rPr>
-              <a:t>Practice Area - Public and Example Data</a:t>
-            </a:r>
-            <a:r>
-              <a:rPr lang="en-US" altLang="en-US" dirty="0"/>
-              <a:t>/will-</a:t>
-            </a:r>
-            <a:r>
-              <a:rPr lang="en-US" altLang="en-US" dirty="0" err="1"/>
-              <a:t>beasley</a:t>
-            </a:r>
-            <a:r>
-              <a:rPr lang="en-US" altLang="en-US" dirty="0"/>
-              <a:t>”</a:t>
-            </a:r>
-          </a:p>
-          <a:p>
-            <a:pPr marL="0" lvl="0" indent="0" eaLnBrk="0" fontAlgn="base" hangingPunct="0">
-              <a:lnSpc>
-                <a:spcPct val="100000"/>
-              </a:lnSpc>
-              <a:spcBef>
-                <a:spcPct val="0"/>
-              </a:spcBef>
-              <a:spcAft>
-                <a:spcPct val="0"/>
-              </a:spcAft>
-            </a:pPr>
-            <a:r>
-              <a:rPr lang="en-US" altLang="en-US" dirty="0"/>
-              <a:t>Create new workbook called </a:t>
-            </a:r>
-            <a:r>
-              <a:rPr lang="en-US" altLang="en-US" dirty="0" smtClean="0"/>
-              <a:t>“manipulation”</a:t>
-            </a:r>
-          </a:p>
-          <a:p>
-            <a:pPr marL="0" lvl="0" indent="0" eaLnBrk="0" fontAlgn="base" hangingPunct="0">
-              <a:lnSpc>
-                <a:spcPct val="100000"/>
-              </a:lnSpc>
-              <a:spcBef>
-                <a:spcPct val="0"/>
-              </a:spcBef>
-              <a:spcAft>
-                <a:spcPct val="0"/>
-              </a:spcAft>
-            </a:pPr>
-            <a:endParaRPr lang="en-US" altLang="en-US" dirty="0"/>
-          </a:p>
-          <a:p>
-            <a:pPr marL="0" indent="0">
-              <a:buNone/>
-            </a:pPr>
-            <a:endParaRPr lang="en-US" dirty="0"/>
-          </a:p>
-          <a:p>
-            <a:endParaRPr lang="en-US" dirty="0"/>
-          </a:p>
-        </p:txBody>
-      </p:sp>
-      <p:pic>
-        <p:nvPicPr>
-          <p:cNvPr id="9" name="Picture 8"/>
-          <p:cNvPicPr>
-            <a:picLocks noChangeAspect="1"/>
-          </p:cNvPicPr>
-          <p:nvPr/>
-        </p:nvPicPr>
-        <p:blipFill>
-          <a:blip r:embed="rId4"/>
-          <a:stretch>
-            <a:fillRect/>
-          </a:stretch>
-        </p:blipFill>
-        <p:spPr>
-          <a:xfrm>
-            <a:off x="4905829" y="2672940"/>
-            <a:ext cx="6588020" cy="4185060"/>
-          </a:xfrm>
-          <a:prstGeom prst="rect">
-            <a:avLst/>
-          </a:prstGeom>
-        </p:spPr>
-      </p:pic>
-    </p:spTree>
-    <p:extLst>
-      <p:ext uri="{BB962C8B-B14F-4D97-AF65-F5344CB8AC3E}">
-        <p14:creationId xmlns:p14="http://schemas.microsoft.com/office/powerpoint/2010/main" val="900726431"/>
-      </p:ext>
-    </p:extLst>
-  </p:cSld>
-  <p:clrMapOvr>
-    <a:masterClrMapping/>
-  </p:clrMapOvr>
-  <p:timing>
-    <p:tnLst>
-      <p:par>
-        <p:cTn id="1" dur="indefinite" restart="never" nodeType="tmRoot"/>
-      </p:par>
-    </p:tnLst>
-  </p:timing>
-</p:sld>
-</file>
-
-<file path=ppt/slides/slide7.xml><?xml version="1.0" encoding="utf-8"?>
-<p:sld xmlns:a="http://schemas.openxmlformats.org/drawingml/2006/main" xmlns:r="http://schemas.openxmlformats.org/officeDocument/2006/relationships" xmlns:p="http://schemas.openxmlformats.org/presentationml/2006/main">
-  <p:cSld>
-    <p:spTree>
-      <p:nvGrpSpPr>
-        <p:cNvPr id="1" name=""/>
-        <p:cNvGrpSpPr/>
-        <p:nvPr/>
-      </p:nvGrpSpPr>
-      <p:grpSpPr>
-        <a:xfrm>
-          <a:off x="0" y="0"/>
-          <a:ext cx="0" cy="0"/>
-          <a:chOff x="0" y="0"/>
-          <a:chExt cx="0" cy="0"/>
-        </a:xfrm>
-      </p:grpSpPr>
-      <p:sp>
-        <p:nvSpPr>
-          <p:cNvPr id="2" name="Title 1"/>
-          <p:cNvSpPr>
-            <a:spLocks noGrp="1"/>
-          </p:cNvSpPr>
-          <p:nvPr>
-            <p:ph type="title"/>
-          </p:nvPr>
-        </p:nvSpPr>
-        <p:spPr>
-          <a:xfrm>
-            <a:off x="0" y="0"/>
-            <a:ext cx="10515600" cy="1144589"/>
-          </a:xfrm>
-        </p:spPr>
-        <p:txBody>
-          <a:bodyPr/>
-          <a:lstStyle/>
-          <a:p>
-            <a:r>
-              <a:rPr lang="en-US" dirty="0" smtClean="0"/>
               <a:t>Import three tables</a:t>
             </a:r>
             <a:endParaRPr lang="en-US" dirty="0"/>
@@ -12297,6 +11812,48 @@
           </a:prstGeom>
         </p:spPr>
       </p:pic>
+      <p:sp>
+        <p:nvSpPr>
+          <p:cNvPr id="10" name="TextBox 9"/>
+          <p:cNvSpPr txBox="1"/>
+          <p:nvPr/>
+        </p:nvSpPr>
+        <p:spPr>
+          <a:xfrm>
+            <a:off x="0" y="6488668"/>
+            <a:ext cx="2723823" cy="369332"/>
+          </a:xfrm>
+          <a:prstGeom prst="rect">
+            <a:avLst/>
+          </a:prstGeom>
+          <a:noFill/>
+        </p:spPr>
+        <p:txBody>
+          <a:bodyPr wrap="none" rtlCol="0">
+            <a:spAutoFit/>
+          </a:bodyPr>
+          <a:lstStyle/>
+          <a:p>
+            <a:r>
+              <a:rPr lang="en-US" dirty="0" smtClean="0">
+                <a:solidFill>
+                  <a:schemeClr val="bg1">
+                    <a:lumMod val="65000"/>
+                  </a:schemeClr>
+                </a:solidFill>
+              </a:rPr>
+              <a:t>synthetic/fake patient data</a:t>
+            </a:r>
+            <a:endParaRPr lang="en-US" dirty="0">
+              <a:solidFill>
+                <a:schemeClr val="bg1">
+                  <a:lumMod val="65000"/>
+                </a:schemeClr>
+              </a:solidFill>
+            </a:endParaRPr>
+          </a:p>
+        </p:txBody>
+      </p:sp>
     </p:spTree>
     <p:extLst>
       <p:ext uri="{BB962C8B-B14F-4D97-AF65-F5344CB8AC3E}">
@@ -12317,7 +11874,7 @@
 </p:sld>
 </file>
 
-<file path=ppt/slides/slide8.xml><?xml version="1.0" encoding="utf-8"?>
+<file path=ppt/slides/slide7.xml><?xml version="1.0" encoding="utf-8"?>
 <p:sld xmlns:a="http://schemas.openxmlformats.org/drawingml/2006/main" xmlns:r="http://schemas.openxmlformats.org/officeDocument/2006/relationships" xmlns:p="http://schemas.openxmlformats.org/presentationml/2006/main">
   <p:cSld>
     <p:spTree>
@@ -12608,7 +12165,7 @@
 </p:sld>
 </file>
 
-<file path=ppt/slides/slide9.xml><?xml version="1.0" encoding="utf-8"?>
+<file path=ppt/slides/slide8.xml><?xml version="1.0" encoding="utf-8"?>
 <p:sld xmlns:a="http://schemas.openxmlformats.org/drawingml/2006/main" xmlns:r="http://schemas.openxmlformats.org/officeDocument/2006/relationships" xmlns:p="http://schemas.openxmlformats.org/presentationml/2006/main">
   <p:cSld>
     <p:spTree>
@@ -13061,10 +12618,707 @@
           </a:effectLst>
         </p:spPr>
       </p:pic>
+      <p:sp>
+        <p:nvSpPr>
+          <p:cNvPr id="7" name="TextBox 6"/>
+          <p:cNvSpPr txBox="1"/>
+          <p:nvPr/>
+        </p:nvSpPr>
+        <p:spPr>
+          <a:xfrm>
+            <a:off x="9468177" y="6488668"/>
+            <a:ext cx="2723823" cy="369332"/>
+          </a:xfrm>
+          <a:prstGeom prst="rect">
+            <a:avLst/>
+          </a:prstGeom>
+          <a:noFill/>
+        </p:spPr>
+        <p:txBody>
+          <a:bodyPr wrap="none" rtlCol="0">
+            <a:spAutoFit/>
+          </a:bodyPr>
+          <a:lstStyle/>
+          <a:p>
+            <a:r>
+              <a:rPr lang="en-US" dirty="0" smtClean="0">
+                <a:solidFill>
+                  <a:schemeClr val="bg1">
+                    <a:lumMod val="65000"/>
+                  </a:schemeClr>
+                </a:solidFill>
+              </a:rPr>
+              <a:t>synthetic/fake patient data</a:t>
+            </a:r>
+            <a:endParaRPr lang="en-US" dirty="0">
+              <a:solidFill>
+                <a:schemeClr val="bg1">
+                  <a:lumMod val="65000"/>
+                </a:schemeClr>
+              </a:solidFill>
+            </a:endParaRPr>
+          </a:p>
+        </p:txBody>
+      </p:sp>
     </p:spTree>
     <p:extLst>
       <p:ext uri="{BB962C8B-B14F-4D97-AF65-F5344CB8AC3E}">
         <p14:creationId xmlns:p14="http://schemas.microsoft.com/office/powerpoint/2010/main" val="3126934733"/>
+      </p:ext>
+    </p:extLst>
+  </p:cSld>
+  <p:clrMapOvr>
+    <a:masterClrMapping/>
+  </p:clrMapOvr>
+  <p:timing>
+    <p:tnLst>
+      <p:par>
+        <p:cTn id="1" dur="indefinite" restart="never" nodeType="tmRoot"/>
+      </p:par>
+    </p:tnLst>
+  </p:timing>
+</p:sld>
+</file>
+
+<file path=ppt/slides/slide9.xml><?xml version="1.0" encoding="utf-8"?>
+<p:sld xmlns:a="http://schemas.openxmlformats.org/drawingml/2006/main" xmlns:r="http://schemas.openxmlformats.org/officeDocument/2006/relationships" xmlns:p="http://schemas.openxmlformats.org/presentationml/2006/main">
+  <p:cSld>
+    <p:spTree>
+      <p:nvGrpSpPr>
+        <p:cNvPr id="1" name=""/>
+        <p:cNvGrpSpPr/>
+        <p:nvPr/>
+      </p:nvGrpSpPr>
+      <p:grpSpPr>
+        <a:xfrm>
+          <a:off x="0" y="0"/>
+          <a:ext cx="0" cy="0"/>
+          <a:chOff x="0" y="0"/>
+          <a:chExt cx="0" cy="0"/>
+        </a:xfrm>
+      </p:grpSpPr>
+      <p:sp>
+        <p:nvSpPr>
+          <p:cNvPr id="2" name="Title 1"/>
+          <p:cNvSpPr>
+            <a:spLocks noGrp="1"/>
+          </p:cNvSpPr>
+          <p:nvPr>
+            <p:ph type="title"/>
+          </p:nvPr>
+        </p:nvSpPr>
+        <p:spPr>
+          <a:xfrm>
+            <a:off x="0" y="0"/>
+            <a:ext cx="10515600" cy="1144589"/>
+          </a:xfrm>
+        </p:spPr>
+        <p:txBody>
+          <a:bodyPr/>
+          <a:lstStyle/>
+          <a:p>
+            <a:r>
+              <a:rPr lang="en-US" dirty="0" smtClean="0"/>
+              <a:t>Designate Covid</a:t>
+            </a:r>
+            <a:endParaRPr lang="en-US" dirty="0"/>
+          </a:p>
+        </p:txBody>
+      </p:sp>
+      <p:sp>
+        <p:nvSpPr>
+          <p:cNvPr id="3" name="Content Placeholder 2"/>
+          <p:cNvSpPr>
+            <a:spLocks noGrp="1"/>
+          </p:cNvSpPr>
+          <p:nvPr>
+            <p:ph idx="1"/>
+          </p:nvPr>
+        </p:nvSpPr>
+        <p:spPr>
+          <a:xfrm>
+            <a:off x="0" y="1144590"/>
+            <a:ext cx="12192000" cy="5713410"/>
+          </a:xfrm>
+        </p:spPr>
+        <p:txBody>
+          <a:bodyPr>
+            <a:normAutofit/>
+          </a:bodyPr>
+          <a:lstStyle/>
+          <a:p>
+            <a:pPr marL="231775" lvl="0" indent="-231775" eaLnBrk="0" fontAlgn="base" hangingPunct="0">
+              <a:lnSpc>
+                <a:spcPct val="100000"/>
+              </a:lnSpc>
+              <a:spcBef>
+                <a:spcPct val="0"/>
+              </a:spcBef>
+              <a:spcAft>
+                <a:spcPct val="0"/>
+              </a:spcAft>
+            </a:pPr>
+            <a:r>
+              <a:rPr lang="en-US" dirty="0" smtClean="0"/>
+              <a:t>2</a:t>
+            </a:r>
+            <a:r>
+              <a:rPr lang="en-US" baseline="30000" dirty="0" smtClean="0"/>
+              <a:t>nd</a:t>
+            </a:r>
+            <a:r>
+              <a:rPr lang="en-US" dirty="0" smtClean="0"/>
+              <a:t> iteration: include characteristics</a:t>
+            </a:r>
+          </a:p>
+          <a:p>
+            <a:pPr marL="231775" lvl="0" indent="-231775" eaLnBrk="0" fontAlgn="base" hangingPunct="0">
+              <a:lnSpc>
+                <a:spcPct val="100000"/>
+              </a:lnSpc>
+              <a:spcBef>
+                <a:spcPct val="0"/>
+              </a:spcBef>
+              <a:spcAft>
+                <a:spcPct val="0"/>
+              </a:spcAft>
+            </a:pPr>
+            <a:endParaRPr lang="en-US" dirty="0" smtClean="0"/>
+          </a:p>
+          <a:p>
+            <a:pPr marL="231775" lvl="0" indent="-231775" eaLnBrk="0" fontAlgn="base" hangingPunct="0">
+              <a:lnSpc>
+                <a:spcPct val="100000"/>
+              </a:lnSpc>
+              <a:spcBef>
+                <a:spcPct val="0"/>
+              </a:spcBef>
+              <a:spcAft>
+                <a:spcPct val="0"/>
+              </a:spcAft>
+            </a:pPr>
+            <a:endParaRPr lang="en-US" dirty="0" smtClean="0"/>
+          </a:p>
+          <a:p>
+            <a:pPr marL="0" indent="0">
+              <a:buNone/>
+            </a:pPr>
+            <a:r>
+              <a:rPr lang="en-US" sz="2000" dirty="0" smtClean="0">
+                <a:solidFill>
+                  <a:srgbClr val="859900"/>
+                </a:solidFill>
+                <a:latin typeface="Consolas" panose="020B0609020204030204" pitchFamily="49" charset="0"/>
+              </a:rPr>
+              <a:t>SELECT</a:t>
+            </a:r>
+            <a:r>
+              <a:rPr lang="en-US" sz="2000" dirty="0" smtClean="0">
+                <a:solidFill>
+                  <a:srgbClr val="839496"/>
+                </a:solidFill>
+                <a:latin typeface="Consolas" panose="020B0609020204030204" pitchFamily="49" charset="0"/>
+              </a:rPr>
+              <a:t> </a:t>
+            </a:r>
+          </a:p>
+          <a:p>
+            <a:pPr marL="0" indent="0">
+              <a:buNone/>
+            </a:pPr>
+            <a:r>
+              <a:rPr lang="en-US" sz="2000" dirty="0" smtClean="0">
+                <a:solidFill>
+                  <a:srgbClr val="839496"/>
+                </a:solidFill>
+                <a:latin typeface="Consolas" panose="020B0609020204030204" pitchFamily="49" charset="0"/>
+              </a:rPr>
+              <a:t>    </a:t>
+            </a:r>
+            <a:r>
+              <a:rPr lang="en-US" sz="2000" dirty="0" err="1" smtClean="0">
+                <a:solidFill>
+                  <a:srgbClr val="839496"/>
+                </a:solidFill>
+                <a:latin typeface="Consolas" panose="020B0609020204030204" pitchFamily="49" charset="0"/>
+              </a:rPr>
+              <a:t>person_id</a:t>
+            </a:r>
+            <a:endParaRPr lang="en-US" sz="2000" dirty="0" smtClean="0">
+              <a:solidFill>
+                <a:srgbClr val="839496"/>
+              </a:solidFill>
+              <a:latin typeface="Consolas" panose="020B0609020204030204" pitchFamily="49" charset="0"/>
+            </a:endParaRPr>
+          </a:p>
+          <a:p>
+            <a:pPr marL="0" indent="0">
+              <a:buNone/>
+            </a:pPr>
+            <a:r>
+              <a:rPr lang="en-US" sz="2000" dirty="0" smtClean="0">
+                <a:solidFill>
+                  <a:srgbClr val="839496"/>
+                </a:solidFill>
+                <a:latin typeface="Consolas" panose="020B0609020204030204" pitchFamily="49" charset="0"/>
+              </a:rPr>
+              <a:t>    ,</a:t>
+            </a:r>
+            <a:r>
+              <a:rPr lang="en-US" sz="2000" dirty="0" smtClean="0">
+                <a:solidFill>
+                  <a:srgbClr val="268BD2"/>
+                </a:solidFill>
+                <a:latin typeface="Consolas" panose="020B0609020204030204" pitchFamily="49" charset="0"/>
+              </a:rPr>
+              <a:t>min</a:t>
+            </a:r>
+            <a:r>
+              <a:rPr lang="en-US" sz="2000" dirty="0" smtClean="0">
+                <a:solidFill>
+                  <a:srgbClr val="839496"/>
+                </a:solidFill>
+                <a:latin typeface="Consolas" panose="020B0609020204030204" pitchFamily="49" charset="0"/>
+              </a:rPr>
+              <a:t>(</a:t>
+            </a:r>
+            <a:r>
+              <a:rPr lang="en-US" sz="2000" dirty="0" err="1" smtClean="0">
+                <a:solidFill>
+                  <a:srgbClr val="839496"/>
+                </a:solidFill>
+                <a:latin typeface="Consolas" panose="020B0609020204030204" pitchFamily="49" charset="0"/>
+              </a:rPr>
+              <a:t>condition_start_date</a:t>
+            </a:r>
+            <a:r>
+              <a:rPr lang="en-US" sz="2000" dirty="0" smtClean="0">
+                <a:solidFill>
+                  <a:srgbClr val="839496"/>
+                </a:solidFill>
+                <a:latin typeface="Consolas" panose="020B0609020204030204" pitchFamily="49" charset="0"/>
+              </a:rPr>
+              <a:t>) </a:t>
+            </a:r>
+            <a:r>
+              <a:rPr lang="en-US" sz="2000" dirty="0" smtClean="0">
+                <a:solidFill>
+                  <a:srgbClr val="859900"/>
+                </a:solidFill>
+                <a:latin typeface="Consolas" panose="020B0609020204030204" pitchFamily="49" charset="0"/>
+              </a:rPr>
+              <a:t>as</a:t>
+            </a:r>
+            <a:r>
+              <a:rPr lang="en-US" sz="2000" dirty="0" smtClean="0">
+                <a:solidFill>
+                  <a:srgbClr val="839496"/>
+                </a:solidFill>
+                <a:latin typeface="Consolas" panose="020B0609020204030204" pitchFamily="49" charset="0"/>
+              </a:rPr>
+              <a:t> </a:t>
+            </a:r>
+            <a:r>
+              <a:rPr lang="en-US" sz="2000" dirty="0" err="1" smtClean="0">
+                <a:solidFill>
+                  <a:srgbClr val="839496"/>
+                </a:solidFill>
+                <a:latin typeface="Consolas" panose="020B0609020204030204" pitchFamily="49" charset="0"/>
+              </a:rPr>
+              <a:t>dx_first</a:t>
+            </a:r>
+            <a:endParaRPr lang="en-US" sz="2000" dirty="0" smtClean="0">
+              <a:solidFill>
+                <a:srgbClr val="839496"/>
+              </a:solidFill>
+              <a:latin typeface="Consolas" panose="020B0609020204030204" pitchFamily="49" charset="0"/>
+            </a:endParaRPr>
+          </a:p>
+          <a:p>
+            <a:pPr marL="0" indent="0">
+              <a:buNone/>
+            </a:pPr>
+            <a:r>
+              <a:rPr lang="en-US" sz="2000" dirty="0" smtClean="0">
+                <a:solidFill>
+                  <a:srgbClr val="839496"/>
+                </a:solidFill>
+                <a:latin typeface="Consolas" panose="020B0609020204030204" pitchFamily="49" charset="0"/>
+              </a:rPr>
+              <a:t>    ,</a:t>
+            </a:r>
+            <a:r>
+              <a:rPr lang="en-US" sz="2000" dirty="0" smtClean="0">
+                <a:solidFill>
+                  <a:srgbClr val="268BD2"/>
+                </a:solidFill>
+                <a:latin typeface="Consolas" panose="020B0609020204030204" pitchFamily="49" charset="0"/>
+              </a:rPr>
+              <a:t>max</a:t>
+            </a:r>
+            <a:r>
+              <a:rPr lang="en-US" sz="2000" dirty="0" smtClean="0">
+                <a:solidFill>
+                  <a:srgbClr val="839496"/>
+                </a:solidFill>
+                <a:latin typeface="Consolas" panose="020B0609020204030204" pitchFamily="49" charset="0"/>
+              </a:rPr>
+              <a:t>(</a:t>
+            </a:r>
+            <a:r>
+              <a:rPr lang="en-US" sz="2000" dirty="0" err="1" smtClean="0">
+                <a:solidFill>
+                  <a:srgbClr val="839496"/>
+                </a:solidFill>
+                <a:latin typeface="Consolas" panose="020B0609020204030204" pitchFamily="49" charset="0"/>
+              </a:rPr>
+              <a:t>condition_start_date</a:t>
+            </a:r>
+            <a:r>
+              <a:rPr lang="en-US" sz="2000" dirty="0" smtClean="0">
+                <a:solidFill>
+                  <a:srgbClr val="839496"/>
+                </a:solidFill>
+                <a:latin typeface="Consolas" panose="020B0609020204030204" pitchFamily="49" charset="0"/>
+              </a:rPr>
+              <a:t>) </a:t>
+            </a:r>
+            <a:r>
+              <a:rPr lang="en-US" sz="2000" dirty="0" smtClean="0">
+                <a:solidFill>
+                  <a:srgbClr val="859900"/>
+                </a:solidFill>
+                <a:latin typeface="Consolas" panose="020B0609020204030204" pitchFamily="49" charset="0"/>
+              </a:rPr>
+              <a:t>as</a:t>
+            </a:r>
+            <a:r>
+              <a:rPr lang="en-US" sz="2000" dirty="0" smtClean="0">
+                <a:solidFill>
+                  <a:srgbClr val="839496"/>
+                </a:solidFill>
+                <a:latin typeface="Consolas" panose="020B0609020204030204" pitchFamily="49" charset="0"/>
+              </a:rPr>
+              <a:t> </a:t>
+            </a:r>
+            <a:r>
+              <a:rPr lang="en-US" sz="2000" dirty="0" err="1" smtClean="0">
+                <a:solidFill>
+                  <a:srgbClr val="839496"/>
+                </a:solidFill>
+                <a:latin typeface="Consolas" panose="020B0609020204030204" pitchFamily="49" charset="0"/>
+              </a:rPr>
+              <a:t>dx_last</a:t>
+            </a:r>
+            <a:endParaRPr lang="en-US" sz="2000" dirty="0" smtClean="0">
+              <a:solidFill>
+                <a:srgbClr val="839496"/>
+              </a:solidFill>
+              <a:latin typeface="Consolas" panose="020B0609020204030204" pitchFamily="49" charset="0"/>
+            </a:endParaRPr>
+          </a:p>
+          <a:p>
+            <a:pPr marL="0" indent="0">
+              <a:buNone/>
+            </a:pPr>
+            <a:r>
+              <a:rPr lang="en-US" sz="2000" dirty="0" smtClean="0">
+                <a:solidFill>
+                  <a:srgbClr val="859900"/>
+                </a:solidFill>
+                <a:latin typeface="Consolas" panose="020B0609020204030204" pitchFamily="49" charset="0"/>
+              </a:rPr>
+              <a:t>FROM</a:t>
+            </a:r>
+            <a:r>
+              <a:rPr lang="en-US" sz="2000" dirty="0" smtClean="0">
+                <a:solidFill>
+                  <a:srgbClr val="839496"/>
+                </a:solidFill>
+                <a:latin typeface="Consolas" panose="020B0609020204030204" pitchFamily="49" charset="0"/>
+              </a:rPr>
+              <a:t> </a:t>
+            </a:r>
+            <a:r>
+              <a:rPr lang="en-US" sz="2000" dirty="0" err="1" smtClean="0">
+                <a:solidFill>
+                  <a:srgbClr val="839496"/>
+                </a:solidFill>
+                <a:latin typeface="Consolas" panose="020B0609020204030204" pitchFamily="49" charset="0"/>
+              </a:rPr>
+              <a:t>condition_occurrence</a:t>
+            </a:r>
+            <a:endParaRPr lang="en-US" sz="2000" dirty="0" smtClean="0">
+              <a:solidFill>
+                <a:srgbClr val="839496"/>
+              </a:solidFill>
+              <a:latin typeface="Consolas" panose="020B0609020204030204" pitchFamily="49" charset="0"/>
+            </a:endParaRPr>
+          </a:p>
+          <a:p>
+            <a:pPr marL="0" indent="0">
+              <a:buNone/>
+            </a:pPr>
+            <a:r>
+              <a:rPr lang="en-US" sz="2000" dirty="0" smtClean="0">
+                <a:solidFill>
+                  <a:srgbClr val="859900"/>
+                </a:solidFill>
+                <a:latin typeface="Consolas" panose="020B0609020204030204" pitchFamily="49" charset="0"/>
+              </a:rPr>
+              <a:t>WHERE</a:t>
+            </a:r>
+            <a:r>
+              <a:rPr lang="en-US" sz="2000" dirty="0" smtClean="0">
+                <a:solidFill>
+                  <a:srgbClr val="839496"/>
+                </a:solidFill>
+                <a:latin typeface="Consolas" panose="020B0609020204030204" pitchFamily="49" charset="0"/>
+              </a:rPr>
+              <a:t> </a:t>
+            </a:r>
+          </a:p>
+          <a:p>
+            <a:pPr marL="0" indent="0">
+              <a:buNone/>
+            </a:pPr>
+            <a:r>
+              <a:rPr lang="en-US" sz="2000" dirty="0" smtClean="0">
+                <a:solidFill>
+                  <a:srgbClr val="839496"/>
+                </a:solidFill>
+                <a:latin typeface="Consolas" panose="020B0609020204030204" pitchFamily="49" charset="0"/>
+              </a:rPr>
+              <a:t>    </a:t>
+            </a:r>
+            <a:r>
+              <a:rPr lang="en-US" sz="2000" dirty="0" err="1" smtClean="0">
+                <a:solidFill>
+                  <a:srgbClr val="839496"/>
+                </a:solidFill>
+                <a:latin typeface="Consolas" panose="020B0609020204030204" pitchFamily="49" charset="0"/>
+              </a:rPr>
+              <a:t>condition_concept_id</a:t>
+            </a:r>
+            <a:r>
+              <a:rPr lang="en-US" sz="2000" dirty="0" smtClean="0">
+                <a:solidFill>
+                  <a:srgbClr val="839496"/>
+                </a:solidFill>
+                <a:latin typeface="Consolas" panose="020B0609020204030204" pitchFamily="49" charset="0"/>
+              </a:rPr>
+              <a:t> </a:t>
+            </a:r>
+            <a:r>
+              <a:rPr lang="en-US" sz="2000" dirty="0" smtClean="0">
+                <a:solidFill>
+                  <a:srgbClr val="859900"/>
+                </a:solidFill>
+                <a:latin typeface="Consolas" panose="020B0609020204030204" pitchFamily="49" charset="0"/>
+              </a:rPr>
+              <a:t>=</a:t>
+            </a:r>
+            <a:r>
+              <a:rPr lang="en-US" sz="2000" dirty="0" smtClean="0">
+                <a:solidFill>
+                  <a:srgbClr val="839496"/>
+                </a:solidFill>
+                <a:latin typeface="Consolas" panose="020B0609020204030204" pitchFamily="49" charset="0"/>
+              </a:rPr>
+              <a:t> </a:t>
+            </a:r>
+            <a:r>
+              <a:rPr lang="en-US" sz="2000" dirty="0" smtClean="0">
+                <a:solidFill>
+                  <a:srgbClr val="2AA198"/>
+                </a:solidFill>
+                <a:latin typeface="Consolas" panose="020B0609020204030204" pitchFamily="49" charset="0"/>
+              </a:rPr>
+              <a:t>'37311061'</a:t>
+            </a:r>
+            <a:endParaRPr lang="en-US" sz="2000" dirty="0" smtClean="0">
+              <a:solidFill>
+                <a:srgbClr val="839496"/>
+              </a:solidFill>
+              <a:latin typeface="Consolas" panose="020B0609020204030204" pitchFamily="49" charset="0"/>
+            </a:endParaRPr>
+          </a:p>
+          <a:p>
+            <a:pPr marL="0" indent="0">
+              <a:buNone/>
+            </a:pPr>
+            <a:r>
+              <a:rPr lang="en-US" sz="2000" dirty="0" smtClean="0">
+                <a:solidFill>
+                  <a:srgbClr val="859900"/>
+                </a:solidFill>
+                <a:latin typeface="Consolas" panose="020B0609020204030204" pitchFamily="49" charset="0"/>
+              </a:rPr>
+              <a:t>GROUP BY</a:t>
+            </a:r>
+            <a:r>
+              <a:rPr lang="en-US" sz="2000" dirty="0" smtClean="0">
+                <a:solidFill>
+                  <a:srgbClr val="839496"/>
+                </a:solidFill>
+                <a:latin typeface="Consolas" panose="020B0609020204030204" pitchFamily="49" charset="0"/>
+              </a:rPr>
+              <a:t> </a:t>
+            </a:r>
+            <a:r>
+              <a:rPr lang="en-US" sz="2000" dirty="0" err="1" smtClean="0">
+                <a:solidFill>
+                  <a:srgbClr val="839496"/>
+                </a:solidFill>
+                <a:latin typeface="Consolas" panose="020B0609020204030204" pitchFamily="49" charset="0"/>
+              </a:rPr>
+              <a:t>person_id</a:t>
+            </a:r>
+            <a:endParaRPr lang="en-US" sz="2000" dirty="0" smtClean="0">
+              <a:solidFill>
+                <a:srgbClr val="839496"/>
+              </a:solidFill>
+              <a:latin typeface="Consolas" panose="020B0609020204030204" pitchFamily="49" charset="0"/>
+            </a:endParaRPr>
+          </a:p>
+          <a:p>
+            <a:pPr marL="231775" lvl="0" indent="-231775" eaLnBrk="0" fontAlgn="base" hangingPunct="0">
+              <a:lnSpc>
+                <a:spcPct val="100000"/>
+              </a:lnSpc>
+              <a:spcBef>
+                <a:spcPct val="0"/>
+              </a:spcBef>
+              <a:spcAft>
+                <a:spcPct val="0"/>
+              </a:spcAft>
+            </a:pPr>
+            <a:endParaRPr lang="en-US" dirty="0" smtClean="0"/>
+          </a:p>
+          <a:p>
+            <a:pPr marL="231775" lvl="0" indent="-231775" eaLnBrk="0" fontAlgn="base" hangingPunct="0">
+              <a:lnSpc>
+                <a:spcPct val="100000"/>
+              </a:lnSpc>
+              <a:spcBef>
+                <a:spcPct val="0"/>
+              </a:spcBef>
+              <a:spcAft>
+                <a:spcPct val="0"/>
+              </a:spcAft>
+            </a:pPr>
+            <a:endParaRPr lang="en-US" dirty="0" smtClean="0"/>
+          </a:p>
+          <a:p>
+            <a:pPr marL="231775" lvl="0" indent="-231775" eaLnBrk="0" fontAlgn="base" hangingPunct="0">
+              <a:lnSpc>
+                <a:spcPct val="100000"/>
+              </a:lnSpc>
+              <a:spcBef>
+                <a:spcPct val="0"/>
+              </a:spcBef>
+              <a:spcAft>
+                <a:spcPct val="0"/>
+              </a:spcAft>
+            </a:pPr>
+            <a:endParaRPr lang="en-US" dirty="0"/>
+          </a:p>
+          <a:p>
+            <a:pPr marL="231775" lvl="0" indent="-231775" eaLnBrk="0" fontAlgn="base" hangingPunct="0">
+              <a:lnSpc>
+                <a:spcPct val="100000"/>
+              </a:lnSpc>
+              <a:spcBef>
+                <a:spcPct val="0"/>
+              </a:spcBef>
+              <a:spcAft>
+                <a:spcPct val="0"/>
+              </a:spcAft>
+            </a:pPr>
+            <a:endParaRPr lang="en-US" dirty="0" smtClean="0"/>
+          </a:p>
+        </p:txBody>
+      </p:sp>
+      <p:pic>
+        <p:nvPicPr>
+          <p:cNvPr id="4" name="Picture 3"/>
+          <p:cNvPicPr>
+            <a:picLocks noChangeAspect="1"/>
+          </p:cNvPicPr>
+          <p:nvPr/>
+        </p:nvPicPr>
+        <p:blipFill>
+          <a:blip r:embed="rId3"/>
+          <a:stretch>
+            <a:fillRect/>
+          </a:stretch>
+        </p:blipFill>
+        <p:spPr>
+          <a:xfrm>
+            <a:off x="6478026" y="315644"/>
+            <a:ext cx="5200650" cy="6057900"/>
+          </a:xfrm>
+          <a:prstGeom prst="rect">
+            <a:avLst/>
+          </a:prstGeom>
+          <a:ln>
+            <a:noFill/>
+          </a:ln>
+          <a:effectLst>
+            <a:outerShdw blurRad="292100" dist="139700" dir="2700000" algn="tl" rotWithShape="0">
+              <a:srgbClr val="333333">
+                <a:alpha val="65000"/>
+              </a:srgbClr>
+            </a:outerShdw>
+          </a:effectLst>
+        </p:spPr>
+      </p:pic>
+      <p:sp>
+        <p:nvSpPr>
+          <p:cNvPr id="6" name="TextBox 5"/>
+          <p:cNvSpPr txBox="1"/>
+          <p:nvPr/>
+        </p:nvSpPr>
+        <p:spPr>
+          <a:xfrm>
+            <a:off x="9468177" y="6504522"/>
+            <a:ext cx="2723823" cy="369332"/>
+          </a:xfrm>
+          <a:prstGeom prst="rect">
+            <a:avLst/>
+          </a:prstGeom>
+          <a:noFill/>
+        </p:spPr>
+        <p:txBody>
+          <a:bodyPr wrap="none" rtlCol="0">
+            <a:spAutoFit/>
+          </a:bodyPr>
+          <a:lstStyle/>
+          <a:p>
+            <a:r>
+              <a:rPr lang="en-US" dirty="0" smtClean="0">
+                <a:solidFill>
+                  <a:schemeClr val="bg1">
+                    <a:lumMod val="65000"/>
+                  </a:schemeClr>
+                </a:solidFill>
+              </a:rPr>
+              <a:t>synthetic/fake patient data</a:t>
+            </a:r>
+            <a:endParaRPr lang="en-US" dirty="0">
+              <a:solidFill>
+                <a:schemeClr val="bg1">
+                  <a:lumMod val="65000"/>
+                </a:schemeClr>
+              </a:solidFill>
+            </a:endParaRPr>
+          </a:p>
+        </p:txBody>
+      </p:sp>
+    </p:spTree>
+    <p:extLst>
+      <p:ext uri="{BB962C8B-B14F-4D97-AF65-F5344CB8AC3E}">
+        <p14:creationId xmlns:p14="http://schemas.microsoft.com/office/powerpoint/2010/main" val="332465850"/>
       </p:ext>
     </p:extLst>
   </p:cSld>
